--- a/2026/2026-01-09-AI-Updates.pptx
+++ b/2026/2026-01-09-AI-Updates.pptx
@@ -5,7 +5,7 @@
     <p:sldMasterId id="2147483661" r:id="rId1"/>
   </p:sldMasterIdLst>
   <p:notesMasterIdLst>
-    <p:notesMasterId r:id="rId29"/>
+    <p:notesMasterId r:id="rId31"/>
   </p:notesMasterIdLst>
   <p:sldIdLst>
     <p:sldId id="256" r:id="rId2"/>
@@ -35,16 +35,18 @@
     <p:sldId id="280" r:id="rId26"/>
     <p:sldId id="281" r:id="rId27"/>
     <p:sldId id="282" r:id="rId28"/>
+    <p:sldId id="283" r:id="rId29"/>
+    <p:sldId id="284" r:id="rId30"/>
   </p:sldIdLst>
   <p:sldSz cx="9144000" cy="5143500" type="screen16x9"/>
   <p:notesSz cx="6858000" cy="9144000"/>
   <p:embeddedFontLst>
     <p:embeddedFont>
       <p:font typeface="Roboto Mono" pitchFamily="49" charset="0"/>
-      <p:regular r:id="rId30"/>
-      <p:bold r:id="rId31"/>
-      <p:italic r:id="rId32"/>
-      <p:boldItalic r:id="rId33"/>
+      <p:regular r:id="rId32"/>
+      <p:bold r:id="rId33"/>
+      <p:italic r:id="rId34"/>
+      <p:boldItalic r:id="rId35"/>
     </p:embeddedFont>
   </p:embeddedFontLst>
   <p:defaultTextStyle>
@@ -985,7 +987,7 @@
   <p:cSld>
     <p:spTree>
       <p:nvGrpSpPr>
-        <p:cNvPr id="1" name="Shape 196"/>
+        <p:cNvPr id="1" name="Shape 198"/>
         <p:cNvGrpSpPr/>
         <p:nvPr/>
       </p:nvGrpSpPr>
@@ -999,7 +1001,7 @@
       </p:grpSpPr>
       <p:sp>
         <p:nvSpPr>
-          <p:cNvPr id="197" name="Google Shape;197;g39243dd21e3_0_0:notes"/>
+          <p:cNvPr id="199" name="Google Shape;199;g39243dd21e3_0_0:notes"/>
           <p:cNvSpPr>
             <a:spLocks noGrp="1" noRot="1" noChangeAspect="1"/>
           </p:cNvSpPr>
@@ -1050,7 +1052,7 @@
       </p:sp>
       <p:sp>
         <p:nvSpPr>
-          <p:cNvPr id="198" name="Google Shape;198;g39243dd21e3_0_0:notes"/>
+          <p:cNvPr id="200" name="Google Shape;200;g39243dd21e3_0_0:notes"/>
           <p:cNvSpPr txBox="1">
             <a:spLocks noGrp="1"/>
           </p:cNvSpPr>
@@ -1107,7 +1109,7 @@
   <p:cSld>
     <p:spTree>
       <p:nvGrpSpPr>
-        <p:cNvPr id="1" name="Shape 206"/>
+        <p:cNvPr id="1" name="Shape 208"/>
         <p:cNvGrpSpPr/>
         <p:nvPr/>
       </p:nvGrpSpPr>
@@ -1121,7 +1123,7 @@
       </p:grpSpPr>
       <p:sp>
         <p:nvSpPr>
-          <p:cNvPr id="207" name="Google Shape;207;g3b45cfdb34c_0_0:notes"/>
+          <p:cNvPr id="209" name="Google Shape;209;g3b45cfdb34c_0_0:notes"/>
           <p:cNvSpPr>
             <a:spLocks noGrp="1" noRot="1" noChangeAspect="1"/>
           </p:cNvSpPr>
@@ -1172,7 +1174,7 @@
       </p:sp>
       <p:sp>
         <p:nvSpPr>
-          <p:cNvPr id="208" name="Google Shape;208;g3b45cfdb34c_0_0:notes"/>
+          <p:cNvPr id="210" name="Google Shape;210;g3b45cfdb34c_0_0:notes"/>
           <p:cNvSpPr txBox="1">
             <a:spLocks noGrp="1"/>
           </p:cNvSpPr>
@@ -1229,7 +1231,7 @@
   <p:cSld>
     <p:spTree>
       <p:nvGrpSpPr>
-        <p:cNvPr id="1" name="Shape 213"/>
+        <p:cNvPr id="1" name="Shape 215"/>
         <p:cNvGrpSpPr/>
         <p:nvPr/>
       </p:nvGrpSpPr>
@@ -1243,7 +1245,7 @@
       </p:grpSpPr>
       <p:sp>
         <p:nvSpPr>
-          <p:cNvPr id="214" name="Google Shape;214;g3b46bafaffb_0_6:notes"/>
+          <p:cNvPr id="216" name="Google Shape;216;g3b46bafaffb_0_6:notes"/>
           <p:cNvSpPr>
             <a:spLocks noGrp="1" noRot="1" noChangeAspect="1"/>
           </p:cNvSpPr>
@@ -1294,7 +1296,7 @@
       </p:sp>
       <p:sp>
         <p:nvSpPr>
-          <p:cNvPr id="215" name="Google Shape;215;g3b46bafaffb_0_6:notes"/>
+          <p:cNvPr id="217" name="Google Shape;217;g3b46bafaffb_0_6:notes"/>
           <p:cNvSpPr txBox="1">
             <a:spLocks noGrp="1"/>
           </p:cNvSpPr>
@@ -1351,7 +1353,7 @@
   <p:cSld>
     <p:spTree>
       <p:nvGrpSpPr>
-        <p:cNvPr id="1" name="Shape 221"/>
+        <p:cNvPr id="1" name="Shape 223"/>
         <p:cNvGrpSpPr/>
         <p:nvPr/>
       </p:nvGrpSpPr>
@@ -1365,7 +1367,7 @@
       </p:grpSpPr>
       <p:sp>
         <p:nvSpPr>
-          <p:cNvPr id="222" name="Google Shape;222;g3922ccfc05a_0_12:notes"/>
+          <p:cNvPr id="224" name="Google Shape;224;g3922ccfc05a_0_12:notes"/>
           <p:cNvSpPr>
             <a:spLocks noGrp="1" noRot="1" noChangeAspect="1"/>
           </p:cNvSpPr>
@@ -1416,7 +1418,7 @@
       </p:sp>
       <p:sp>
         <p:nvSpPr>
-          <p:cNvPr id="223" name="Google Shape;223;g3922ccfc05a_0_12:notes"/>
+          <p:cNvPr id="225" name="Google Shape;225;g3922ccfc05a_0_12:notes"/>
           <p:cNvSpPr txBox="1">
             <a:spLocks noGrp="1"/>
           </p:cNvSpPr>
@@ -1473,7 +1475,7 @@
   <p:cSld>
     <p:spTree>
       <p:nvGrpSpPr>
-        <p:cNvPr id="1" name="Shape 229"/>
+        <p:cNvPr id="1" name="Shape 231"/>
         <p:cNvGrpSpPr/>
         <p:nvPr/>
       </p:nvGrpSpPr>
@@ -1487,7 +1489,7 @@
       </p:grpSpPr>
       <p:sp>
         <p:nvSpPr>
-          <p:cNvPr id="230" name="Google Shape;230;g3b46bafaffb_0_0:notes"/>
+          <p:cNvPr id="232" name="Google Shape;232;g3b46bafaffb_0_0:notes"/>
           <p:cNvSpPr>
             <a:spLocks noGrp="1" noRot="1" noChangeAspect="1"/>
           </p:cNvSpPr>
@@ -1538,7 +1540,7 @@
       </p:sp>
       <p:sp>
         <p:nvSpPr>
-          <p:cNvPr id="231" name="Google Shape;231;g3b46bafaffb_0_0:notes"/>
+          <p:cNvPr id="233" name="Google Shape;233;g3b46bafaffb_0_0:notes"/>
           <p:cNvSpPr txBox="1">
             <a:spLocks noGrp="1"/>
           </p:cNvSpPr>
@@ -1595,7 +1597,7 @@
   <p:cSld>
     <p:spTree>
       <p:nvGrpSpPr>
-        <p:cNvPr id="1" name="Shape 237"/>
+        <p:cNvPr id="1" name="Shape 239"/>
         <p:cNvGrpSpPr/>
         <p:nvPr/>
       </p:nvGrpSpPr>
@@ -1609,7 +1611,7 @@
       </p:grpSpPr>
       <p:sp>
         <p:nvSpPr>
-          <p:cNvPr id="238" name="Google Shape;238;g3922ccfc05a_0_1:notes"/>
+          <p:cNvPr id="240" name="Google Shape;240;g3922ccfc05a_0_1:notes"/>
           <p:cNvSpPr>
             <a:spLocks noGrp="1" noRot="1" noChangeAspect="1"/>
           </p:cNvSpPr>
@@ -1660,7 +1662,7 @@
       </p:sp>
       <p:sp>
         <p:nvSpPr>
-          <p:cNvPr id="239" name="Google Shape;239;g3922ccfc05a_0_1:notes"/>
+          <p:cNvPr id="241" name="Google Shape;241;g3922ccfc05a_0_1:notes"/>
           <p:cNvSpPr txBox="1">
             <a:spLocks noGrp="1"/>
           </p:cNvSpPr>
@@ -1717,7 +1719,7 @@
   <p:cSld>
     <p:spTree>
       <p:nvGrpSpPr>
-        <p:cNvPr id="1" name="Shape 245"/>
+        <p:cNvPr id="1" name="Shape 247"/>
         <p:cNvGrpSpPr/>
         <p:nvPr/>
       </p:nvGrpSpPr>
@@ -1731,7 +1733,7 @@
       </p:grpSpPr>
       <p:sp>
         <p:nvSpPr>
-          <p:cNvPr id="246" name="Google Shape;246;g3b46bafaffb_1_0:notes"/>
+          <p:cNvPr id="248" name="Google Shape;248;g3b46bafaffb_1_0:notes"/>
           <p:cNvSpPr>
             <a:spLocks noGrp="1" noRot="1" noChangeAspect="1"/>
           </p:cNvSpPr>
@@ -1782,7 +1784,7 @@
       </p:sp>
       <p:sp>
         <p:nvSpPr>
-          <p:cNvPr id="247" name="Google Shape;247;g3b46bafaffb_1_0:notes"/>
+          <p:cNvPr id="249" name="Google Shape;249;g3b46bafaffb_1_0:notes"/>
           <p:cNvSpPr txBox="1">
             <a:spLocks noGrp="1"/>
           </p:cNvSpPr>
@@ -1839,7 +1841,7 @@
   <p:cSld>
     <p:spTree>
       <p:nvGrpSpPr>
-        <p:cNvPr id="1" name="Shape 252"/>
+        <p:cNvPr id="1" name="Shape 254"/>
         <p:cNvGrpSpPr/>
         <p:nvPr/>
       </p:nvGrpSpPr>
@@ -1853,7 +1855,7 @@
       </p:grpSpPr>
       <p:sp>
         <p:nvSpPr>
-          <p:cNvPr id="253" name="Google Shape;253;g39261b5b1fe_1_0:notes"/>
+          <p:cNvPr id="255" name="Google Shape;255;g39261b5b1fe_1_0:notes"/>
           <p:cNvSpPr>
             <a:spLocks noGrp="1" noRot="1" noChangeAspect="1"/>
           </p:cNvSpPr>
@@ -1904,7 +1906,7 @@
       </p:sp>
       <p:sp>
         <p:nvSpPr>
-          <p:cNvPr id="254" name="Google Shape;254;g39261b5b1fe_1_0:notes"/>
+          <p:cNvPr id="256" name="Google Shape;256;g39261b5b1fe_1_0:notes"/>
           <p:cNvSpPr txBox="1">
             <a:spLocks noGrp="1"/>
           </p:cNvSpPr>
@@ -1961,7 +1963,7 @@
   <p:cSld>
     <p:spTree>
       <p:nvGrpSpPr>
-        <p:cNvPr id="1" name="Shape 264"/>
+        <p:cNvPr id="1" name="Shape 266"/>
         <p:cNvGrpSpPr/>
         <p:nvPr/>
       </p:nvGrpSpPr>
@@ -1975,7 +1977,7 @@
       </p:grpSpPr>
       <p:sp>
         <p:nvSpPr>
-          <p:cNvPr id="265" name="Google Shape;265;g39261b5b1fe_1_16:notes"/>
+          <p:cNvPr id="267" name="Google Shape;267;g39261b5b1fe_1_16:notes"/>
           <p:cNvSpPr>
             <a:spLocks noGrp="1" noRot="1" noChangeAspect="1"/>
           </p:cNvSpPr>
@@ -2026,7 +2028,7 @@
       </p:sp>
       <p:sp>
         <p:nvSpPr>
-          <p:cNvPr id="266" name="Google Shape;266;g39261b5b1fe_1_16:notes"/>
+          <p:cNvPr id="268" name="Google Shape;268;g39261b5b1fe_1_16:notes"/>
           <p:cNvSpPr txBox="1">
             <a:spLocks noGrp="1"/>
           </p:cNvSpPr>
@@ -2083,7 +2085,7 @@
   <p:cSld>
     <p:spTree>
       <p:nvGrpSpPr>
-        <p:cNvPr id="1" name="Shape 272"/>
+        <p:cNvPr id="1" name="Shape 274"/>
         <p:cNvGrpSpPr/>
         <p:nvPr/>
       </p:nvGrpSpPr>
@@ -2097,7 +2099,7 @@
       </p:grpSpPr>
       <p:sp>
         <p:nvSpPr>
-          <p:cNvPr id="273" name="Google Shape;273;g39263d01d0b_0_14:notes"/>
+          <p:cNvPr id="275" name="Google Shape;275;g39263d01d0b_0_14:notes"/>
           <p:cNvSpPr>
             <a:spLocks noGrp="1" noRot="1" noChangeAspect="1"/>
           </p:cNvSpPr>
@@ -2148,7 +2150,7 @@
       </p:sp>
       <p:sp>
         <p:nvSpPr>
-          <p:cNvPr id="274" name="Google Shape;274;g39263d01d0b_0_14:notes"/>
+          <p:cNvPr id="276" name="Google Shape;276;g39263d01d0b_0_14:notes"/>
           <p:cNvSpPr txBox="1">
             <a:spLocks noGrp="1"/>
           </p:cNvSpPr>
@@ -2327,7 +2329,7 @@
   <p:cSld>
     <p:spTree>
       <p:nvGrpSpPr>
-        <p:cNvPr id="1" name="Shape 282"/>
+        <p:cNvPr id="1" name="Shape 284"/>
         <p:cNvGrpSpPr/>
         <p:nvPr/>
       </p:nvGrpSpPr>
@@ -2341,7 +2343,7 @@
       </p:grpSpPr>
       <p:sp>
         <p:nvSpPr>
-          <p:cNvPr id="283" name="Google Shape;283;g39263d01d0b_0_0:notes"/>
+          <p:cNvPr id="285" name="Google Shape;285;g39263d01d0b_0_0:notes"/>
           <p:cNvSpPr>
             <a:spLocks noGrp="1" noRot="1" noChangeAspect="1"/>
           </p:cNvSpPr>
@@ -2392,7 +2394,7 @@
       </p:sp>
       <p:sp>
         <p:nvSpPr>
-          <p:cNvPr id="284" name="Google Shape;284;g39263d01d0b_0_0:notes"/>
+          <p:cNvPr id="286" name="Google Shape;286;g39263d01d0b_0_0:notes"/>
           <p:cNvSpPr txBox="1">
             <a:spLocks noGrp="1"/>
           </p:cNvSpPr>
@@ -2449,7 +2451,7 @@
   <p:cSld>
     <p:spTree>
       <p:nvGrpSpPr>
-        <p:cNvPr id="1" name="Shape 289"/>
+        <p:cNvPr id="1" name="Shape 291"/>
         <p:cNvGrpSpPr/>
         <p:nvPr/>
       </p:nvGrpSpPr>
@@ -2463,7 +2465,7 @@
       </p:grpSpPr>
       <p:sp>
         <p:nvSpPr>
-          <p:cNvPr id="290" name="Google Shape;290;g39263d01d0b_0_8:notes"/>
+          <p:cNvPr id="292" name="Google Shape;292;g39263d01d0b_0_8:notes"/>
           <p:cNvSpPr>
             <a:spLocks noGrp="1" noRot="1" noChangeAspect="1"/>
           </p:cNvSpPr>
@@ -2514,7 +2516,7 @@
       </p:sp>
       <p:sp>
         <p:nvSpPr>
-          <p:cNvPr id="291" name="Google Shape;291;g39263d01d0b_0_8:notes"/>
+          <p:cNvPr id="293" name="Google Shape;293;g39263d01d0b_0_8:notes"/>
           <p:cNvSpPr txBox="1">
             <a:spLocks noGrp="1"/>
           </p:cNvSpPr>
@@ -2571,7 +2573,7 @@
   <p:cSld>
     <p:spTree>
       <p:nvGrpSpPr>
-        <p:cNvPr id="1" name="Shape 295"/>
+        <p:cNvPr id="1" name="Shape 297"/>
         <p:cNvGrpSpPr/>
         <p:nvPr/>
       </p:nvGrpSpPr>
@@ -2585,7 +2587,7 @@
       </p:grpSpPr>
       <p:sp>
         <p:nvSpPr>
-          <p:cNvPr id="296" name="Google Shape;296;g39263d01d0b_0_26:notes"/>
+          <p:cNvPr id="298" name="Google Shape;298;g39263d01d0b_0_26:notes"/>
           <p:cNvSpPr>
             <a:spLocks noGrp="1" noRot="1" noChangeAspect="1"/>
           </p:cNvSpPr>
@@ -2636,7 +2638,7 @@
       </p:sp>
       <p:sp>
         <p:nvSpPr>
-          <p:cNvPr id="297" name="Google Shape;297;g39263d01d0b_0_26:notes"/>
+          <p:cNvPr id="299" name="Google Shape;299;g39263d01d0b_0_26:notes"/>
           <p:cNvSpPr txBox="1">
             <a:spLocks noGrp="1"/>
           </p:cNvSpPr>
@@ -2693,7 +2695,7 @@
   <p:cSld>
     <p:spTree>
       <p:nvGrpSpPr>
-        <p:cNvPr id="1" name="Shape 303"/>
+        <p:cNvPr id="1" name="Shape 305"/>
         <p:cNvGrpSpPr/>
         <p:nvPr/>
       </p:nvGrpSpPr>
@@ -2707,7 +2709,7 @@
       </p:grpSpPr>
       <p:sp>
         <p:nvSpPr>
-          <p:cNvPr id="304" name="Google Shape;304;g39261b5b1fe_1_37:notes"/>
+          <p:cNvPr id="306" name="Google Shape;306;g39261b5b1fe_1_37:notes"/>
           <p:cNvSpPr>
             <a:spLocks noGrp="1" noRot="1" noChangeAspect="1"/>
           </p:cNvSpPr>
@@ -2758,7 +2760,7 @@
       </p:sp>
       <p:sp>
         <p:nvSpPr>
-          <p:cNvPr id="305" name="Google Shape;305;g39261b5b1fe_1_37:notes"/>
+          <p:cNvPr id="307" name="Google Shape;307;g39261b5b1fe_1_37:notes"/>
           <p:cNvSpPr txBox="1">
             <a:spLocks noGrp="1"/>
           </p:cNvSpPr>
@@ -2815,7 +2817,7 @@
   <p:cSld>
     <p:spTree>
       <p:nvGrpSpPr>
-        <p:cNvPr id="1" name="Shape 311"/>
+        <p:cNvPr id="1" name="Shape 315"/>
         <p:cNvGrpSpPr/>
         <p:nvPr/>
       </p:nvGrpSpPr>
@@ -2829,7 +2831,7 @@
       </p:grpSpPr>
       <p:sp>
         <p:nvSpPr>
-          <p:cNvPr id="312" name="Google Shape;312;g39261b5b1fe_1_48:notes"/>
+          <p:cNvPr id="316" name="Google Shape;316;g3b5e33ffe5f_1_0:notes"/>
           <p:cNvSpPr>
             <a:spLocks noGrp="1" noRot="1" noChangeAspect="1"/>
           </p:cNvSpPr>
@@ -2880,7 +2882,7 @@
       </p:sp>
       <p:sp>
         <p:nvSpPr>
-          <p:cNvPr id="313" name="Google Shape;313;g39261b5b1fe_1_48:notes"/>
+          <p:cNvPr id="317" name="Google Shape;317;g3b5e33ffe5f_1_0:notes"/>
           <p:cNvSpPr txBox="1">
             <a:spLocks noGrp="1"/>
           </p:cNvSpPr>
@@ -2937,7 +2939,7 @@
   <p:cSld>
     <p:spTree>
       <p:nvGrpSpPr>
-        <p:cNvPr id="1" name="Shape 318"/>
+        <p:cNvPr id="1" name="Shape 326"/>
         <p:cNvGrpSpPr/>
         <p:nvPr/>
       </p:nvGrpSpPr>
@@ -2951,7 +2953,7 @@
       </p:grpSpPr>
       <p:sp>
         <p:nvSpPr>
-          <p:cNvPr id="319" name="Google Shape;319;p23:notes"/>
+          <p:cNvPr id="327" name="Google Shape;327;g39261b5b1fe_1_48:notes"/>
           <p:cNvSpPr>
             <a:spLocks noGrp="1" noRot="1" noChangeAspect="1"/>
           </p:cNvSpPr>
@@ -3002,7 +3004,7 @@
       </p:sp>
       <p:sp>
         <p:nvSpPr>
-          <p:cNvPr id="320" name="Google Shape;320;p23:notes"/>
+          <p:cNvPr id="328" name="Google Shape;328;g39261b5b1fe_1_48:notes"/>
           <p:cNvSpPr txBox="1">
             <a:spLocks noGrp="1"/>
           </p:cNvSpPr>
@@ -3059,7 +3061,7 @@
   <p:cSld>
     <p:spTree>
       <p:nvGrpSpPr>
-        <p:cNvPr id="1" name="Shape 328"/>
+        <p:cNvPr id="1" name="Shape 333"/>
         <p:cNvGrpSpPr/>
         <p:nvPr/>
       </p:nvGrpSpPr>
@@ -3073,7 +3075,7 @@
       </p:grpSpPr>
       <p:sp>
         <p:nvSpPr>
-          <p:cNvPr id="329" name="Google Shape;329;p24:notes"/>
+          <p:cNvPr id="334" name="Google Shape;334;g3b5e8fd0788_1_0:notes"/>
           <p:cNvSpPr>
             <a:spLocks noGrp="1" noRot="1" noChangeAspect="1"/>
           </p:cNvSpPr>
@@ -3124,7 +3126,7 @@
       </p:sp>
       <p:sp>
         <p:nvSpPr>
-          <p:cNvPr id="330" name="Google Shape;330;p24:notes"/>
+          <p:cNvPr id="335" name="Google Shape;335;g3b5e8fd0788_1_0:notes"/>
           <p:cNvSpPr txBox="1">
             <a:spLocks noGrp="1"/>
           </p:cNvSpPr>
@@ -3181,7 +3183,7 @@
   <p:cSld>
     <p:spTree>
       <p:nvGrpSpPr>
-        <p:cNvPr id="1" name="Shape 338"/>
+        <p:cNvPr id="1" name="Shape 341"/>
         <p:cNvGrpSpPr/>
         <p:nvPr/>
       </p:nvGrpSpPr>
@@ -3195,7 +3197,251 @@
       </p:grpSpPr>
       <p:sp>
         <p:nvSpPr>
-          <p:cNvPr id="339" name="Google Shape;339;p25:notes"/>
+          <p:cNvPr id="342" name="Google Shape;342;p23:notes"/>
+          <p:cNvSpPr>
+            <a:spLocks noGrp="1" noRot="1" noChangeAspect="1"/>
+          </p:cNvSpPr>
+          <p:nvPr>
+            <p:ph type="sldImg" idx="2"/>
+          </p:nvPr>
+        </p:nvSpPr>
+        <p:spPr>
+          <a:xfrm>
+            <a:off x="381000" y="685800"/>
+            <a:ext cx="6096000" cy="3429000"/>
+          </a:xfrm>
+          <a:custGeom>
+            <a:avLst/>
+            <a:gdLst/>
+            <a:ahLst/>
+            <a:cxnLst/>
+            <a:rect l="l" t="t" r="r" b="b"/>
+            <a:pathLst>
+              <a:path w="120000" h="120000" extrusionOk="0">
+                <a:moveTo>
+                  <a:pt x="0" y="0"/>
+                </a:moveTo>
+                <a:lnTo>
+                  <a:pt x="120000" y="0"/>
+                </a:lnTo>
+                <a:lnTo>
+                  <a:pt x="120000" y="120000"/>
+                </a:lnTo>
+                <a:lnTo>
+                  <a:pt x="0" y="120000"/>
+                </a:lnTo>
+                <a:close/>
+              </a:path>
+            </a:pathLst>
+          </a:custGeom>
+          <a:noFill/>
+          <a:ln w="9525" cap="flat" cmpd="sng">
+            <a:solidFill>
+              <a:srgbClr val="000000"/>
+            </a:solidFill>
+            <a:prstDash val="solid"/>
+            <a:round/>
+            <a:headEnd type="none" w="sm" len="sm"/>
+            <a:tailEnd type="none" w="sm" len="sm"/>
+          </a:ln>
+        </p:spPr>
+      </p:sp>
+      <p:sp>
+        <p:nvSpPr>
+          <p:cNvPr id="343" name="Google Shape;343;p23:notes"/>
+          <p:cNvSpPr txBox="1">
+            <a:spLocks noGrp="1"/>
+          </p:cNvSpPr>
+          <p:nvPr>
+            <p:ph type="body" idx="1"/>
+          </p:nvPr>
+        </p:nvSpPr>
+        <p:spPr>
+          <a:xfrm>
+            <a:off x="685800" y="4343400"/>
+            <a:ext cx="5486400" cy="4114800"/>
+          </a:xfrm>
+          <a:prstGeom prst="rect">
+            <a:avLst/>
+          </a:prstGeom>
+          <a:noFill/>
+          <a:ln>
+            <a:noFill/>
+          </a:ln>
+        </p:spPr>
+        <p:txBody>
+          <a:bodyPr spcFirstLastPara="1" wrap="square" lIns="91425" tIns="91425" rIns="91425" bIns="91425" anchor="t" anchorCtr="0">
+            <a:noAutofit/>
+          </a:bodyPr>
+          <a:lstStyle/>
+          <a:p>
+            <a:pPr marL="0" lvl="0" indent="0" algn="l" rtl="0">
+              <a:lnSpc>
+                <a:spcPct val="100000"/>
+              </a:lnSpc>
+              <a:spcBef>
+                <a:spcPts val="0"/>
+              </a:spcBef>
+              <a:spcAft>
+                <a:spcPts val="0"/>
+              </a:spcAft>
+              <a:buSzPts val="1100"/>
+              <a:buNone/>
+            </a:pPr>
+            <a:endParaRPr/>
+          </a:p>
+        </p:txBody>
+      </p:sp>
+    </p:spTree>
+  </p:cSld>
+  <p:clrMapOvr>
+    <a:masterClrMapping/>
+  </p:clrMapOvr>
+</p:notes>
+</file>
+
+<file path=ppt/notesSlides/notesSlide28.xml><?xml version="1.0" encoding="utf-8"?>
+<p:notes xmlns:a="http://schemas.openxmlformats.org/drawingml/2006/main" xmlns:r="http://schemas.openxmlformats.org/officeDocument/2006/relationships" xmlns:p="http://schemas.openxmlformats.org/presentationml/2006/main" showMasterSp="0" showMasterPhAnim="0">
+  <p:cSld>
+    <p:spTree>
+      <p:nvGrpSpPr>
+        <p:cNvPr id="1" name="Shape 351"/>
+        <p:cNvGrpSpPr/>
+        <p:nvPr/>
+      </p:nvGrpSpPr>
+      <p:grpSpPr>
+        <a:xfrm>
+          <a:off x="0" y="0"/>
+          <a:ext cx="0" cy="0"/>
+          <a:chOff x="0" y="0"/>
+          <a:chExt cx="0" cy="0"/>
+        </a:xfrm>
+      </p:grpSpPr>
+      <p:sp>
+        <p:nvSpPr>
+          <p:cNvPr id="352" name="Google Shape;352;p24:notes"/>
+          <p:cNvSpPr>
+            <a:spLocks noGrp="1" noRot="1" noChangeAspect="1"/>
+          </p:cNvSpPr>
+          <p:nvPr>
+            <p:ph type="sldImg" idx="2"/>
+          </p:nvPr>
+        </p:nvSpPr>
+        <p:spPr>
+          <a:xfrm>
+            <a:off x="381000" y="685800"/>
+            <a:ext cx="6096000" cy="3429000"/>
+          </a:xfrm>
+          <a:custGeom>
+            <a:avLst/>
+            <a:gdLst/>
+            <a:ahLst/>
+            <a:cxnLst/>
+            <a:rect l="l" t="t" r="r" b="b"/>
+            <a:pathLst>
+              <a:path w="120000" h="120000" extrusionOk="0">
+                <a:moveTo>
+                  <a:pt x="0" y="0"/>
+                </a:moveTo>
+                <a:lnTo>
+                  <a:pt x="120000" y="0"/>
+                </a:lnTo>
+                <a:lnTo>
+                  <a:pt x="120000" y="120000"/>
+                </a:lnTo>
+                <a:lnTo>
+                  <a:pt x="0" y="120000"/>
+                </a:lnTo>
+                <a:close/>
+              </a:path>
+            </a:pathLst>
+          </a:custGeom>
+          <a:noFill/>
+          <a:ln w="9525" cap="flat" cmpd="sng">
+            <a:solidFill>
+              <a:srgbClr val="000000"/>
+            </a:solidFill>
+            <a:prstDash val="solid"/>
+            <a:round/>
+            <a:headEnd type="none" w="sm" len="sm"/>
+            <a:tailEnd type="none" w="sm" len="sm"/>
+          </a:ln>
+        </p:spPr>
+      </p:sp>
+      <p:sp>
+        <p:nvSpPr>
+          <p:cNvPr id="353" name="Google Shape;353;p24:notes"/>
+          <p:cNvSpPr txBox="1">
+            <a:spLocks noGrp="1"/>
+          </p:cNvSpPr>
+          <p:nvPr>
+            <p:ph type="body" idx="1"/>
+          </p:nvPr>
+        </p:nvSpPr>
+        <p:spPr>
+          <a:xfrm>
+            <a:off x="685800" y="4343400"/>
+            <a:ext cx="5486400" cy="4114800"/>
+          </a:xfrm>
+          <a:prstGeom prst="rect">
+            <a:avLst/>
+          </a:prstGeom>
+          <a:noFill/>
+          <a:ln>
+            <a:noFill/>
+          </a:ln>
+        </p:spPr>
+        <p:txBody>
+          <a:bodyPr spcFirstLastPara="1" wrap="square" lIns="91425" tIns="91425" rIns="91425" bIns="91425" anchor="t" anchorCtr="0">
+            <a:noAutofit/>
+          </a:bodyPr>
+          <a:lstStyle/>
+          <a:p>
+            <a:pPr marL="0" lvl="0" indent="0" algn="l" rtl="0">
+              <a:lnSpc>
+                <a:spcPct val="100000"/>
+              </a:lnSpc>
+              <a:spcBef>
+                <a:spcPts val="0"/>
+              </a:spcBef>
+              <a:spcAft>
+                <a:spcPts val="0"/>
+              </a:spcAft>
+              <a:buSzPts val="1100"/>
+              <a:buNone/>
+            </a:pPr>
+            <a:endParaRPr/>
+          </a:p>
+        </p:txBody>
+      </p:sp>
+    </p:spTree>
+  </p:cSld>
+  <p:clrMapOvr>
+    <a:masterClrMapping/>
+  </p:clrMapOvr>
+</p:notes>
+</file>
+
+<file path=ppt/notesSlides/notesSlide29.xml><?xml version="1.0" encoding="utf-8"?>
+<p:notes xmlns:a="http://schemas.openxmlformats.org/drawingml/2006/main" xmlns:r="http://schemas.openxmlformats.org/officeDocument/2006/relationships" xmlns:p="http://schemas.openxmlformats.org/presentationml/2006/main" showMasterSp="0" showMasterPhAnim="0">
+  <p:cSld>
+    <p:spTree>
+      <p:nvGrpSpPr>
+        <p:cNvPr id="1" name="Shape 361"/>
+        <p:cNvGrpSpPr/>
+        <p:nvPr/>
+      </p:nvGrpSpPr>
+      <p:grpSpPr>
+        <a:xfrm>
+          <a:off x="0" y="0"/>
+          <a:ext cx="0" cy="0"/>
+          <a:chOff x="0" y="0"/>
+          <a:chExt cx="0" cy="0"/>
+        </a:xfrm>
+      </p:grpSpPr>
+      <p:sp>
+        <p:nvSpPr>
+          <p:cNvPr id="362" name="Google Shape;362;p25:notes"/>
           <p:cNvSpPr>
             <a:spLocks noGrp="1" noRot="1" noChangeAspect="1"/>
           </p:cNvSpPr>
@@ -3246,7 +3492,7 @@
       </p:sp>
       <p:sp>
         <p:nvSpPr>
-          <p:cNvPr id="340" name="Google Shape;340;p25:notes"/>
+          <p:cNvPr id="363" name="Google Shape;363;p25:notes"/>
           <p:cNvSpPr txBox="1">
             <a:spLocks noGrp="1"/>
           </p:cNvSpPr>
@@ -3547,7 +3793,7 @@
   <p:cSld>
     <p:spTree>
       <p:nvGrpSpPr>
-        <p:cNvPr id="1" name="Shape 156"/>
+        <p:cNvPr id="1" name="Shape 157"/>
         <p:cNvGrpSpPr/>
         <p:nvPr/>
       </p:nvGrpSpPr>
@@ -3561,7 +3807,7 @@
       </p:grpSpPr>
       <p:sp>
         <p:nvSpPr>
-          <p:cNvPr id="157" name="Google Shape;157;g3922f3ecad1_0_0:notes"/>
+          <p:cNvPr id="158" name="Google Shape;158;g3922f3ecad1_0_0:notes"/>
           <p:cNvSpPr>
             <a:spLocks noGrp="1" noRot="1" noChangeAspect="1"/>
           </p:cNvSpPr>
@@ -3612,7 +3858,7 @@
       </p:sp>
       <p:sp>
         <p:nvSpPr>
-          <p:cNvPr id="158" name="Google Shape;158;g3922f3ecad1_0_0:notes"/>
+          <p:cNvPr id="159" name="Google Shape;159;g3922f3ecad1_0_0:notes"/>
           <p:cNvSpPr txBox="1">
             <a:spLocks noGrp="1"/>
           </p:cNvSpPr>
@@ -3669,7 +3915,7 @@
   <p:cSld>
     <p:spTree>
       <p:nvGrpSpPr>
-        <p:cNvPr id="1" name="Shape 164"/>
+        <p:cNvPr id="1" name="Shape 165"/>
         <p:cNvGrpSpPr/>
         <p:nvPr/>
       </p:nvGrpSpPr>
@@ -3683,7 +3929,7 @@
       </p:grpSpPr>
       <p:sp>
         <p:nvSpPr>
-          <p:cNvPr id="165" name="Google Shape;165;g3b59ac19f4b_0_0:notes"/>
+          <p:cNvPr id="166" name="Google Shape;166;g3b59ac19f4b_0_0:notes"/>
           <p:cNvSpPr>
             <a:spLocks noGrp="1" noRot="1" noChangeAspect="1"/>
           </p:cNvSpPr>
@@ -3734,7 +3980,7 @@
       </p:sp>
       <p:sp>
         <p:nvSpPr>
-          <p:cNvPr id="166" name="Google Shape;166;g3b59ac19f4b_0_0:notes"/>
+          <p:cNvPr id="167" name="Google Shape;167;g3b59ac19f4b_0_0:notes"/>
           <p:cNvSpPr txBox="1">
             <a:spLocks noGrp="1"/>
           </p:cNvSpPr>
@@ -3791,7 +4037,7 @@
   <p:cSld>
     <p:spTree>
       <p:nvGrpSpPr>
-        <p:cNvPr id="1" name="Shape 172"/>
+        <p:cNvPr id="1" name="Shape 174"/>
         <p:cNvGrpSpPr/>
         <p:nvPr/>
       </p:nvGrpSpPr>
@@ -3805,7 +4051,7 @@
       </p:grpSpPr>
       <p:sp>
         <p:nvSpPr>
-          <p:cNvPr id="173" name="Google Shape;173;g3ab6c7aaab3_0_8:notes"/>
+          <p:cNvPr id="175" name="Google Shape;175;g3ab6c7aaab3_0_8:notes"/>
           <p:cNvSpPr>
             <a:spLocks noGrp="1" noRot="1" noChangeAspect="1"/>
           </p:cNvSpPr>
@@ -3856,7 +4102,7 @@
       </p:sp>
       <p:sp>
         <p:nvSpPr>
-          <p:cNvPr id="174" name="Google Shape;174;g3ab6c7aaab3_0_8:notes"/>
+          <p:cNvPr id="176" name="Google Shape;176;g3ab6c7aaab3_0_8:notes"/>
           <p:cNvSpPr txBox="1">
             <a:spLocks noGrp="1"/>
           </p:cNvSpPr>
@@ -3913,7 +4159,7 @@
   <p:cSld>
     <p:spTree>
       <p:nvGrpSpPr>
-        <p:cNvPr id="1" name="Shape 178"/>
+        <p:cNvPr id="1" name="Shape 180"/>
         <p:cNvGrpSpPr/>
         <p:nvPr/>
       </p:nvGrpSpPr>
@@ -3927,7 +4173,7 @@
       </p:grpSpPr>
       <p:sp>
         <p:nvSpPr>
-          <p:cNvPr id="179" name="Google Shape;179;g39216b480c2_0_0:notes"/>
+          <p:cNvPr id="181" name="Google Shape;181;g39216b480c2_0_0:notes"/>
           <p:cNvSpPr>
             <a:spLocks noGrp="1" noRot="1" noChangeAspect="1"/>
           </p:cNvSpPr>
@@ -3978,7 +4224,7 @@
       </p:sp>
       <p:sp>
         <p:nvSpPr>
-          <p:cNvPr id="180" name="Google Shape;180;g39216b480c2_0_0:notes"/>
+          <p:cNvPr id="182" name="Google Shape;182;g39216b480c2_0_0:notes"/>
           <p:cNvSpPr txBox="1">
             <a:spLocks noGrp="1"/>
           </p:cNvSpPr>
@@ -4035,7 +4281,7 @@
   <p:cSld>
     <p:spTree>
       <p:nvGrpSpPr>
-        <p:cNvPr id="1" name="Shape 186"/>
+        <p:cNvPr id="1" name="Shape 188"/>
         <p:cNvGrpSpPr/>
         <p:nvPr/>
       </p:nvGrpSpPr>
@@ -4049,7 +4295,7 @@
       </p:grpSpPr>
       <p:sp>
         <p:nvSpPr>
-          <p:cNvPr id="187" name="Google Shape;187;g3b595b316e5_1_2:notes"/>
+          <p:cNvPr id="189" name="Google Shape;189;g3b595b316e5_1_2:notes"/>
           <p:cNvSpPr>
             <a:spLocks noGrp="1" noRot="1" noChangeAspect="1"/>
           </p:cNvSpPr>
@@ -4100,7 +4346,7 @@
       </p:sp>
       <p:sp>
         <p:nvSpPr>
-          <p:cNvPr id="188" name="Google Shape;188;g3b595b316e5_1_2:notes"/>
+          <p:cNvPr id="190" name="Google Shape;190;g3b595b316e5_1_2:notes"/>
           <p:cNvSpPr txBox="1">
             <a:spLocks noGrp="1"/>
           </p:cNvSpPr>
@@ -13885,8 +14131,8 @@
         </p:nvSpPr>
         <p:spPr>
           <a:xfrm>
-            <a:off x="4590536" y="3717101"/>
-            <a:ext cx="4502400" cy="757200"/>
+            <a:off x="4590536" y="3640901"/>
+            <a:ext cx="4502400" cy="1249800"/>
           </a:xfrm>
           <a:prstGeom prst="rect">
             <a:avLst/>
@@ -13977,7 +14223,87 @@
                 <a:cs typeface="Calibri"/>
                 <a:sym typeface="Calibri"/>
               </a:rPr>
+              <a:t>Karpathy's LLM Council</a:t>
+            </a:r>
+            <a:endParaRPr sz="1600" b="1">
+              <a:solidFill>
+                <a:srgbClr val="3C78D8"/>
+              </a:solidFill>
+              <a:latin typeface="Calibri"/>
+              <a:ea typeface="Calibri"/>
+              <a:cs typeface="Calibri"/>
+              <a:sym typeface="Calibri"/>
+            </a:endParaRPr>
+          </a:p>
+          <a:p>
+            <a:pPr marL="228600" marR="0" lvl="0" indent="-215900" algn="l" rtl="0">
+              <a:lnSpc>
+                <a:spcPct val="100000"/>
+              </a:lnSpc>
+              <a:spcBef>
+                <a:spcPts val="0"/>
+              </a:spcBef>
+              <a:spcAft>
+                <a:spcPts val="0"/>
+              </a:spcAft>
+              <a:buClr>
+                <a:srgbClr val="3C78D8"/>
+              </a:buClr>
+              <a:buSzPts val="1600"/>
+              <a:buFont typeface="Calibri"/>
+              <a:buChar char="●"/>
+            </a:pPr>
+            <a:r>
+              <a:rPr lang="en" sz="1600" b="1">
+                <a:solidFill>
+                  <a:srgbClr val="3C78D8"/>
+                </a:solidFill>
+                <a:latin typeface="Calibri"/>
+                <a:ea typeface="Calibri"/>
+                <a:cs typeface="Calibri"/>
+                <a:sym typeface="Calibri"/>
+              </a:rPr>
               <a:t>Create Content for for AI chat citations</a:t>
+            </a:r>
+            <a:endParaRPr sz="1600" b="1">
+              <a:solidFill>
+                <a:srgbClr val="3C78D8"/>
+              </a:solidFill>
+              <a:latin typeface="Calibri"/>
+              <a:ea typeface="Calibri"/>
+              <a:cs typeface="Calibri"/>
+              <a:sym typeface="Calibri"/>
+            </a:endParaRPr>
+          </a:p>
+          <a:p>
+            <a:pPr marL="228600" marR="0" lvl="0" indent="-215900" algn="l" rtl="0">
+              <a:lnSpc>
+                <a:spcPct val="100000"/>
+              </a:lnSpc>
+              <a:spcBef>
+                <a:spcPts val="0"/>
+              </a:spcBef>
+              <a:spcAft>
+                <a:spcPts val="0"/>
+              </a:spcAft>
+              <a:buClr>
+                <a:srgbClr val="3C78D8"/>
+              </a:buClr>
+              <a:buSzPts val="1600"/>
+              <a:buFont typeface="Calibri"/>
+              <a:buChar char="●"/>
+            </a:pPr>
+            <a:r>
+              <a:rPr lang="en" sz="1600" b="1">
+                <a:solidFill>
+                  <a:srgbClr val="3C78D8"/>
+                </a:solidFill>
+                <a:latin typeface="Calibri"/>
+                <a:ea typeface="Calibri"/>
+                <a:cs typeface="Calibri"/>
+                <a:sym typeface="Calibri"/>
+              </a:rPr>
+              <a:t>Correlation versus causality</a:t>
             </a:r>
             <a:endParaRPr sz="1600" b="1">
               <a:solidFill>
@@ -14945,7 +15271,7 @@
   <p:cSld>
     <p:spTree>
       <p:nvGrpSpPr>
-        <p:cNvPr id="1" name="Shape 199"/>
+        <p:cNvPr id="1" name="Shape 201"/>
         <p:cNvGrpSpPr/>
         <p:nvPr/>
       </p:nvGrpSpPr>
@@ -14959,7 +15285,7 @@
       </p:grpSpPr>
       <p:sp>
         <p:nvSpPr>
-          <p:cNvPr id="200" name="Google Shape;200;p24"/>
+          <p:cNvPr id="202" name="Google Shape;202;p24"/>
           <p:cNvSpPr txBox="1"/>
           <p:nvPr/>
         </p:nvSpPr>
@@ -15025,7 +15351,7 @@
       </p:sp>
       <p:sp>
         <p:nvSpPr>
-          <p:cNvPr id="201" name="Google Shape;201;p24"/>
+          <p:cNvPr id="203" name="Google Shape;203;p24"/>
           <p:cNvSpPr txBox="1"/>
           <p:nvPr/>
         </p:nvSpPr>
@@ -15385,7 +15711,7 @@
       </p:sp>
       <p:pic>
         <p:nvPicPr>
-          <p:cNvPr id="202" name="Google Shape;202;p24"/>
+          <p:cNvPr id="204" name="Google Shape;204;p24"/>
           <p:cNvPicPr preferRelativeResize="0"/>
           <p:nvPr/>
         </p:nvPicPr>
@@ -15419,7 +15745,7 @@
       </p:pic>
       <p:pic>
         <p:nvPicPr>
-          <p:cNvPr id="203" name="Google Shape;203;p24"/>
+          <p:cNvPr id="205" name="Google Shape;205;p24"/>
           <p:cNvPicPr preferRelativeResize="0"/>
           <p:nvPr/>
         </p:nvPicPr>
@@ -15453,7 +15779,7 @@
       </p:pic>
       <p:sp>
         <p:nvSpPr>
-          <p:cNvPr id="204" name="Google Shape;204;p24"/>
+          <p:cNvPr id="206" name="Google Shape;206;p24"/>
           <p:cNvSpPr txBox="1"/>
           <p:nvPr/>
         </p:nvSpPr>
@@ -15712,7 +16038,7 @@
       </p:sp>
       <p:pic>
         <p:nvPicPr>
-          <p:cNvPr id="205" name="Google Shape;205;p24"/>
+          <p:cNvPr id="207" name="Google Shape;207;p24"/>
           <p:cNvPicPr preferRelativeResize="0"/>
           <p:nvPr/>
         </p:nvPicPr>
@@ -15762,7 +16088,7 @@
   <p:cSld>
     <p:spTree>
       <p:nvGrpSpPr>
-        <p:cNvPr id="1" name="Shape 209"/>
+        <p:cNvPr id="1" name="Shape 211"/>
         <p:cNvGrpSpPr/>
         <p:nvPr/>
       </p:nvGrpSpPr>
@@ -15776,7 +16102,7 @@
       </p:grpSpPr>
       <p:sp>
         <p:nvSpPr>
-          <p:cNvPr id="210" name="Google Shape;210;p25"/>
+          <p:cNvPr id="212" name="Google Shape;212;p25"/>
           <p:cNvSpPr txBox="1"/>
           <p:nvPr/>
         </p:nvSpPr>
@@ -15842,7 +16168,7 @@
       </p:sp>
       <p:sp>
         <p:nvSpPr>
-          <p:cNvPr id="211" name="Google Shape;211;p25"/>
+          <p:cNvPr id="213" name="Google Shape;213;p25"/>
           <p:cNvSpPr txBox="1"/>
           <p:nvPr/>
         </p:nvSpPr>
@@ -16199,7 +16525,7 @@
       </p:sp>
       <p:pic>
         <p:nvPicPr>
-          <p:cNvPr id="212" name="Google Shape;212;p25"/>
+          <p:cNvPr id="214" name="Google Shape;214;p25"/>
           <p:cNvPicPr preferRelativeResize="0"/>
           <p:nvPr/>
         </p:nvPicPr>
@@ -16249,7 +16575,7 @@
   <p:cSld>
     <p:spTree>
       <p:nvGrpSpPr>
-        <p:cNvPr id="1" name="Shape 216"/>
+        <p:cNvPr id="1" name="Shape 218"/>
         <p:cNvGrpSpPr/>
         <p:nvPr/>
       </p:nvGrpSpPr>
@@ -16263,7 +16589,7 @@
       </p:grpSpPr>
       <p:sp>
         <p:nvSpPr>
-          <p:cNvPr id="217" name="Google Shape;217;p26"/>
+          <p:cNvPr id="219" name="Google Shape;219;p26"/>
           <p:cNvSpPr txBox="1"/>
           <p:nvPr/>
         </p:nvSpPr>
@@ -16329,7 +16655,7 @@
       </p:sp>
       <p:sp>
         <p:nvSpPr>
-          <p:cNvPr id="218" name="Google Shape;218;p26"/>
+          <p:cNvPr id="220" name="Google Shape;220;p26"/>
           <p:cNvSpPr txBox="1"/>
           <p:nvPr/>
         </p:nvSpPr>
@@ -16880,7 +17206,7 @@
       </p:sp>
       <p:sp>
         <p:nvSpPr>
-          <p:cNvPr id="219" name="Google Shape;219;p26"/>
+          <p:cNvPr id="221" name="Google Shape;221;p26"/>
           <p:cNvSpPr txBox="1"/>
           <p:nvPr/>
         </p:nvSpPr>
@@ -17164,7 +17490,7 @@
       </p:sp>
       <p:pic>
         <p:nvPicPr>
-          <p:cNvPr id="220" name="Google Shape;220;p26"/>
+          <p:cNvPr id="222" name="Google Shape;222;p26"/>
           <p:cNvPicPr preferRelativeResize="0"/>
           <p:nvPr/>
         </p:nvPicPr>
@@ -17213,7 +17539,7 @@
   <p:cSld>
     <p:spTree>
       <p:nvGrpSpPr>
-        <p:cNvPr id="1" name="Shape 224"/>
+        <p:cNvPr id="1" name="Shape 226"/>
         <p:cNvGrpSpPr/>
         <p:nvPr/>
       </p:nvGrpSpPr>
@@ -17227,7 +17553,7 @@
       </p:grpSpPr>
       <p:sp>
         <p:nvSpPr>
-          <p:cNvPr id="225" name="Google Shape;225;p27"/>
+          <p:cNvPr id="227" name="Google Shape;227;p27"/>
           <p:cNvSpPr txBox="1"/>
           <p:nvPr/>
         </p:nvSpPr>
@@ -17293,7 +17619,7 @@
       </p:sp>
       <p:sp>
         <p:nvSpPr>
-          <p:cNvPr id="226" name="Google Shape;226;p27"/>
+          <p:cNvPr id="228" name="Google Shape;228;p27"/>
           <p:cNvSpPr txBox="1"/>
           <p:nvPr/>
         </p:nvSpPr>
@@ -17487,7 +17813,7 @@
       </p:sp>
       <p:pic>
         <p:nvPicPr>
-          <p:cNvPr id="227" name="Google Shape;227;p27"/>
+          <p:cNvPr id="229" name="Google Shape;229;p27"/>
           <p:cNvPicPr preferRelativeResize="0"/>
           <p:nvPr/>
         </p:nvPicPr>
@@ -17526,7 +17852,7 @@
       </p:pic>
       <p:sp>
         <p:nvSpPr>
-          <p:cNvPr id="228" name="Google Shape;228;p27"/>
+          <p:cNvPr id="230" name="Google Shape;230;p27"/>
           <p:cNvSpPr txBox="1"/>
           <p:nvPr/>
         </p:nvSpPr>
@@ -17890,7 +18216,7 @@
   <p:cSld>
     <p:spTree>
       <p:nvGrpSpPr>
-        <p:cNvPr id="1" name="Shape 232"/>
+        <p:cNvPr id="1" name="Shape 234"/>
         <p:cNvGrpSpPr/>
         <p:nvPr/>
       </p:nvGrpSpPr>
@@ -17904,7 +18230,7 @@
       </p:grpSpPr>
       <p:sp>
         <p:nvSpPr>
-          <p:cNvPr id="233" name="Google Shape;233;p28"/>
+          <p:cNvPr id="235" name="Google Shape;235;p28"/>
           <p:cNvSpPr txBox="1"/>
           <p:nvPr/>
         </p:nvSpPr>
@@ -17970,7 +18296,7 @@
       </p:sp>
       <p:sp>
         <p:nvSpPr>
-          <p:cNvPr id="234" name="Google Shape;234;p28"/>
+          <p:cNvPr id="236" name="Google Shape;236;p28"/>
           <p:cNvSpPr txBox="1"/>
           <p:nvPr/>
         </p:nvSpPr>
@@ -18153,14 +18479,14 @@
       </p:sp>
       <p:sp>
         <p:nvSpPr>
-          <p:cNvPr id="235" name="Google Shape;235;p28"/>
+          <p:cNvPr id="237" name="Google Shape;237;p28"/>
           <p:cNvSpPr txBox="1"/>
           <p:nvPr/>
         </p:nvSpPr>
         <p:spPr>
           <a:xfrm>
-            <a:off x="55075" y="2262425"/>
-            <a:ext cx="4465200" cy="1311300"/>
+            <a:off x="55075" y="2103225"/>
+            <a:ext cx="4465200" cy="1496100"/>
           </a:xfrm>
           <a:prstGeom prst="rect">
             <a:avLst/>
@@ -18276,7 +18602,7 @@
                 <a:cs typeface="Calibri"/>
                 <a:sym typeface="Calibri"/>
               </a:rPr>
-              <a:t>AntiGravity + ClaudeCode (Gemini &amp; Clause models)</a:t>
+              <a:t>AntiGravity + ClaudeCode (Gemini &amp; Claude models)</a:t>
             </a:r>
             <a:br>
               <a:rPr lang="en" sz="1200">
@@ -18369,6 +18695,49 @@
                 <a:sym typeface="Calibri"/>
               </a:rPr>
               <a:t>Kilo Code + MiniMax M2.1</a:t>
+            </a:r>
+            <a:endParaRPr sz="1200">
+              <a:latin typeface="Calibri"/>
+              <a:ea typeface="Calibri"/>
+              <a:cs typeface="Calibri"/>
+              <a:sym typeface="Calibri"/>
+            </a:endParaRPr>
+          </a:p>
+          <a:p>
+            <a:pPr marL="457200" marR="0" lvl="0" indent="-133350" algn="l" rtl="0">
+              <a:lnSpc>
+                <a:spcPct val="100000"/>
+              </a:lnSpc>
+              <a:spcBef>
+                <a:spcPts val="0"/>
+              </a:spcBef>
+              <a:spcAft>
+                <a:spcPts val="0"/>
+              </a:spcAft>
+              <a:buSzPts val="1200"/>
+              <a:buFont typeface="Calibri"/>
+              <a:buChar char="●"/>
+            </a:pPr>
+            <a:r>
+              <a:rPr lang="en" sz="1200">
+                <a:latin typeface="Calibri"/>
+                <a:ea typeface="Calibri"/>
+                <a:cs typeface="Calibri"/>
+                <a:sym typeface="Calibri"/>
+              </a:rPr>
+              <a:t>OpenCode + </a:t>
+            </a:r>
+            <a:r>
+              <a:rPr lang="en" sz="1200">
+                <a:solidFill>
+                  <a:schemeClr val="dk1"/>
+                </a:solidFill>
+                <a:latin typeface="Calibri"/>
+                <a:ea typeface="Calibri"/>
+                <a:cs typeface="Calibri"/>
+                <a:sym typeface="Calibri"/>
+              </a:rPr>
+              <a:t>MiniMax M2.1</a:t>
             </a:r>
             <a:endParaRPr sz="1200">
               <a:latin typeface="Calibri"/>
@@ -18415,7 +18784,7 @@
       </p:sp>
       <p:pic>
         <p:nvPicPr>
-          <p:cNvPr id="236" name="Google Shape;236;p28"/>
+          <p:cNvPr id="238" name="Google Shape;238;p28"/>
           <p:cNvPicPr preferRelativeResize="0"/>
           <p:nvPr/>
         </p:nvPicPr>
@@ -18465,7 +18834,7 @@
   <p:cSld>
     <p:spTree>
       <p:nvGrpSpPr>
-        <p:cNvPr id="1" name="Shape 240"/>
+        <p:cNvPr id="1" name="Shape 242"/>
         <p:cNvGrpSpPr/>
         <p:nvPr/>
       </p:nvGrpSpPr>
@@ -18479,7 +18848,7 @@
       </p:grpSpPr>
       <p:sp>
         <p:nvSpPr>
-          <p:cNvPr id="241" name="Google Shape;241;p29"/>
+          <p:cNvPr id="243" name="Google Shape;243;p29"/>
           <p:cNvSpPr txBox="1"/>
           <p:nvPr/>
         </p:nvSpPr>
@@ -18545,7 +18914,7 @@
       </p:sp>
       <p:sp>
         <p:nvSpPr>
-          <p:cNvPr id="242" name="Google Shape;242;p29"/>
+          <p:cNvPr id="244" name="Google Shape;244;p29"/>
           <p:cNvSpPr txBox="1"/>
           <p:nvPr/>
         </p:nvSpPr>
@@ -18972,7 +19341,7 @@
       </p:sp>
       <p:pic>
         <p:nvPicPr>
-          <p:cNvPr id="243" name="Google Shape;243;p29"/>
+          <p:cNvPr id="245" name="Google Shape;245;p29"/>
           <p:cNvPicPr preferRelativeResize="0"/>
           <p:nvPr/>
         </p:nvPicPr>
@@ -19011,7 +19380,7 @@
       </p:pic>
       <p:sp>
         <p:nvSpPr>
-          <p:cNvPr id="244" name="Google Shape;244;p29"/>
+          <p:cNvPr id="246" name="Google Shape;246;p29"/>
           <p:cNvSpPr txBox="1"/>
           <p:nvPr/>
         </p:nvSpPr>
@@ -19192,7 +19561,7 @@
   <p:cSld>
     <p:spTree>
       <p:nvGrpSpPr>
-        <p:cNvPr id="1" name="Shape 248"/>
+        <p:cNvPr id="1" name="Shape 250"/>
         <p:cNvGrpSpPr/>
         <p:nvPr/>
       </p:nvGrpSpPr>
@@ -19206,7 +19575,7 @@
       </p:grpSpPr>
       <p:sp>
         <p:nvSpPr>
-          <p:cNvPr id="249" name="Google Shape;249;p30"/>
+          <p:cNvPr id="251" name="Google Shape;251;p30"/>
           <p:cNvSpPr txBox="1"/>
           <p:nvPr/>
         </p:nvSpPr>
@@ -19272,7 +19641,7 @@
       </p:sp>
       <p:sp>
         <p:nvSpPr>
-          <p:cNvPr id="250" name="Google Shape;250;p30"/>
+          <p:cNvPr id="252" name="Google Shape;252;p30"/>
           <p:cNvSpPr txBox="1"/>
           <p:nvPr/>
         </p:nvSpPr>
@@ -19687,7 +20056,7 @@
       </p:sp>
       <p:pic>
         <p:nvPicPr>
-          <p:cNvPr id="251" name="Google Shape;251;p30"/>
+          <p:cNvPr id="253" name="Google Shape;253;p30"/>
           <p:cNvPicPr preferRelativeResize="0"/>
           <p:nvPr/>
         </p:nvPicPr>
@@ -19737,7 +20106,7 @@
   <p:cSld>
     <p:spTree>
       <p:nvGrpSpPr>
-        <p:cNvPr id="1" name="Shape 255"/>
+        <p:cNvPr id="1" name="Shape 257"/>
         <p:cNvGrpSpPr/>
         <p:nvPr/>
       </p:nvGrpSpPr>
@@ -19751,7 +20120,7 @@
       </p:grpSpPr>
       <p:sp>
         <p:nvSpPr>
-          <p:cNvPr id="256" name="Google Shape;256;p31"/>
+          <p:cNvPr id="258" name="Google Shape;258;p31"/>
           <p:cNvSpPr txBox="1"/>
           <p:nvPr/>
         </p:nvSpPr>
@@ -19817,7 +20186,7 @@
       </p:sp>
       <p:sp>
         <p:nvSpPr>
-          <p:cNvPr id="257" name="Google Shape;257;p31"/>
+          <p:cNvPr id="259" name="Google Shape;259;p31"/>
           <p:cNvSpPr txBox="1"/>
           <p:nvPr/>
         </p:nvSpPr>
@@ -20125,7 +20494,7 @@
       </p:sp>
       <p:sp>
         <p:nvSpPr>
-          <p:cNvPr id="258" name="Google Shape;258;p31"/>
+          <p:cNvPr id="260" name="Google Shape;260;p31"/>
           <p:cNvSpPr txBox="1"/>
           <p:nvPr/>
         </p:nvSpPr>
@@ -20230,7 +20599,7 @@
       </p:sp>
       <p:sp>
         <p:nvSpPr>
-          <p:cNvPr id="259" name="Google Shape;259;p31"/>
+          <p:cNvPr id="261" name="Google Shape;261;p31"/>
           <p:cNvSpPr txBox="1"/>
           <p:nvPr/>
         </p:nvSpPr>
@@ -20366,7 +20735,7 @@
       </p:sp>
       <p:pic>
         <p:nvPicPr>
-          <p:cNvPr id="260" name="Google Shape;260;p31"/>
+          <p:cNvPr id="262" name="Google Shape;262;p31"/>
           <p:cNvPicPr preferRelativeResize="0"/>
           <p:nvPr/>
         </p:nvPicPr>
@@ -20404,7 +20773,7 @@
       </p:pic>
       <p:pic>
         <p:nvPicPr>
-          <p:cNvPr id="261" name="Google Shape;261;p31"/>
+          <p:cNvPr id="263" name="Google Shape;263;p31"/>
           <p:cNvPicPr preferRelativeResize="0"/>
           <p:nvPr/>
         </p:nvPicPr>
@@ -20442,7 +20811,7 @@
       </p:pic>
       <p:pic>
         <p:nvPicPr>
-          <p:cNvPr id="262" name="Google Shape;262;p31"/>
+          <p:cNvPr id="264" name="Google Shape;264;p31"/>
           <p:cNvPicPr preferRelativeResize="0"/>
           <p:nvPr/>
         </p:nvPicPr>
@@ -20480,7 +20849,7 @@
       </p:pic>
       <p:pic>
         <p:nvPicPr>
-          <p:cNvPr id="263" name="Google Shape;263;p31"/>
+          <p:cNvPr id="265" name="Google Shape;265;p31"/>
           <p:cNvPicPr preferRelativeResize="0"/>
           <p:nvPr/>
         </p:nvPicPr>
@@ -20530,7 +20899,7 @@
   <p:cSld>
     <p:spTree>
       <p:nvGrpSpPr>
-        <p:cNvPr id="1" name="Shape 267"/>
+        <p:cNvPr id="1" name="Shape 269"/>
         <p:cNvGrpSpPr/>
         <p:nvPr/>
       </p:nvGrpSpPr>
@@ -20544,7 +20913,7 @@
       </p:grpSpPr>
       <p:sp>
         <p:nvSpPr>
-          <p:cNvPr id="268" name="Google Shape;268;p32"/>
+          <p:cNvPr id="270" name="Google Shape;270;p32"/>
           <p:cNvSpPr txBox="1"/>
           <p:nvPr/>
         </p:nvSpPr>
@@ -20610,7 +20979,7 @@
       </p:sp>
       <p:sp>
         <p:nvSpPr>
-          <p:cNvPr id="269" name="Google Shape;269;p32"/>
+          <p:cNvPr id="271" name="Google Shape;271;p32"/>
           <p:cNvSpPr txBox="1"/>
           <p:nvPr/>
         </p:nvSpPr>
@@ -20985,7 +21354,7 @@
       </p:sp>
       <p:sp>
         <p:nvSpPr>
-          <p:cNvPr id="270" name="Google Shape;270;p32"/>
+          <p:cNvPr id="272" name="Google Shape;272;p32"/>
           <p:cNvSpPr txBox="1"/>
           <p:nvPr/>
         </p:nvSpPr>
@@ -21267,7 +21636,7 @@
       </p:sp>
       <p:pic>
         <p:nvPicPr>
-          <p:cNvPr id="271" name="Google Shape;271;p32"/>
+          <p:cNvPr id="273" name="Google Shape;273;p32"/>
           <p:cNvPicPr preferRelativeResize="0"/>
           <p:nvPr/>
         </p:nvPicPr>
@@ -21317,7 +21686,7 @@
   <p:cSld>
     <p:spTree>
       <p:nvGrpSpPr>
-        <p:cNvPr id="1" name="Shape 275"/>
+        <p:cNvPr id="1" name="Shape 277"/>
         <p:cNvGrpSpPr/>
         <p:nvPr/>
       </p:nvGrpSpPr>
@@ -21331,7 +21700,7 @@
       </p:grpSpPr>
       <p:sp>
         <p:nvSpPr>
-          <p:cNvPr id="276" name="Google Shape;276;p33"/>
+          <p:cNvPr id="278" name="Google Shape;278;p33"/>
           <p:cNvSpPr txBox="1"/>
           <p:nvPr/>
         </p:nvSpPr>
@@ -21397,7 +21766,7 @@
       </p:sp>
       <p:sp>
         <p:nvSpPr>
-          <p:cNvPr id="277" name="Google Shape;277;p33"/>
+          <p:cNvPr id="279" name="Google Shape;279;p33"/>
           <p:cNvSpPr txBox="1"/>
           <p:nvPr/>
         </p:nvSpPr>
@@ -21673,7 +22042,7 @@
       </p:sp>
       <p:sp>
         <p:nvSpPr>
-          <p:cNvPr id="278" name="Google Shape;278;p33"/>
+          <p:cNvPr id="280" name="Google Shape;280;p33"/>
           <p:cNvSpPr txBox="1"/>
           <p:nvPr/>
         </p:nvSpPr>
@@ -21769,7 +22138,7 @@
       </p:sp>
       <p:sp>
         <p:nvSpPr>
-          <p:cNvPr id="279" name="Google Shape;279;p33"/>
+          <p:cNvPr id="281" name="Google Shape;281;p33"/>
           <p:cNvSpPr txBox="1"/>
           <p:nvPr/>
         </p:nvSpPr>
@@ -21927,7 +22296,7 @@
       </p:sp>
       <p:sp>
         <p:nvSpPr>
-          <p:cNvPr id="280" name="Google Shape;280;p33"/>
+          <p:cNvPr id="282" name="Google Shape;282;p33"/>
           <p:cNvSpPr txBox="1"/>
           <p:nvPr/>
         </p:nvSpPr>
@@ -22054,7 +22423,7 @@
       </p:sp>
       <p:sp>
         <p:nvSpPr>
-          <p:cNvPr id="281" name="Google Shape;281;p33"/>
+          <p:cNvPr id="283" name="Google Shape;283;p33"/>
           <p:cNvSpPr txBox="1"/>
           <p:nvPr/>
         </p:nvSpPr>
@@ -26864,31 +27233,31 @@
           <p:nvPr>
             <p:extLst>
               <p:ext uri="{D42A27DB-BD31-4B8C-83A1-F6EECF244321}">
-                <p14:modId xmlns:p14="http://schemas.microsoft.com/office/powerpoint/2010/main" val="2729122456"/>
+                <p14:modId xmlns:p14="http://schemas.microsoft.com/office/powerpoint/2010/main" val="3648848608"/>
               </p:ext>
             </p:extLst>
           </p:nvPr>
         </p:nvGraphicFramePr>
         <p:xfrm>
-          <a:off x="3886449" y="561054"/>
-          <a:ext cx="2447827" cy="4490500"/>
+          <a:off x="3886450" y="561054"/>
+          <a:ext cx="2407024" cy="4494375"/>
         </p:xfrm>
         <a:graphic>
           <a:graphicData uri="http://schemas.openxmlformats.org/drawingml/2006/table">
             <a:tbl>
               <a:tblPr>
                 <a:noFill/>
-                <a:tableStyleId>{BA32FF2A-B645-4F28-9B57-2AE27475BA0E}</a:tableStyleId>
+                <a:tableStyleId>{DC2EC38E-8475-45B9-A298-9EA02A741557}</a:tableStyleId>
               </a:tblPr>
               <a:tblGrid>
-                <a:gridCol w="1999059">
+                <a:gridCol w="1965736">
                   <a:extLst>
                     <a:ext uri="{9D8B030D-6E8A-4147-A177-3AD203B41FA5}">
                       <a16:colId xmlns:a16="http://schemas.microsoft.com/office/drawing/2014/main" val="20000"/>
                     </a:ext>
                   </a:extLst>
                 </a:gridCol>
-                <a:gridCol w="448768">
+                <a:gridCol w="441288">
                   <a:extLst>
                     <a:ext uri="{9D8B030D-6E8A-4147-A177-3AD203B41FA5}">
                       <a16:colId xmlns:a16="http://schemas.microsoft.com/office/drawing/2014/main" val="20001"/>
@@ -26896,7 +27265,7 @@
                   </a:extLst>
                 </a:gridCol>
               </a:tblGrid>
-              <a:tr h="179620">
+              <a:tr h="179775">
                 <a:tc>
                   <a:txBody>
                     <a:bodyPr/>
@@ -27055,7 +27424,7 @@
                   </a:ext>
                 </a:extLst>
               </a:tr>
-              <a:tr h="179620">
+              <a:tr h="179775">
                 <a:tc>
                   <a:txBody>
                     <a:bodyPr/>
@@ -27233,7 +27602,7 @@
                   </a:ext>
                 </a:extLst>
               </a:tr>
-              <a:tr h="179620">
+              <a:tr h="179775">
                 <a:tc>
                   <a:txBody>
                     <a:bodyPr/>
@@ -27411,7 +27780,7 @@
                   </a:ext>
                 </a:extLst>
               </a:tr>
-              <a:tr h="179620">
+              <a:tr h="179775">
                 <a:tc>
                   <a:txBody>
                     <a:bodyPr/>
@@ -27589,7 +27958,7 @@
                   </a:ext>
                 </a:extLst>
               </a:tr>
-              <a:tr h="179620">
+              <a:tr h="179775">
                 <a:tc>
                   <a:txBody>
                     <a:bodyPr/>
@@ -27767,7 +28136,7 @@
                   </a:ext>
                 </a:extLst>
               </a:tr>
-              <a:tr h="179620">
+              <a:tr h="179775">
                 <a:tc>
                   <a:txBody>
                     <a:bodyPr/>
@@ -27945,7 +28314,7 @@
                   </a:ext>
                 </a:extLst>
               </a:tr>
-              <a:tr h="179620">
+              <a:tr h="179775">
                 <a:tc>
                   <a:txBody>
                     <a:bodyPr/>
@@ -28123,7 +28492,7 @@
                   </a:ext>
                 </a:extLst>
               </a:tr>
-              <a:tr h="179620">
+              <a:tr h="179775">
                 <a:tc>
                   <a:txBody>
                     <a:bodyPr/>
@@ -28301,7 +28670,7 @@
                   </a:ext>
                 </a:extLst>
               </a:tr>
-              <a:tr h="179620">
+              <a:tr h="179775">
                 <a:tc>
                   <a:txBody>
                     <a:bodyPr/>
@@ -28479,7 +28848,7 @@
                   </a:ext>
                 </a:extLst>
               </a:tr>
-              <a:tr h="179620">
+              <a:tr h="179775">
                 <a:tc>
                   <a:txBody>
                     <a:bodyPr/>
@@ -28657,7 +29026,7 @@
                   </a:ext>
                 </a:extLst>
               </a:tr>
-              <a:tr h="179620">
+              <a:tr h="179775">
                 <a:tc>
                   <a:txBody>
                     <a:bodyPr/>
@@ -28835,7 +29204,7 @@
                   </a:ext>
                 </a:extLst>
               </a:tr>
-              <a:tr h="179620">
+              <a:tr h="179775">
                 <a:tc>
                   <a:txBody>
                     <a:bodyPr/>
@@ -29013,7 +29382,7 @@
                   </a:ext>
                 </a:extLst>
               </a:tr>
-              <a:tr h="179620">
+              <a:tr h="179775">
                 <a:tc>
                   <a:txBody>
                     <a:bodyPr/>
@@ -29191,7 +29560,7 @@
                   </a:ext>
                 </a:extLst>
               </a:tr>
-              <a:tr h="179620">
+              <a:tr h="179775">
                 <a:tc>
                   <a:txBody>
                     <a:bodyPr/>
@@ -29369,7 +29738,7 @@
                   </a:ext>
                 </a:extLst>
               </a:tr>
-              <a:tr h="179620">
+              <a:tr h="179775">
                 <a:tc>
                   <a:txBody>
                     <a:bodyPr/>
@@ -29547,7 +29916,7 @@
                   </a:ext>
                 </a:extLst>
               </a:tr>
-              <a:tr h="179620">
+              <a:tr h="179775">
                 <a:tc>
                   <a:txBody>
                     <a:bodyPr/>
@@ -29725,7 +30094,7 @@
                   </a:ext>
                 </a:extLst>
               </a:tr>
-              <a:tr h="179620">
+              <a:tr h="179775">
                 <a:tc>
                   <a:txBody>
                     <a:bodyPr/>
@@ -29903,7 +30272,7 @@
                   </a:ext>
                 </a:extLst>
               </a:tr>
-              <a:tr h="179620">
+              <a:tr h="179775">
                 <a:tc>
                   <a:txBody>
                     <a:bodyPr/>
@@ -30081,7 +30450,7 @@
                   </a:ext>
                 </a:extLst>
               </a:tr>
-              <a:tr h="179620">
+              <a:tr h="179775">
                 <a:tc>
                   <a:txBody>
                     <a:bodyPr/>
@@ -30259,7 +30628,7 @@
                   </a:ext>
                 </a:extLst>
               </a:tr>
-              <a:tr h="179620">
+              <a:tr h="179775">
                 <a:tc>
                   <a:txBody>
                     <a:bodyPr/>
@@ -30437,7 +30806,7 @@
                   </a:ext>
                 </a:extLst>
               </a:tr>
-              <a:tr h="179620">
+              <a:tr h="179775">
                 <a:tc>
                   <a:txBody>
                     <a:bodyPr/>
@@ -30615,7 +30984,7 @@
                   </a:ext>
                 </a:extLst>
               </a:tr>
-              <a:tr h="179620">
+              <a:tr h="179775">
                 <a:tc>
                   <a:txBody>
                     <a:bodyPr/>
@@ -30793,7 +31162,7 @@
                   </a:ext>
                 </a:extLst>
               </a:tr>
-              <a:tr h="179620">
+              <a:tr h="179775">
                 <a:tc>
                   <a:txBody>
                     <a:bodyPr/>
@@ -30971,7 +31340,7 @@
                   </a:ext>
                 </a:extLst>
               </a:tr>
-              <a:tr h="179620">
+              <a:tr h="179775">
                 <a:tc>
                   <a:txBody>
                     <a:bodyPr/>
@@ -31149,7 +31518,7 @@
                   </a:ext>
                 </a:extLst>
               </a:tr>
-              <a:tr h="179620">
+              <a:tr h="179775">
                 <a:tc>
                   <a:txBody>
                     <a:bodyPr/>
@@ -31338,31 +31707,31 @@
           <p:nvPr>
             <p:extLst>
               <p:ext uri="{D42A27DB-BD31-4B8C-83A1-F6EECF244321}">
-                <p14:modId xmlns:p14="http://schemas.microsoft.com/office/powerpoint/2010/main" val="4205092207"/>
+                <p14:modId xmlns:p14="http://schemas.microsoft.com/office/powerpoint/2010/main" val="2549581888"/>
               </p:ext>
             </p:extLst>
           </p:nvPr>
         </p:nvGraphicFramePr>
         <p:xfrm>
-          <a:off x="748699" y="564934"/>
-          <a:ext cx="2447827" cy="4490500"/>
+          <a:off x="748700" y="564934"/>
+          <a:ext cx="2407024" cy="4494375"/>
         </p:xfrm>
         <a:graphic>
           <a:graphicData uri="http://schemas.openxmlformats.org/drawingml/2006/table">
             <a:tbl>
               <a:tblPr>
                 <a:noFill/>
-                <a:tableStyleId>{BA32FF2A-B645-4F28-9B57-2AE27475BA0E}</a:tableStyleId>
+                <a:tableStyleId>{DC2EC38E-8475-45B9-A298-9EA02A741557}</a:tableStyleId>
               </a:tblPr>
               <a:tblGrid>
-                <a:gridCol w="1999059">
+                <a:gridCol w="1965736">
                   <a:extLst>
                     <a:ext uri="{9D8B030D-6E8A-4147-A177-3AD203B41FA5}">
                       <a16:colId xmlns:a16="http://schemas.microsoft.com/office/drawing/2014/main" val="20000"/>
                     </a:ext>
                   </a:extLst>
                 </a:gridCol>
-                <a:gridCol w="448768">
+                <a:gridCol w="441288">
                   <a:extLst>
                     <a:ext uri="{9D8B030D-6E8A-4147-A177-3AD203B41FA5}">
                       <a16:colId xmlns:a16="http://schemas.microsoft.com/office/drawing/2014/main" val="20001"/>
@@ -31370,7 +31739,7 @@
                   </a:extLst>
                 </a:gridCol>
               </a:tblGrid>
-              <a:tr h="179620">
+              <a:tr h="179775">
                 <a:tc>
                   <a:txBody>
                     <a:bodyPr/>
@@ -31529,7 +31898,7 @@
                   </a:ext>
                 </a:extLst>
               </a:tr>
-              <a:tr h="179620">
+              <a:tr h="179775">
                 <a:tc>
                   <a:txBody>
                     <a:bodyPr/>
@@ -31707,7 +32076,7 @@
                   </a:ext>
                 </a:extLst>
               </a:tr>
-              <a:tr h="179620">
+              <a:tr h="179775">
                 <a:tc>
                   <a:txBody>
                     <a:bodyPr/>
@@ -31885,7 +32254,7 @@
                   </a:ext>
                 </a:extLst>
               </a:tr>
-              <a:tr h="179620">
+              <a:tr h="179775">
                 <a:tc>
                   <a:txBody>
                     <a:bodyPr/>
@@ -32063,7 +32432,7 @@
                   </a:ext>
                 </a:extLst>
               </a:tr>
-              <a:tr h="179620">
+              <a:tr h="179775">
                 <a:tc>
                   <a:txBody>
                     <a:bodyPr/>
@@ -32241,7 +32610,7 @@
                   </a:ext>
                 </a:extLst>
               </a:tr>
-              <a:tr h="179620">
+              <a:tr h="179775">
                 <a:tc>
                   <a:txBody>
                     <a:bodyPr/>
@@ -32419,7 +32788,7 @@
                   </a:ext>
                 </a:extLst>
               </a:tr>
-              <a:tr h="179620">
+              <a:tr h="179775">
                 <a:tc>
                   <a:txBody>
                     <a:bodyPr/>
@@ -32597,7 +32966,7 @@
                   </a:ext>
                 </a:extLst>
               </a:tr>
-              <a:tr h="179620">
+              <a:tr h="179775">
                 <a:tc>
                   <a:txBody>
                     <a:bodyPr/>
@@ -32775,7 +33144,7 @@
                   </a:ext>
                 </a:extLst>
               </a:tr>
-              <a:tr h="179620">
+              <a:tr h="179775">
                 <a:tc>
                   <a:txBody>
                     <a:bodyPr/>
@@ -32953,7 +33322,7 @@
                   </a:ext>
                 </a:extLst>
               </a:tr>
-              <a:tr h="179620">
+              <a:tr h="179775">
                 <a:tc>
                   <a:txBody>
                     <a:bodyPr/>
@@ -33131,7 +33500,7 @@
                   </a:ext>
                 </a:extLst>
               </a:tr>
-              <a:tr h="179620">
+              <a:tr h="179775">
                 <a:tc>
                   <a:txBody>
                     <a:bodyPr/>
@@ -33309,7 +33678,7 @@
                   </a:ext>
                 </a:extLst>
               </a:tr>
-              <a:tr h="179620">
+              <a:tr h="179775">
                 <a:tc>
                   <a:txBody>
                     <a:bodyPr/>
@@ -33487,7 +33856,7 @@
                   </a:ext>
                 </a:extLst>
               </a:tr>
-              <a:tr h="179620">
+              <a:tr h="179775">
                 <a:tc>
                   <a:txBody>
                     <a:bodyPr/>
@@ -33665,7 +34034,7 @@
                   </a:ext>
                 </a:extLst>
               </a:tr>
-              <a:tr h="179620">
+              <a:tr h="179775">
                 <a:tc>
                   <a:txBody>
                     <a:bodyPr/>
@@ -33843,7 +34212,7 @@
                   </a:ext>
                 </a:extLst>
               </a:tr>
-              <a:tr h="179620">
+              <a:tr h="179775">
                 <a:tc>
                   <a:txBody>
                     <a:bodyPr/>
@@ -34021,7 +34390,7 @@
                   </a:ext>
                 </a:extLst>
               </a:tr>
-              <a:tr h="179620">
+              <a:tr h="179775">
                 <a:tc>
                   <a:txBody>
                     <a:bodyPr/>
@@ -34199,7 +34568,7 @@
                   </a:ext>
                 </a:extLst>
               </a:tr>
-              <a:tr h="179620">
+              <a:tr h="179775">
                 <a:tc>
                   <a:txBody>
                     <a:bodyPr/>
@@ -34377,7 +34746,7 @@
                   </a:ext>
                 </a:extLst>
               </a:tr>
-              <a:tr h="179620">
+              <a:tr h="179775">
                 <a:tc>
                   <a:txBody>
                     <a:bodyPr/>
@@ -34555,7 +34924,7 @@
                   </a:ext>
                 </a:extLst>
               </a:tr>
-              <a:tr h="179620">
+              <a:tr h="179775">
                 <a:tc>
                   <a:txBody>
                     <a:bodyPr/>
@@ -34733,7 +35102,7 @@
                   </a:ext>
                 </a:extLst>
               </a:tr>
-              <a:tr h="179620">
+              <a:tr h="179775">
                 <a:tc>
                   <a:txBody>
                     <a:bodyPr/>
@@ -34911,7 +35280,7 @@
                   </a:ext>
                 </a:extLst>
               </a:tr>
-              <a:tr h="179620">
+              <a:tr h="179775">
                 <a:tc>
                   <a:txBody>
                     <a:bodyPr/>
@@ -35089,7 +35458,7 @@
                   </a:ext>
                 </a:extLst>
               </a:tr>
-              <a:tr h="179620">
+              <a:tr h="179775">
                 <a:tc>
                   <a:txBody>
                     <a:bodyPr/>
@@ -35267,7 +35636,7 @@
                   </a:ext>
                 </a:extLst>
               </a:tr>
-              <a:tr h="179620">
+              <a:tr h="179775">
                 <a:tc>
                   <a:txBody>
                     <a:bodyPr/>
@@ -35445,7 +35814,7 @@
                   </a:ext>
                 </a:extLst>
               </a:tr>
-              <a:tr h="179620">
+              <a:tr h="179775">
                 <a:tc>
                   <a:txBody>
                     <a:bodyPr/>
@@ -35623,7 +35992,7 @@
                   </a:ext>
                 </a:extLst>
               </a:tr>
-              <a:tr h="179620">
+              <a:tr h="179775">
                 <a:tc>
                   <a:txBody>
                     <a:bodyPr/>
@@ -36672,7 +37041,7 @@
   <p:cSld>
     <p:spTree>
       <p:nvGrpSpPr>
-        <p:cNvPr id="1" name="Shape 285"/>
+        <p:cNvPr id="1" name="Shape 287"/>
         <p:cNvGrpSpPr/>
         <p:nvPr/>
       </p:nvGrpSpPr>
@@ -36686,7 +37055,7 @@
       </p:grpSpPr>
       <p:sp>
         <p:nvSpPr>
-          <p:cNvPr id="286" name="Google Shape;286;p34"/>
+          <p:cNvPr id="288" name="Google Shape;288;p34"/>
           <p:cNvSpPr txBox="1"/>
           <p:nvPr/>
         </p:nvSpPr>
@@ -36752,7 +37121,7 @@
       </p:sp>
       <p:sp>
         <p:nvSpPr>
-          <p:cNvPr id="287" name="Google Shape;287;p34"/>
+          <p:cNvPr id="289" name="Google Shape;289;p34"/>
           <p:cNvSpPr txBox="1"/>
           <p:nvPr/>
         </p:nvSpPr>
@@ -37098,7 +37467,7 @@
       </p:sp>
       <p:pic>
         <p:nvPicPr>
-          <p:cNvPr id="288" name="Google Shape;288;p34"/>
+          <p:cNvPr id="290" name="Google Shape;290;p34"/>
           <p:cNvPicPr preferRelativeResize="0"/>
           <p:nvPr/>
         </p:nvPicPr>
@@ -37148,7 +37517,7 @@
   <p:cSld>
     <p:spTree>
       <p:nvGrpSpPr>
-        <p:cNvPr id="1" name="Shape 292"/>
+        <p:cNvPr id="1" name="Shape 294"/>
         <p:cNvGrpSpPr/>
         <p:nvPr/>
       </p:nvGrpSpPr>
@@ -37162,7 +37531,7 @@
       </p:grpSpPr>
       <p:sp>
         <p:nvSpPr>
-          <p:cNvPr id="293" name="Google Shape;293;p35"/>
+          <p:cNvPr id="295" name="Google Shape;295;p35"/>
           <p:cNvSpPr txBox="1"/>
           <p:nvPr/>
         </p:nvSpPr>
@@ -37228,7 +37597,7 @@
       </p:sp>
       <p:sp>
         <p:nvSpPr>
-          <p:cNvPr id="294" name="Google Shape;294;p35"/>
+          <p:cNvPr id="296" name="Google Shape;296;p35"/>
           <p:cNvSpPr txBox="1"/>
           <p:nvPr/>
         </p:nvSpPr>
@@ -37414,7 +37783,7 @@
   <p:cSld>
     <p:spTree>
       <p:nvGrpSpPr>
-        <p:cNvPr id="1" name="Shape 298"/>
+        <p:cNvPr id="1" name="Shape 300"/>
         <p:cNvGrpSpPr/>
         <p:nvPr/>
       </p:nvGrpSpPr>
@@ -37428,7 +37797,7 @@
       </p:grpSpPr>
       <p:sp>
         <p:nvSpPr>
-          <p:cNvPr id="299" name="Google Shape;299;p36"/>
+          <p:cNvPr id="301" name="Google Shape;301;p36"/>
           <p:cNvSpPr txBox="1"/>
           <p:nvPr/>
         </p:nvSpPr>
@@ -37494,7 +37863,7 @@
       </p:sp>
       <p:sp>
         <p:nvSpPr>
-          <p:cNvPr id="300" name="Google Shape;300;p36"/>
+          <p:cNvPr id="302" name="Google Shape;302;p36"/>
           <p:cNvSpPr txBox="1"/>
           <p:nvPr/>
         </p:nvSpPr>
@@ -37873,7 +38242,7 @@
       </p:sp>
       <p:sp>
         <p:nvSpPr>
-          <p:cNvPr id="301" name="Google Shape;301;p36"/>
+          <p:cNvPr id="303" name="Google Shape;303;p36"/>
           <p:cNvSpPr txBox="1"/>
           <p:nvPr/>
         </p:nvSpPr>
@@ -38031,7 +38400,7 @@
       </p:sp>
       <p:pic>
         <p:nvPicPr>
-          <p:cNvPr id="302" name="Google Shape;302;p36"/>
+          <p:cNvPr id="304" name="Google Shape;304;p36"/>
           <p:cNvPicPr preferRelativeResize="0"/>
           <p:nvPr/>
         </p:nvPicPr>
@@ -38076,7 +38445,7 @@
   <p:cSld>
     <p:spTree>
       <p:nvGrpSpPr>
-        <p:cNvPr id="1" name="Shape 306"/>
+        <p:cNvPr id="1" name="Shape 308"/>
         <p:cNvGrpSpPr/>
         <p:nvPr/>
       </p:nvGrpSpPr>
@@ -38090,7 +38459,7 @@
       </p:grpSpPr>
       <p:sp>
         <p:nvSpPr>
-          <p:cNvPr id="307" name="Google Shape;307;p37"/>
+          <p:cNvPr id="309" name="Google Shape;309;p37"/>
           <p:cNvSpPr txBox="1"/>
           <p:nvPr/>
         </p:nvSpPr>
@@ -38156,14 +38525,14 @@
       </p:sp>
       <p:sp>
         <p:nvSpPr>
-          <p:cNvPr id="308" name="Google Shape;308;p37"/>
+          <p:cNvPr id="310" name="Google Shape;310;p37"/>
           <p:cNvSpPr txBox="1"/>
           <p:nvPr/>
         </p:nvSpPr>
         <p:spPr>
           <a:xfrm>
-            <a:off x="55075" y="437461"/>
-            <a:ext cx="4465200" cy="4451400"/>
+            <a:off x="55075" y="437450"/>
+            <a:ext cx="4713900" cy="4266600"/>
           </a:xfrm>
           <a:prstGeom prst="rect">
             <a:avLst/>
@@ -38233,16 +38602,26 @@
               </a:rPr>
               <a:t>- by Julia McCoy</a:t>
             </a:r>
-            <a:br>
+            <a:r>
               <a:rPr lang="en" sz="1200">
                 <a:latin typeface="Calibri"/>
                 <a:ea typeface="Calibri"/>
                 <a:cs typeface="Calibri"/>
                 <a:sym typeface="Calibri"/>
               </a:rPr>
-            </a:br>
+              <a:t> </a:t>
+            </a:r>
             <a:r>
-              <a:rPr lang="en" sz="1200" u="sng">
+              <a:rPr lang="en" sz="1000">
+                <a:latin typeface="Calibri"/>
+                <a:ea typeface="Calibri"/>
+                <a:cs typeface="Calibri"/>
+                <a:sym typeface="Calibri"/>
+              </a:rPr>
+              <a:t>- </a:t>
+            </a:r>
+            <a:r>
+              <a:rPr lang="en" sz="1000" u="sng">
                 <a:solidFill>
                   <a:schemeClr val="hlink"/>
                 </a:solidFill>
@@ -38254,7 +38633,7 @@
               </a:rPr>
               <a:t>https://www.youtube.com/watch?v=PbNdaP0szhw</a:t>
             </a:r>
-            <a:endParaRPr sz="1200">
+            <a:endParaRPr sz="1000">
               <a:latin typeface="Calibri"/>
               <a:ea typeface="Calibri"/>
               <a:cs typeface="Calibri"/>
@@ -38408,7 +38787,24 @@
                 <a:cs typeface="Calibri"/>
                 <a:sym typeface="Calibri"/>
               </a:rPr>
-              <a:t>, publishing 3-4 long-form videos weekly, which are repurposed into </a:t>
+              <a:t>, publishing 3-4 long-form videos weekly, which are repurposed </a:t>
+            </a:r>
+            <a:br>
+              <a:rPr lang="en" sz="1200">
+                <a:latin typeface="Calibri"/>
+                <a:ea typeface="Calibri"/>
+                <a:cs typeface="Calibri"/>
+                <a:sym typeface="Calibri"/>
+              </a:rPr>
+            </a:br>
+            <a:r>
+              <a:rPr lang="en" sz="1200">
+                <a:latin typeface="Calibri"/>
+                <a:ea typeface="Calibri"/>
+                <a:cs typeface="Calibri"/>
+                <a:sym typeface="Calibri"/>
+              </a:rPr>
+              <a:t>into </a:t>
             </a:r>
             <a:r>
               <a:rPr lang="en" sz="1200" b="1">
@@ -38454,7 +38850,19 @@
                 <a:cs typeface="Calibri"/>
                 <a:sym typeface="Calibri"/>
               </a:rPr>
-              <a:t>Her business model features a three-tier funnel: </a:t>
+              <a:t>Her business model features a </a:t>
+            </a:r>
+            <a:r>
+              <a:rPr lang="en" sz="1200">
+                <a:solidFill>
+                  <a:srgbClr val="3C78D8"/>
+                </a:solidFill>
+                <a:latin typeface="Calibri"/>
+                <a:ea typeface="Calibri"/>
+                <a:cs typeface="Calibri"/>
+                <a:sym typeface="Calibri"/>
+              </a:rPr>
+              <a:t>three-tier funnel: </a:t>
             </a:r>
             <a:br>
               <a:rPr lang="en" sz="1200">
@@ -38466,6 +38874,9 @@
             </a:br>
             <a:r>
               <a:rPr lang="en" sz="1200">
+                <a:solidFill>
+                  <a:srgbClr val="3C78D8"/>
+                </a:solidFill>
                 <a:latin typeface="Calibri"/>
                 <a:ea typeface="Calibri"/>
                 <a:cs typeface="Calibri"/>
@@ -38475,6 +38886,9 @@
             </a:r>
             <a:br>
               <a:rPr lang="en" sz="1200">
+                <a:solidFill>
+                  <a:srgbClr val="3C78D8"/>
+                </a:solidFill>
                 <a:latin typeface="Calibri"/>
                 <a:ea typeface="Calibri"/>
                 <a:cs typeface="Calibri"/>
@@ -38483,6 +38897,9 @@
             </a:br>
             <a:r>
               <a:rPr lang="en" sz="1200">
+                <a:solidFill>
+                  <a:srgbClr val="3C78D8"/>
+                </a:solidFill>
                 <a:latin typeface="Calibri"/>
                 <a:ea typeface="Calibri"/>
                 <a:cs typeface="Calibri"/>
@@ -38492,6 +38909,9 @@
             </a:r>
             <a:br>
               <a:rPr lang="en" sz="1200">
+                <a:solidFill>
+                  <a:srgbClr val="3C78D8"/>
+                </a:solidFill>
                 <a:latin typeface="Calibri"/>
                 <a:ea typeface="Calibri"/>
                 <a:cs typeface="Calibri"/>
@@ -38500,6 +38920,9 @@
             </a:br>
             <a:r>
               <a:rPr lang="en" sz="1200">
+                <a:solidFill>
+                  <a:srgbClr val="3C78D8"/>
+                </a:solidFill>
                 <a:latin typeface="Calibri"/>
                 <a:ea typeface="Calibri"/>
                 <a:cs typeface="Calibri"/>
@@ -38522,7 +38945,91 @@
                 <a:cs typeface="Calibri"/>
                 <a:sym typeface="Calibri"/>
               </a:rPr>
-              <a:t>With 320,000 monthly YouTube views generating 1,500-2,000 email subscribers, she converts approximately 185 AI Labs sales and 6 consulting clients monthly, totaling around $106,000</a:t>
+              <a:t>With </a:t>
+            </a:r>
+            <a:r>
+              <a:rPr lang="en" sz="1200" b="1">
+                <a:solidFill>
+                  <a:srgbClr val="3C78D8"/>
+                </a:solidFill>
+                <a:latin typeface="Calibri"/>
+                <a:ea typeface="Calibri"/>
+                <a:cs typeface="Calibri"/>
+                <a:sym typeface="Calibri"/>
+              </a:rPr>
+              <a:t>320,000 monthly YouTube views</a:t>
+            </a:r>
+            <a:r>
+              <a:rPr lang="en" sz="1200">
+                <a:latin typeface="Calibri"/>
+                <a:ea typeface="Calibri"/>
+                <a:cs typeface="Calibri"/>
+                <a:sym typeface="Calibri"/>
+              </a:rPr>
+              <a:t> generating </a:t>
+            </a:r>
+            <a:r>
+              <a:rPr lang="en" sz="1200">
+                <a:solidFill>
+                  <a:srgbClr val="3C78D8"/>
+                </a:solidFill>
+                <a:latin typeface="Calibri"/>
+                <a:ea typeface="Calibri"/>
+                <a:cs typeface="Calibri"/>
+                <a:sym typeface="Calibri"/>
+              </a:rPr>
+              <a:t>1,500-2,000 email subscribers</a:t>
+            </a:r>
+            <a:r>
+              <a:rPr lang="en" sz="1200">
+                <a:latin typeface="Calibri"/>
+                <a:ea typeface="Calibri"/>
+                <a:cs typeface="Calibri"/>
+                <a:sym typeface="Calibri"/>
+              </a:rPr>
+              <a:t>, she converts approximately </a:t>
+            </a:r>
+            <a:r>
+              <a:rPr lang="en" sz="1200">
+                <a:solidFill>
+                  <a:srgbClr val="3C78D8"/>
+                </a:solidFill>
+                <a:latin typeface="Calibri"/>
+                <a:ea typeface="Calibri"/>
+                <a:cs typeface="Calibri"/>
+                <a:sym typeface="Calibri"/>
+              </a:rPr>
+              <a:t>185 AI Labs sales</a:t>
+            </a:r>
+            <a:r>
+              <a:rPr lang="en" sz="1200">
+                <a:latin typeface="Calibri"/>
+                <a:ea typeface="Calibri"/>
+                <a:cs typeface="Calibri"/>
+                <a:sym typeface="Calibri"/>
+              </a:rPr>
+              <a:t> and </a:t>
+            </a:r>
+            <a:r>
+              <a:rPr lang="en" sz="1200">
+                <a:solidFill>
+                  <a:srgbClr val="3C78D8"/>
+                </a:solidFill>
+                <a:latin typeface="Calibri"/>
+                <a:ea typeface="Calibri"/>
+                <a:cs typeface="Calibri"/>
+                <a:sym typeface="Calibri"/>
+              </a:rPr>
+              <a:t>6 consulting clients</a:t>
+            </a:r>
+            <a:r>
+              <a:rPr lang="en" sz="1200">
+                <a:latin typeface="Calibri"/>
+                <a:ea typeface="Calibri"/>
+                <a:cs typeface="Calibri"/>
+                <a:sym typeface="Calibri"/>
+              </a:rPr>
+              <a:t> monthly, totaling around $106,000</a:t>
             </a:r>
             <a:endParaRPr sz="1200">
               <a:latin typeface="Calibri"/>
@@ -38573,12 +39080,18 @@
               <a:spcAft>
                 <a:spcPts val="0"/>
               </a:spcAft>
+              <a:buClr>
+                <a:srgbClr val="FF0000"/>
+              </a:buClr>
               <a:buSzPts val="1200"/>
               <a:buFont typeface="Calibri"/>
               <a:buChar char="●"/>
             </a:pPr>
             <a:r>
-              <a:rPr lang="en" sz="1200">
+              <a:rPr lang="en" sz="1200" b="1">
+                <a:solidFill>
+                  <a:srgbClr val="FF0000"/>
+                </a:solidFill>
                 <a:latin typeface="Calibri"/>
                 <a:ea typeface="Calibri"/>
                 <a:cs typeface="Calibri"/>
@@ -38586,7 +39099,10 @@
               </a:rPr>
               <a:t>She spends just 12-17 hours weekly on strategic work while AI and her team handle execution</a:t>
             </a:r>
-            <a:endParaRPr sz="1200">
+            <a:endParaRPr sz="1200" b="1">
+              <a:solidFill>
+                <a:srgbClr val="FF0000"/>
+              </a:solidFill>
               <a:latin typeface="Calibri"/>
               <a:ea typeface="Calibri"/>
               <a:cs typeface="Calibri"/>
@@ -38628,7 +39144,7 @@
       </p:sp>
       <p:pic>
         <p:nvPicPr>
-          <p:cNvPr id="309" name="Google Shape;309;p37"/>
+          <p:cNvPr id="311" name="Google Shape;311;p37"/>
           <p:cNvPicPr preferRelativeResize="0"/>
           <p:nvPr/>
         </p:nvPicPr>
@@ -38647,7 +39163,7 @@
         </p:blipFill>
         <p:spPr>
           <a:xfrm>
-            <a:off x="5242725" y="734621"/>
+            <a:off x="5331188" y="153292"/>
             <a:ext cx="2711174" cy="1808974"/>
           </a:xfrm>
           <a:prstGeom prst="rect">
@@ -38667,13 +39183,13 @@
       </p:pic>
       <p:sp>
         <p:nvSpPr>
-          <p:cNvPr id="310" name="Google Shape;310;p37"/>
+          <p:cNvPr id="312" name="Google Shape;312;p37"/>
           <p:cNvSpPr txBox="1"/>
           <p:nvPr/>
         </p:nvSpPr>
         <p:spPr>
           <a:xfrm>
-            <a:off x="5989613" y="2691048"/>
+            <a:off x="6078076" y="2109719"/>
             <a:ext cx="1217400" cy="203100"/>
           </a:xfrm>
           <a:prstGeom prst="rect">
@@ -38731,6 +39247,84 @@
           </a:p>
         </p:txBody>
       </p:sp>
+      <p:pic>
+        <p:nvPicPr>
+          <p:cNvPr id="313" name="Google Shape;313;p37"/>
+          <p:cNvPicPr preferRelativeResize="0"/>
+          <p:nvPr/>
+        </p:nvPicPr>
+        <p:blipFill>
+          <a:blip r:embed="rId5" cstate="email">
+            <a:alphaModFix/>
+            <a:extLst>
+              <a:ext uri="{28A0092B-C50C-407E-A947-70E740481C1C}">
+                <a14:useLocalDpi xmlns:a14="http://schemas.microsoft.com/office/drawing/2010/main"/>
+              </a:ext>
+            </a:extLst>
+          </a:blip>
+          <a:stretch>
+            <a:fillRect/>
+          </a:stretch>
+        </p:blipFill>
+        <p:spPr>
+          <a:xfrm>
+            <a:off x="6901238" y="2501500"/>
+            <a:ext cx="1379494" cy="2452450"/>
+          </a:xfrm>
+          <a:prstGeom prst="rect">
+            <a:avLst/>
+          </a:prstGeom>
+          <a:noFill/>
+          <a:ln w="9525" cap="flat" cmpd="sng">
+            <a:solidFill>
+              <a:srgbClr val="FF0000"/>
+            </a:solidFill>
+            <a:prstDash val="solid"/>
+            <a:round/>
+            <a:headEnd type="none" w="sm" len="sm"/>
+            <a:tailEnd type="none" w="sm" len="sm"/>
+          </a:ln>
+        </p:spPr>
+      </p:pic>
+      <p:pic>
+        <p:nvPicPr>
+          <p:cNvPr id="314" name="Google Shape;314;p37"/>
+          <p:cNvPicPr preferRelativeResize="0"/>
+          <p:nvPr/>
+        </p:nvPicPr>
+        <p:blipFill>
+          <a:blip r:embed="rId6" cstate="email">
+            <a:alphaModFix/>
+            <a:extLst>
+              <a:ext uri="{28A0092B-C50C-407E-A947-70E740481C1C}">
+                <a14:useLocalDpi xmlns:a14="http://schemas.microsoft.com/office/drawing/2010/main"/>
+              </a:ext>
+            </a:extLst>
+          </a:blip>
+          <a:stretch>
+            <a:fillRect/>
+          </a:stretch>
+        </p:blipFill>
+        <p:spPr>
+          <a:xfrm>
+            <a:off x="5145353" y="2501487"/>
+            <a:ext cx="1379500" cy="2452468"/>
+          </a:xfrm>
+          <a:prstGeom prst="rect">
+            <a:avLst/>
+          </a:prstGeom>
+          <a:noFill/>
+          <a:ln w="9525" cap="flat" cmpd="sng">
+            <a:solidFill>
+              <a:srgbClr val="FF0000"/>
+            </a:solidFill>
+            <a:prstDash val="solid"/>
+            <a:round/>
+            <a:headEnd type="none" w="sm" len="sm"/>
+            <a:tailEnd type="none" w="sm" len="sm"/>
+          </a:ln>
+        </p:spPr>
+      </p:pic>
     </p:spTree>
   </p:cSld>
   <p:clrMapOvr>
@@ -38744,7 +39338,7 @@
   <p:cSld>
     <p:spTree>
       <p:nvGrpSpPr>
-        <p:cNvPr id="1" name="Shape 314"/>
+        <p:cNvPr id="1" name="Shape 318"/>
         <p:cNvGrpSpPr/>
         <p:nvPr/>
       </p:nvGrpSpPr>
@@ -38758,7 +39352,7 @@
       </p:grpSpPr>
       <p:sp>
         <p:nvSpPr>
-          <p:cNvPr id="315" name="Google Shape;315;p38"/>
+          <p:cNvPr id="319" name="Google Shape;319;p38"/>
           <p:cNvSpPr txBox="1"/>
           <p:nvPr/>
         </p:nvSpPr>
@@ -38808,6 +39402,896 @@
                 <a:cs typeface="Calibri"/>
                 <a:sym typeface="Calibri"/>
               </a:rPr>
+              <a:t>Karpathy's LLM Council</a:t>
+            </a:r>
+            <a:endParaRPr sz="2000" b="1" i="0" u="none" strike="noStrike" cap="none">
+              <a:solidFill>
+                <a:schemeClr val="dk1"/>
+              </a:solidFill>
+              <a:latin typeface="Calibri"/>
+              <a:ea typeface="Calibri"/>
+              <a:cs typeface="Calibri"/>
+              <a:sym typeface="Calibri"/>
+            </a:endParaRPr>
+          </a:p>
+        </p:txBody>
+      </p:sp>
+      <p:sp>
+        <p:nvSpPr>
+          <p:cNvPr id="320" name="Google Shape;320;p38"/>
+          <p:cNvSpPr txBox="1"/>
+          <p:nvPr/>
+        </p:nvSpPr>
+        <p:spPr>
+          <a:xfrm>
+            <a:off x="55075" y="465550"/>
+            <a:ext cx="4983600" cy="4082100"/>
+          </a:xfrm>
+          <a:prstGeom prst="rect">
+            <a:avLst/>
+          </a:prstGeom>
+          <a:solidFill>
+            <a:srgbClr val="FFF2CC"/>
+          </a:solidFill>
+          <a:ln w="9525" cap="flat" cmpd="sng">
+            <a:solidFill>
+              <a:srgbClr val="FF0000"/>
+            </a:solidFill>
+            <a:prstDash val="solid"/>
+            <a:round/>
+            <a:headEnd type="none" w="sm" len="sm"/>
+            <a:tailEnd type="none" w="sm" len="sm"/>
+          </a:ln>
+        </p:spPr>
+        <p:txBody>
+          <a:bodyPr spcFirstLastPara="1" wrap="square" lIns="9125" tIns="9125" rIns="9125" bIns="9125" anchor="t" anchorCtr="0">
+            <a:spAutoFit/>
+          </a:bodyPr>
+          <a:lstStyle/>
+          <a:p>
+            <a:pPr marL="171450" marR="0" lvl="0" indent="-127000" algn="l" rtl="0">
+              <a:lnSpc>
+                <a:spcPct val="100000"/>
+              </a:lnSpc>
+              <a:spcBef>
+                <a:spcPts val="0"/>
+              </a:spcBef>
+              <a:spcAft>
+                <a:spcPts val="0"/>
+              </a:spcAft>
+              <a:buClr>
+                <a:srgbClr val="FF0000"/>
+              </a:buClr>
+              <a:buSzPts val="1100"/>
+              <a:buFont typeface="Calibri"/>
+              <a:buChar char="●"/>
+            </a:pPr>
+            <a:r>
+              <a:rPr lang="en" sz="1100" b="1">
+                <a:solidFill>
+                  <a:srgbClr val="FF0000"/>
+                </a:solidFill>
+                <a:latin typeface="Calibri"/>
+                <a:ea typeface="Calibri"/>
+                <a:cs typeface="Calibri"/>
+                <a:sym typeface="Calibri"/>
+              </a:rPr>
+              <a:t>Jacob Ben-David forked and enhanced the "LLM Council" by Andrej Karpathy</a:t>
+            </a:r>
+            <a:endParaRPr sz="1100" b="1">
+              <a:solidFill>
+                <a:srgbClr val="FF0000"/>
+              </a:solidFill>
+              <a:latin typeface="Calibri"/>
+              <a:ea typeface="Calibri"/>
+              <a:cs typeface="Calibri"/>
+              <a:sym typeface="Calibri"/>
+            </a:endParaRPr>
+          </a:p>
+          <a:p>
+            <a:pPr marL="171450" marR="0" lvl="0" indent="-127000" algn="l" rtl="0">
+              <a:lnSpc>
+                <a:spcPct val="100000"/>
+              </a:lnSpc>
+              <a:spcBef>
+                <a:spcPts val="0"/>
+              </a:spcBef>
+              <a:spcAft>
+                <a:spcPts val="0"/>
+              </a:spcAft>
+              <a:buSzPts val="1100"/>
+              <a:buFont typeface="Calibri"/>
+              <a:buChar char="●"/>
+            </a:pPr>
+            <a:r>
+              <a:rPr lang="en" sz="1100">
+                <a:latin typeface="Calibri"/>
+                <a:ea typeface="Calibri"/>
+                <a:cs typeface="Calibri"/>
+                <a:sym typeface="Calibri"/>
+              </a:rPr>
+              <a:t>Karpathy's original tool sends queries to multiple LLMs, </a:t>
+            </a:r>
+            <a:br>
+              <a:rPr lang="en" sz="1100">
+                <a:latin typeface="Calibri"/>
+                <a:ea typeface="Calibri"/>
+                <a:cs typeface="Calibri"/>
+                <a:sym typeface="Calibri"/>
+              </a:rPr>
+            </a:br>
+            <a:r>
+              <a:rPr lang="en" sz="1100">
+                <a:latin typeface="Calibri"/>
+                <a:ea typeface="Calibri"/>
+                <a:cs typeface="Calibri"/>
+                <a:sym typeface="Calibri"/>
+              </a:rPr>
+              <a:t>has them rate each other's responses, </a:t>
+            </a:r>
+            <a:br>
+              <a:rPr lang="en" sz="1100">
+                <a:latin typeface="Calibri"/>
+                <a:ea typeface="Calibri"/>
+                <a:cs typeface="Calibri"/>
+                <a:sym typeface="Calibri"/>
+              </a:rPr>
+            </a:br>
+            <a:r>
+              <a:rPr lang="en" sz="1100">
+                <a:latin typeface="Calibri"/>
+                <a:ea typeface="Calibri"/>
+                <a:cs typeface="Calibri"/>
+                <a:sym typeface="Calibri"/>
+              </a:rPr>
+              <a:t>then uses a "Chairman" model to synthesize the final answer</a:t>
+            </a:r>
+            <a:endParaRPr sz="1100">
+              <a:latin typeface="Calibri"/>
+              <a:ea typeface="Calibri"/>
+              <a:cs typeface="Calibri"/>
+              <a:sym typeface="Calibri"/>
+            </a:endParaRPr>
+          </a:p>
+          <a:p>
+            <a:pPr marL="171450" marR="0" lvl="0" indent="-127000" algn="l" rtl="0">
+              <a:lnSpc>
+                <a:spcPct val="100000"/>
+              </a:lnSpc>
+              <a:spcBef>
+                <a:spcPts val="0"/>
+              </a:spcBef>
+              <a:spcAft>
+                <a:spcPts val="0"/>
+              </a:spcAft>
+              <a:buSzPts val="1100"/>
+              <a:buFont typeface="Calibri"/>
+              <a:buChar char="●"/>
+            </a:pPr>
+            <a:r>
+              <a:rPr lang="en" sz="1100">
+                <a:latin typeface="Calibri"/>
+                <a:ea typeface="Calibri"/>
+                <a:cs typeface="Calibri"/>
+                <a:sym typeface="Calibri"/>
+              </a:rPr>
+              <a:t>Jacob's fork improvements:</a:t>
+            </a:r>
+            <a:endParaRPr sz="1100">
+              <a:latin typeface="Calibri"/>
+              <a:ea typeface="Calibri"/>
+              <a:cs typeface="Calibri"/>
+              <a:sym typeface="Calibri"/>
+            </a:endParaRPr>
+          </a:p>
+          <a:p>
+            <a:pPr marL="342900" marR="0" lvl="0" indent="-127000" algn="l" rtl="0">
+              <a:lnSpc>
+                <a:spcPct val="100000"/>
+              </a:lnSpc>
+              <a:spcBef>
+                <a:spcPts val="0"/>
+              </a:spcBef>
+              <a:spcAft>
+                <a:spcPts val="0"/>
+              </a:spcAft>
+              <a:buSzPts val="1100"/>
+              <a:buFont typeface="Calibri"/>
+              <a:buChar char="●"/>
+            </a:pPr>
+            <a:r>
+              <a:rPr lang="en" sz="1100">
+                <a:latin typeface="Calibri"/>
+                <a:ea typeface="Calibri"/>
+                <a:cs typeface="Calibri"/>
+                <a:sym typeface="Calibri"/>
+              </a:rPr>
+              <a:t>Multi-Provider API Support - managing API keys across multiple providers including OpenRouter, Anthropic, OpenAI, Google, Mistral, DeepSeek, and Groq. Users can also connect OpenAI-compatible APIs for additional providers like Together AI</a:t>
+            </a:r>
+            <a:endParaRPr sz="1100">
+              <a:latin typeface="Calibri"/>
+              <a:ea typeface="Calibri"/>
+              <a:cs typeface="Calibri"/>
+              <a:sym typeface="Calibri"/>
+            </a:endParaRPr>
+          </a:p>
+          <a:p>
+            <a:pPr marL="342900" marR="0" lvl="0" indent="-127000" algn="l" rtl="0">
+              <a:lnSpc>
+                <a:spcPct val="100000"/>
+              </a:lnSpc>
+              <a:spcBef>
+                <a:spcPts val="0"/>
+              </a:spcBef>
+              <a:spcAft>
+                <a:spcPts val="0"/>
+              </a:spcAft>
+              <a:buSzPts val="1100"/>
+              <a:buFont typeface="Calibri"/>
+              <a:buChar char="●"/>
+            </a:pPr>
+            <a:r>
+              <a:rPr lang="en" sz="1100">
+                <a:latin typeface="Calibri"/>
+                <a:ea typeface="Calibri"/>
+                <a:cs typeface="Calibri"/>
+                <a:sym typeface="Calibri"/>
+              </a:rPr>
+              <a:t>Ollama support - adding local models</a:t>
+            </a:r>
+            <a:endParaRPr sz="1100">
+              <a:latin typeface="Calibri"/>
+              <a:ea typeface="Calibri"/>
+              <a:cs typeface="Calibri"/>
+              <a:sym typeface="Calibri"/>
+            </a:endParaRPr>
+          </a:p>
+          <a:p>
+            <a:pPr marL="342900" marR="0" lvl="0" indent="-127000" algn="l" rtl="0">
+              <a:lnSpc>
+                <a:spcPct val="100000"/>
+              </a:lnSpc>
+              <a:spcBef>
+                <a:spcPts val="0"/>
+              </a:spcBef>
+              <a:spcAft>
+                <a:spcPts val="0"/>
+              </a:spcAft>
+              <a:buSzPts val="1100"/>
+              <a:buFont typeface="Calibri"/>
+              <a:buChar char="●"/>
+            </a:pPr>
+            <a:r>
+              <a:rPr lang="en" sz="1100">
+                <a:latin typeface="Calibri"/>
+                <a:ea typeface="Calibri"/>
+                <a:cs typeface="Calibri"/>
+                <a:sym typeface="Calibri"/>
+              </a:rPr>
+              <a:t>Web Search Capabilities - using DuckDuckGo, Tavily, Brave Search, and Jina</a:t>
+            </a:r>
+            <a:endParaRPr sz="1100">
+              <a:latin typeface="Calibri"/>
+              <a:ea typeface="Calibri"/>
+              <a:cs typeface="Calibri"/>
+              <a:sym typeface="Calibri"/>
+            </a:endParaRPr>
+          </a:p>
+          <a:p>
+            <a:pPr marL="342900" marR="0" lvl="0" indent="-127000" algn="l" rtl="0">
+              <a:lnSpc>
+                <a:spcPct val="100000"/>
+              </a:lnSpc>
+              <a:spcBef>
+                <a:spcPts val="0"/>
+              </a:spcBef>
+              <a:spcAft>
+                <a:spcPts val="0"/>
+              </a:spcAft>
+              <a:buSzPts val="1100"/>
+              <a:buFont typeface="Calibri"/>
+              <a:buChar char="●"/>
+            </a:pPr>
+            <a:r>
+              <a:rPr lang="en" sz="1100">
+                <a:latin typeface="Calibri"/>
+                <a:ea typeface="Calibri"/>
+                <a:cs typeface="Calibri"/>
+                <a:sym typeface="Calibri"/>
+              </a:rPr>
+              <a:t>Users gain control over system prompts for each deliberation stage, temperature settings for creativity versus conservatism, and council size (expandable from 3 to 8 members)</a:t>
+            </a:r>
+            <a:endParaRPr sz="1100">
+              <a:latin typeface="Calibri"/>
+              <a:ea typeface="Calibri"/>
+              <a:cs typeface="Calibri"/>
+              <a:sym typeface="Calibri"/>
+            </a:endParaRPr>
+          </a:p>
+          <a:p>
+            <a:pPr marL="342900" marR="0" lvl="0" indent="-127000" algn="l" rtl="0">
+              <a:lnSpc>
+                <a:spcPct val="100000"/>
+              </a:lnSpc>
+              <a:spcBef>
+                <a:spcPts val="0"/>
+              </a:spcBef>
+              <a:spcAft>
+                <a:spcPts val="0"/>
+              </a:spcAft>
+              <a:buSzPts val="1100"/>
+              <a:buFont typeface="Calibri"/>
+              <a:buChar char="●"/>
+            </a:pPr>
+            <a:r>
+              <a:rPr lang="en" sz="1100">
+                <a:latin typeface="Calibri"/>
+                <a:ea typeface="Calibri"/>
+                <a:cs typeface="Calibri"/>
+                <a:sym typeface="Calibri"/>
+              </a:rPr>
+              <a:t>The "I'm Feeling Lucky" feature randomly selects models for discovery purposes</a:t>
+            </a:r>
+            <a:endParaRPr sz="1100">
+              <a:latin typeface="Calibri"/>
+              <a:ea typeface="Calibri"/>
+              <a:cs typeface="Calibri"/>
+              <a:sym typeface="Calibri"/>
+            </a:endParaRPr>
+          </a:p>
+          <a:p>
+            <a:pPr marL="342900" marR="0" lvl="0" indent="-127000" algn="l" rtl="0">
+              <a:lnSpc>
+                <a:spcPct val="100000"/>
+              </a:lnSpc>
+              <a:spcBef>
+                <a:spcPts val="0"/>
+              </a:spcBef>
+              <a:spcAft>
+                <a:spcPts val="0"/>
+              </a:spcAft>
+              <a:buSzPts val="1100"/>
+              <a:buFont typeface="Calibri"/>
+              <a:buChar char="●"/>
+            </a:pPr>
+            <a:r>
+              <a:rPr lang="en" sz="1100">
+                <a:latin typeface="Calibri"/>
+                <a:ea typeface="Calibri"/>
+                <a:cs typeface="Calibri"/>
+                <a:sym typeface="Calibri"/>
+              </a:rPr>
+              <a:t>Three operational modes allow users to: query multiple models simultaneously without ranking, enable peer-review ratings, or run full deliberations with chairman verdicts</a:t>
+            </a:r>
+            <a:endParaRPr sz="1100">
+              <a:latin typeface="Calibri"/>
+              <a:ea typeface="Calibri"/>
+              <a:cs typeface="Calibri"/>
+              <a:sym typeface="Calibri"/>
+            </a:endParaRPr>
+          </a:p>
+          <a:p>
+            <a:pPr marL="342900" marR="0" lvl="0" indent="-127000" algn="l" rtl="0">
+              <a:lnSpc>
+                <a:spcPct val="100000"/>
+              </a:lnSpc>
+              <a:spcBef>
+                <a:spcPts val="0"/>
+              </a:spcBef>
+              <a:spcAft>
+                <a:spcPts val="0"/>
+              </a:spcAft>
+              <a:buSzPts val="1100"/>
+              <a:buFont typeface="Calibri"/>
+              <a:buChar char="●"/>
+            </a:pPr>
+            <a:r>
+              <a:rPr lang="en" sz="1100">
+                <a:latin typeface="Calibri"/>
+                <a:ea typeface="Calibri"/>
+                <a:cs typeface="Calibri"/>
+                <a:sym typeface="Calibri"/>
+              </a:rPr>
+              <a:t>Export and import functionality lets users save and share complete council configurations including model selections, prompts, and settings</a:t>
+            </a:r>
+            <a:endParaRPr sz="1100">
+              <a:latin typeface="Calibri"/>
+              <a:ea typeface="Calibri"/>
+              <a:cs typeface="Calibri"/>
+              <a:sym typeface="Calibri"/>
+            </a:endParaRPr>
+          </a:p>
+          <a:p>
+            <a:pPr marL="171450" marR="0" lvl="0" indent="-127000" algn="l" rtl="0">
+              <a:lnSpc>
+                <a:spcPct val="100000"/>
+              </a:lnSpc>
+              <a:spcBef>
+                <a:spcPts val="0"/>
+              </a:spcBef>
+              <a:spcAft>
+                <a:spcPts val="0"/>
+              </a:spcAft>
+              <a:buSzPts val="1100"/>
+              <a:buFont typeface="Calibri"/>
+              <a:buChar char="●"/>
+            </a:pPr>
+            <a:r>
+              <a:rPr lang="en" sz="1100">
+                <a:latin typeface="Calibri"/>
+                <a:ea typeface="Calibri"/>
+                <a:cs typeface="Calibri"/>
+                <a:sym typeface="Calibri"/>
+              </a:rPr>
+              <a:t>The project is available on GitHub as a fork</a:t>
+            </a:r>
+            <a:endParaRPr sz="1100">
+              <a:latin typeface="Calibri"/>
+              <a:ea typeface="Calibri"/>
+              <a:cs typeface="Calibri"/>
+              <a:sym typeface="Calibri"/>
+            </a:endParaRPr>
+          </a:p>
+          <a:p>
+            <a:pPr marL="171450" marR="0" lvl="0" indent="-127000" algn="l" rtl="0">
+              <a:lnSpc>
+                <a:spcPct val="100000"/>
+              </a:lnSpc>
+              <a:spcBef>
+                <a:spcPts val="0"/>
+              </a:spcBef>
+              <a:spcAft>
+                <a:spcPts val="0"/>
+              </a:spcAft>
+              <a:buSzPts val="1100"/>
+              <a:buFont typeface="Calibri"/>
+              <a:buChar char="●"/>
+            </a:pPr>
+            <a:r>
+              <a:rPr lang="en" sz="1100" u="sng">
+                <a:solidFill>
+                  <a:schemeClr val="hlink"/>
+                </a:solidFill>
+                <a:latin typeface="Calibri"/>
+                <a:ea typeface="Calibri"/>
+                <a:cs typeface="Calibri"/>
+                <a:sym typeface="Calibri"/>
+                <a:hlinkClick r:id="rId3"/>
+              </a:rPr>
+              <a:t>https://github.com/jacob-bd/llm-council-plus</a:t>
+            </a:r>
+            <a:r>
+              <a:rPr lang="en" sz="1100">
+                <a:latin typeface="Calibri"/>
+                <a:ea typeface="Calibri"/>
+                <a:cs typeface="Calibri"/>
+                <a:sym typeface="Calibri"/>
+              </a:rPr>
+              <a:t> - improved version</a:t>
+            </a:r>
+            <a:endParaRPr sz="1100">
+              <a:latin typeface="Calibri"/>
+              <a:ea typeface="Calibri"/>
+              <a:cs typeface="Calibri"/>
+              <a:sym typeface="Calibri"/>
+            </a:endParaRPr>
+          </a:p>
+          <a:p>
+            <a:pPr marL="171450" marR="0" lvl="0" indent="-127000" algn="l" rtl="0">
+              <a:lnSpc>
+                <a:spcPct val="100000"/>
+              </a:lnSpc>
+              <a:spcBef>
+                <a:spcPts val="0"/>
+              </a:spcBef>
+              <a:spcAft>
+                <a:spcPts val="0"/>
+              </a:spcAft>
+              <a:buSzPts val="1100"/>
+              <a:buFont typeface="Calibri"/>
+              <a:buChar char="●"/>
+            </a:pPr>
+            <a:r>
+              <a:rPr lang="en" sz="1100" u="sng">
+                <a:solidFill>
+                  <a:schemeClr val="hlink"/>
+                </a:solidFill>
+                <a:latin typeface="Calibri"/>
+                <a:ea typeface="Calibri"/>
+                <a:cs typeface="Calibri"/>
+                <a:sym typeface="Calibri"/>
+                <a:hlinkClick r:id="rId4"/>
+              </a:rPr>
+              <a:t>https://www.youtube.com/watch?v=HOdyIyccOCE</a:t>
+            </a:r>
+            <a:r>
+              <a:rPr lang="en" sz="1100">
+                <a:latin typeface="Calibri"/>
+                <a:ea typeface="Calibri"/>
+                <a:cs typeface="Calibri"/>
+                <a:sym typeface="Calibri"/>
+              </a:rPr>
+              <a:t> - video</a:t>
+            </a:r>
+            <a:endParaRPr sz="1100">
+              <a:latin typeface="Calibri"/>
+              <a:ea typeface="Calibri"/>
+              <a:cs typeface="Calibri"/>
+              <a:sym typeface="Calibri"/>
+            </a:endParaRPr>
+          </a:p>
+          <a:p>
+            <a:pPr marL="171450" marR="0" lvl="0" indent="-127000" algn="l" rtl="0">
+              <a:lnSpc>
+                <a:spcPct val="100000"/>
+              </a:lnSpc>
+              <a:spcBef>
+                <a:spcPts val="0"/>
+              </a:spcBef>
+              <a:spcAft>
+                <a:spcPts val="0"/>
+              </a:spcAft>
+              <a:buSzPts val="1100"/>
+              <a:buFont typeface="Calibri"/>
+              <a:buChar char="●"/>
+            </a:pPr>
+            <a:r>
+              <a:rPr lang="en" sz="1100" u="sng">
+                <a:solidFill>
+                  <a:schemeClr val="hlink"/>
+                </a:solidFill>
+                <a:latin typeface="Calibri"/>
+                <a:ea typeface="Calibri"/>
+                <a:cs typeface="Calibri"/>
+                <a:sym typeface="Calibri"/>
+                <a:hlinkClick r:id="rId5"/>
+              </a:rPr>
+              <a:t>https://github.com/karpathy/llm-council</a:t>
+            </a:r>
+            <a:r>
+              <a:rPr lang="en" sz="1100">
+                <a:latin typeface="Calibri"/>
+                <a:ea typeface="Calibri"/>
+                <a:cs typeface="Calibri"/>
+                <a:sym typeface="Calibri"/>
+              </a:rPr>
+              <a:t> - original</a:t>
+            </a:r>
+            <a:endParaRPr sz="1100">
+              <a:latin typeface="Calibri"/>
+              <a:ea typeface="Calibri"/>
+              <a:cs typeface="Calibri"/>
+              <a:sym typeface="Calibri"/>
+            </a:endParaRPr>
+          </a:p>
+        </p:txBody>
+      </p:sp>
+      <p:pic>
+        <p:nvPicPr>
+          <p:cNvPr id="321" name="Google Shape;321;p38"/>
+          <p:cNvPicPr preferRelativeResize="0"/>
+          <p:nvPr/>
+        </p:nvPicPr>
+        <p:blipFill>
+          <a:blip r:embed="rId6" cstate="email">
+            <a:alphaModFix/>
+            <a:extLst>
+              <a:ext uri="{28A0092B-C50C-407E-A947-70E740481C1C}">
+                <a14:useLocalDpi xmlns:a14="http://schemas.microsoft.com/office/drawing/2010/main"/>
+              </a:ext>
+            </a:extLst>
+          </a:blip>
+          <a:stretch>
+            <a:fillRect/>
+          </a:stretch>
+        </p:blipFill>
+        <p:spPr>
+          <a:xfrm>
+            <a:off x="5165675" y="465550"/>
+            <a:ext cx="3800526" cy="2187003"/>
+          </a:xfrm>
+          <a:prstGeom prst="rect">
+            <a:avLst/>
+          </a:prstGeom>
+          <a:noFill/>
+          <a:ln w="9525" cap="flat" cmpd="sng">
+            <a:solidFill>
+              <a:srgbClr val="FF0000"/>
+            </a:solidFill>
+            <a:prstDash val="solid"/>
+            <a:round/>
+            <a:headEnd type="none" w="sm" len="sm"/>
+            <a:tailEnd type="none" w="sm" len="sm"/>
+          </a:ln>
+        </p:spPr>
+      </p:pic>
+      <p:pic>
+        <p:nvPicPr>
+          <p:cNvPr id="322" name="Google Shape;322;p38"/>
+          <p:cNvPicPr preferRelativeResize="0"/>
+          <p:nvPr/>
+        </p:nvPicPr>
+        <p:blipFill>
+          <a:blip r:embed="rId7" cstate="email">
+            <a:alphaModFix/>
+            <a:extLst>
+              <a:ext uri="{28A0092B-C50C-407E-A947-70E740481C1C}">
+                <a14:useLocalDpi xmlns:a14="http://schemas.microsoft.com/office/drawing/2010/main"/>
+              </a:ext>
+            </a:extLst>
+          </a:blip>
+          <a:stretch>
+            <a:fillRect/>
+          </a:stretch>
+        </p:blipFill>
+        <p:spPr>
+          <a:xfrm>
+            <a:off x="5165675" y="2792251"/>
+            <a:ext cx="1412926" cy="1412926"/>
+          </a:xfrm>
+          <a:prstGeom prst="rect">
+            <a:avLst/>
+          </a:prstGeom>
+          <a:noFill/>
+          <a:ln w="9525" cap="flat" cmpd="sng">
+            <a:solidFill>
+              <a:srgbClr val="FF0000"/>
+            </a:solidFill>
+            <a:prstDash val="solid"/>
+            <a:round/>
+            <a:headEnd type="none" w="sm" len="sm"/>
+            <a:tailEnd type="none" w="sm" len="sm"/>
+          </a:ln>
+        </p:spPr>
+      </p:pic>
+      <p:sp>
+        <p:nvSpPr>
+          <p:cNvPr id="323" name="Google Shape;323;p38"/>
+          <p:cNvSpPr txBox="1"/>
+          <p:nvPr/>
+        </p:nvSpPr>
+        <p:spPr>
+          <a:xfrm>
+            <a:off x="5240938" y="4255975"/>
+            <a:ext cx="1262400" cy="187800"/>
+          </a:xfrm>
+          <a:prstGeom prst="rect">
+            <a:avLst/>
+          </a:prstGeom>
+          <a:solidFill>
+            <a:srgbClr val="FFF2CC"/>
+          </a:solidFill>
+          <a:ln w="9525" cap="flat" cmpd="sng">
+            <a:solidFill>
+              <a:srgbClr val="FF0000"/>
+            </a:solidFill>
+            <a:prstDash val="solid"/>
+            <a:round/>
+            <a:headEnd type="none" w="sm" len="sm"/>
+            <a:tailEnd type="none" w="sm" len="sm"/>
+          </a:ln>
+        </p:spPr>
+        <p:txBody>
+          <a:bodyPr spcFirstLastPara="1" wrap="square" lIns="9125" tIns="9125" rIns="9125" bIns="9125" anchor="t" anchorCtr="0">
+            <a:spAutoFit/>
+          </a:bodyPr>
+          <a:lstStyle/>
+          <a:p>
+            <a:pPr marL="0" marR="0" lvl="0" indent="0" algn="ctr" rtl="0">
+              <a:lnSpc>
+                <a:spcPct val="100000"/>
+              </a:lnSpc>
+              <a:spcBef>
+                <a:spcPts val="0"/>
+              </a:spcBef>
+              <a:spcAft>
+                <a:spcPts val="0"/>
+              </a:spcAft>
+              <a:buNone/>
+            </a:pPr>
+            <a:r>
+              <a:rPr lang="en" sz="1100" b="1">
+                <a:solidFill>
+                  <a:srgbClr val="FF0000"/>
+                </a:solidFill>
+                <a:latin typeface="Calibri"/>
+                <a:ea typeface="Calibri"/>
+                <a:cs typeface="Calibri"/>
+                <a:sym typeface="Calibri"/>
+              </a:rPr>
+              <a:t>Jacob Ben-David </a:t>
+            </a:r>
+            <a:endParaRPr sz="1100">
+              <a:latin typeface="Calibri"/>
+              <a:ea typeface="Calibri"/>
+              <a:cs typeface="Calibri"/>
+              <a:sym typeface="Calibri"/>
+            </a:endParaRPr>
+          </a:p>
+        </p:txBody>
+      </p:sp>
+      <p:pic>
+        <p:nvPicPr>
+          <p:cNvPr id="324" name="Google Shape;324;p38"/>
+          <p:cNvPicPr preferRelativeResize="0"/>
+          <p:nvPr/>
+        </p:nvPicPr>
+        <p:blipFill>
+          <a:blip r:embed="rId8" cstate="email">
+            <a:alphaModFix/>
+            <a:extLst>
+              <a:ext uri="{28A0092B-C50C-407E-A947-70E740481C1C}">
+                <a14:useLocalDpi xmlns:a14="http://schemas.microsoft.com/office/drawing/2010/main"/>
+              </a:ext>
+            </a:extLst>
+          </a:blip>
+          <a:stretch>
+            <a:fillRect/>
+          </a:stretch>
+        </p:blipFill>
+        <p:spPr>
+          <a:xfrm>
+            <a:off x="6731000" y="2804951"/>
+            <a:ext cx="1412925" cy="1412925"/>
+          </a:xfrm>
+          <a:prstGeom prst="rect">
+            <a:avLst/>
+          </a:prstGeom>
+          <a:noFill/>
+          <a:ln w="9525" cap="flat" cmpd="sng">
+            <a:solidFill>
+              <a:srgbClr val="FF0000"/>
+            </a:solidFill>
+            <a:prstDash val="solid"/>
+            <a:round/>
+            <a:headEnd type="none" w="sm" len="sm"/>
+            <a:tailEnd type="none" w="sm" len="sm"/>
+          </a:ln>
+        </p:spPr>
+      </p:pic>
+      <p:sp>
+        <p:nvSpPr>
+          <p:cNvPr id="325" name="Google Shape;325;p38"/>
+          <p:cNvSpPr txBox="1"/>
+          <p:nvPr/>
+        </p:nvSpPr>
+        <p:spPr>
+          <a:xfrm>
+            <a:off x="6806250" y="4255975"/>
+            <a:ext cx="1262400" cy="187800"/>
+          </a:xfrm>
+          <a:prstGeom prst="rect">
+            <a:avLst/>
+          </a:prstGeom>
+          <a:solidFill>
+            <a:srgbClr val="FFF2CC"/>
+          </a:solidFill>
+          <a:ln w="9525" cap="flat" cmpd="sng">
+            <a:solidFill>
+              <a:srgbClr val="FF0000"/>
+            </a:solidFill>
+            <a:prstDash val="solid"/>
+            <a:round/>
+            <a:headEnd type="none" w="sm" len="sm"/>
+            <a:tailEnd type="none" w="sm" len="sm"/>
+          </a:ln>
+        </p:spPr>
+        <p:txBody>
+          <a:bodyPr spcFirstLastPara="1" wrap="square" lIns="9125" tIns="9125" rIns="9125" bIns="9125" anchor="t" anchorCtr="0">
+            <a:spAutoFit/>
+          </a:bodyPr>
+          <a:lstStyle/>
+          <a:p>
+            <a:pPr marL="0" marR="0" lvl="0" indent="0" algn="ctr" rtl="0">
+              <a:lnSpc>
+                <a:spcPct val="100000"/>
+              </a:lnSpc>
+              <a:spcBef>
+                <a:spcPts val="0"/>
+              </a:spcBef>
+              <a:spcAft>
+                <a:spcPts val="0"/>
+              </a:spcAft>
+              <a:buNone/>
+            </a:pPr>
+            <a:r>
+              <a:rPr lang="en" sz="1100" b="1">
+                <a:solidFill>
+                  <a:srgbClr val="FF0000"/>
+                </a:solidFill>
+                <a:latin typeface="Calibri"/>
+                <a:ea typeface="Calibri"/>
+                <a:cs typeface="Calibri"/>
+                <a:sym typeface="Calibri"/>
+              </a:rPr>
+              <a:t>Andrej Karpathy</a:t>
+            </a:r>
+            <a:endParaRPr sz="1100">
+              <a:latin typeface="Calibri"/>
+              <a:ea typeface="Calibri"/>
+              <a:cs typeface="Calibri"/>
+              <a:sym typeface="Calibri"/>
+            </a:endParaRPr>
+          </a:p>
+        </p:txBody>
+      </p:sp>
+    </p:spTree>
+  </p:cSld>
+  <p:clrMapOvr>
+    <a:masterClrMapping/>
+  </p:clrMapOvr>
+</p:sld>
+</file>
+
+<file path=ppt/slides/slide25.xml><?xml version="1.0" encoding="utf-8"?>
+<p:sld xmlns:a="http://schemas.openxmlformats.org/drawingml/2006/main" xmlns:r="http://schemas.openxmlformats.org/officeDocument/2006/relationships" xmlns:p="http://schemas.openxmlformats.org/presentationml/2006/main">
+  <p:cSld>
+    <p:spTree>
+      <p:nvGrpSpPr>
+        <p:cNvPr id="1" name="Shape 329"/>
+        <p:cNvGrpSpPr/>
+        <p:nvPr/>
+      </p:nvGrpSpPr>
+      <p:grpSpPr>
+        <a:xfrm>
+          <a:off x="0" y="0"/>
+          <a:ext cx="0" cy="0"/>
+          <a:chOff x="0" y="0"/>
+          <a:chExt cx="0" cy="0"/>
+        </a:xfrm>
+      </p:grpSpPr>
+      <p:sp>
+        <p:nvSpPr>
+          <p:cNvPr id="330" name="Google Shape;330;p39"/>
+          <p:cNvSpPr txBox="1"/>
+          <p:nvPr/>
+        </p:nvSpPr>
+        <p:spPr>
+          <a:xfrm>
+            <a:off x="55075" y="43025"/>
+            <a:ext cx="4465200" cy="326400"/>
+          </a:xfrm>
+          <a:prstGeom prst="rect">
+            <a:avLst/>
+          </a:prstGeom>
+          <a:noFill/>
+          <a:ln>
+            <a:noFill/>
+          </a:ln>
+        </p:spPr>
+        <p:txBody>
+          <a:bodyPr spcFirstLastPara="1" wrap="square" lIns="9125" tIns="9125" rIns="9125" bIns="9125" anchor="t" anchorCtr="0">
+            <a:spAutoFit/>
+          </a:bodyPr>
+          <a:lstStyle/>
+          <a:p>
+            <a:pPr marL="0" marR="0" lvl="0" indent="0" algn="l" rtl="0">
+              <a:lnSpc>
+                <a:spcPct val="100000"/>
+              </a:lnSpc>
+              <a:spcBef>
+                <a:spcPts val="0"/>
+              </a:spcBef>
+              <a:spcAft>
+                <a:spcPts val="0"/>
+              </a:spcAft>
+              <a:buClr>
+                <a:schemeClr val="dk1"/>
+              </a:buClr>
+              <a:buSzPts val="1100"/>
+              <a:buFont typeface="Arial"/>
+              <a:buNone/>
+            </a:pPr>
+            <a:r>
+              <a:rPr lang="en" sz="2000" b="1">
+                <a:solidFill>
+                  <a:schemeClr val="dk1"/>
+                </a:solidFill>
+                <a:latin typeface="Calibri"/>
+                <a:ea typeface="Calibri"/>
+                <a:cs typeface="Calibri"/>
+                <a:sym typeface="Calibri"/>
+              </a:rPr>
               <a:t>Create Content for for AI chat citations</a:t>
             </a:r>
             <a:endParaRPr sz="2000" b="1" i="0" u="none" strike="noStrike" cap="none">
@@ -38824,7 +40308,7 @@
       </p:sp>
       <p:sp>
         <p:nvSpPr>
-          <p:cNvPr id="316" name="Google Shape;316;p38"/>
+          <p:cNvPr id="331" name="Google Shape;331;p39"/>
           <p:cNvSpPr txBox="1"/>
           <p:nvPr/>
         </p:nvSpPr>
@@ -39152,7 +40636,7 @@
       </p:sp>
       <p:sp>
         <p:nvSpPr>
-          <p:cNvPr id="317" name="Google Shape;317;p38"/>
+          <p:cNvPr id="332" name="Google Shape;332;p39"/>
           <p:cNvSpPr txBox="1"/>
           <p:nvPr/>
         </p:nvSpPr>
@@ -39502,12 +40986,12 @@
 </p:sld>
 </file>
 
-<file path=ppt/slides/slide25.xml><?xml version="1.0" encoding="utf-8"?>
+<file path=ppt/slides/slide26.xml><?xml version="1.0" encoding="utf-8"?>
 <p:sld xmlns:a="http://schemas.openxmlformats.org/drawingml/2006/main" xmlns:r="http://schemas.openxmlformats.org/officeDocument/2006/relationships" xmlns:p="http://schemas.openxmlformats.org/presentationml/2006/main">
   <p:cSld>
     <p:spTree>
       <p:nvGrpSpPr>
-        <p:cNvPr id="1" name="Shape 321"/>
+        <p:cNvPr id="1" name="Shape 336"/>
         <p:cNvGrpSpPr/>
         <p:nvPr/>
       </p:nvGrpSpPr>
@@ -39521,7 +41005,619 @@
       </p:grpSpPr>
       <p:sp>
         <p:nvSpPr>
-          <p:cNvPr id="322" name="Google Shape;322;p39"/>
+          <p:cNvPr id="337" name="Google Shape;337;p40"/>
+          <p:cNvSpPr txBox="1"/>
+          <p:nvPr/>
+        </p:nvSpPr>
+        <p:spPr>
+          <a:xfrm>
+            <a:off x="93175" y="68425"/>
+            <a:ext cx="3335700" cy="326400"/>
+          </a:xfrm>
+          <a:prstGeom prst="rect">
+            <a:avLst/>
+          </a:prstGeom>
+          <a:noFill/>
+          <a:ln>
+            <a:noFill/>
+          </a:ln>
+        </p:spPr>
+        <p:txBody>
+          <a:bodyPr spcFirstLastPara="1" wrap="square" lIns="9125" tIns="9125" rIns="9125" bIns="9125" anchor="t" anchorCtr="0">
+            <a:spAutoFit/>
+          </a:bodyPr>
+          <a:lstStyle/>
+          <a:p>
+            <a:pPr marL="0" marR="0" lvl="0" indent="0" algn="l" rtl="0">
+              <a:lnSpc>
+                <a:spcPct val="100000"/>
+              </a:lnSpc>
+              <a:spcBef>
+                <a:spcPts val="0"/>
+              </a:spcBef>
+              <a:spcAft>
+                <a:spcPts val="0"/>
+              </a:spcAft>
+              <a:buClr>
+                <a:schemeClr val="dk1"/>
+              </a:buClr>
+              <a:buSzPts val="1100"/>
+              <a:buFont typeface="Arial"/>
+              <a:buNone/>
+            </a:pPr>
+            <a:r>
+              <a:rPr lang="en" sz="2000" b="1">
+                <a:solidFill>
+                  <a:schemeClr val="dk1"/>
+                </a:solidFill>
+                <a:latin typeface="Calibri"/>
+                <a:ea typeface="Calibri"/>
+                <a:cs typeface="Calibri"/>
+                <a:sym typeface="Calibri"/>
+              </a:rPr>
+              <a:t>Correlation versus causality</a:t>
+            </a:r>
+            <a:endParaRPr sz="2000" b="1" i="0" u="none" strike="noStrike" cap="none">
+              <a:solidFill>
+                <a:schemeClr val="dk1"/>
+              </a:solidFill>
+              <a:latin typeface="Calibri"/>
+              <a:ea typeface="Calibri"/>
+              <a:cs typeface="Calibri"/>
+              <a:sym typeface="Calibri"/>
+            </a:endParaRPr>
+          </a:p>
+        </p:txBody>
+      </p:sp>
+      <p:sp>
+        <p:nvSpPr>
+          <p:cNvPr id="338" name="Google Shape;338;p40"/>
+          <p:cNvSpPr txBox="1"/>
+          <p:nvPr/>
+        </p:nvSpPr>
+        <p:spPr>
+          <a:xfrm>
+            <a:off x="105875" y="534534"/>
+            <a:ext cx="4465200" cy="4405200"/>
+          </a:xfrm>
+          <a:prstGeom prst="rect">
+            <a:avLst/>
+          </a:prstGeom>
+          <a:solidFill>
+            <a:srgbClr val="FFF2CC"/>
+          </a:solidFill>
+          <a:ln w="9525" cap="flat" cmpd="sng">
+            <a:solidFill>
+              <a:srgbClr val="FF0000"/>
+            </a:solidFill>
+            <a:prstDash val="solid"/>
+            <a:round/>
+            <a:headEnd type="none" w="sm" len="sm"/>
+            <a:tailEnd type="none" w="sm" len="sm"/>
+          </a:ln>
+        </p:spPr>
+        <p:txBody>
+          <a:bodyPr spcFirstLastPara="1" wrap="square" lIns="9125" tIns="9125" rIns="9125" bIns="9125" anchor="t" anchorCtr="0">
+            <a:spAutoFit/>
+          </a:bodyPr>
+          <a:lstStyle/>
+          <a:p>
+            <a:pPr marL="171450" marR="0" lvl="0" indent="-133350" algn="l" rtl="0">
+              <a:lnSpc>
+                <a:spcPct val="100000"/>
+              </a:lnSpc>
+              <a:spcBef>
+                <a:spcPts val="0"/>
+              </a:spcBef>
+              <a:spcAft>
+                <a:spcPts val="0"/>
+              </a:spcAft>
+              <a:buClr>
+                <a:srgbClr val="FF0000"/>
+              </a:buClr>
+              <a:buSzPts val="1200"/>
+              <a:buFont typeface="Calibri"/>
+              <a:buChar char="●"/>
+            </a:pPr>
+            <a:r>
+              <a:rPr lang="en" sz="1200" b="1">
+                <a:solidFill>
+                  <a:srgbClr val="FF0000"/>
+                </a:solidFill>
+                <a:latin typeface="Calibri"/>
+                <a:ea typeface="Calibri"/>
+                <a:cs typeface="Calibri"/>
+                <a:sym typeface="Calibri"/>
+              </a:rPr>
+              <a:t>Correlation versus causality - by Martin Milani</a:t>
+            </a:r>
+            <a:endParaRPr sz="1200" b="1">
+              <a:solidFill>
+                <a:srgbClr val="FF0000"/>
+              </a:solidFill>
+              <a:latin typeface="Calibri"/>
+              <a:ea typeface="Calibri"/>
+              <a:cs typeface="Calibri"/>
+              <a:sym typeface="Calibri"/>
+            </a:endParaRPr>
+          </a:p>
+          <a:p>
+            <a:pPr marL="171450" marR="0" lvl="0" indent="-114300" algn="l" rtl="0">
+              <a:lnSpc>
+                <a:spcPct val="100000"/>
+              </a:lnSpc>
+              <a:spcBef>
+                <a:spcPts val="0"/>
+              </a:spcBef>
+              <a:spcAft>
+                <a:spcPts val="0"/>
+              </a:spcAft>
+              <a:buSzPts val="900"/>
+              <a:buFont typeface="Calibri"/>
+              <a:buChar char="●"/>
+            </a:pPr>
+            <a:r>
+              <a:rPr lang="en" sz="900" u="sng">
+                <a:solidFill>
+                  <a:schemeClr val="hlink"/>
+                </a:solidFill>
+                <a:latin typeface="Calibri"/>
+                <a:ea typeface="Calibri"/>
+                <a:cs typeface="Calibri"/>
+                <a:sym typeface="Calibri"/>
+                <a:hlinkClick r:id="rId3"/>
+              </a:rPr>
+              <a:t>https://www.linkedin.com/feed/update/urn:li:activity:7414319239756500992/</a:t>
+            </a:r>
+            <a:r>
+              <a:rPr lang="en" sz="900">
+                <a:latin typeface="Calibri"/>
+                <a:ea typeface="Calibri"/>
+                <a:cs typeface="Calibri"/>
+                <a:sym typeface="Calibri"/>
+              </a:rPr>
+              <a:t> </a:t>
+            </a:r>
+            <a:endParaRPr sz="900">
+              <a:latin typeface="Calibri"/>
+              <a:ea typeface="Calibri"/>
+              <a:cs typeface="Calibri"/>
+              <a:sym typeface="Calibri"/>
+            </a:endParaRPr>
+          </a:p>
+          <a:p>
+            <a:pPr marL="171450" marR="0" lvl="0" indent="-127000" algn="l" rtl="0">
+              <a:lnSpc>
+                <a:spcPct val="100000"/>
+              </a:lnSpc>
+              <a:spcBef>
+                <a:spcPts val="0"/>
+              </a:spcBef>
+              <a:spcAft>
+                <a:spcPts val="0"/>
+              </a:spcAft>
+              <a:buClr>
+                <a:srgbClr val="3C78D8"/>
+              </a:buClr>
+              <a:buSzPts val="1100"/>
+              <a:buFont typeface="Calibri"/>
+              <a:buChar char="●"/>
+            </a:pPr>
+            <a:r>
+              <a:rPr lang="en" sz="1100">
+                <a:solidFill>
+                  <a:srgbClr val="3C78D8"/>
+                </a:solidFill>
+                <a:latin typeface="Calibri"/>
+                <a:ea typeface="Calibri"/>
+                <a:cs typeface="Calibri"/>
+                <a:sym typeface="Calibri"/>
+              </a:rPr>
+              <a:t>Einstein (1953): “The development of Western science is based on two great achievements: the invention of the formal logical system (in Euclidean geometry) by the Greek philosophers, and the discovery of the possibility to find out causal relationships by systematic experiment (during the Renaissance).”</a:t>
+            </a:r>
+            <a:endParaRPr sz="1100">
+              <a:solidFill>
+                <a:srgbClr val="3C78D8"/>
+              </a:solidFill>
+              <a:latin typeface="Calibri"/>
+              <a:ea typeface="Calibri"/>
+              <a:cs typeface="Calibri"/>
+              <a:sym typeface="Calibri"/>
+            </a:endParaRPr>
+          </a:p>
+          <a:p>
+            <a:pPr marL="171450" marR="0" lvl="0" indent="-127000" algn="l" rtl="0">
+              <a:lnSpc>
+                <a:spcPct val="100000"/>
+              </a:lnSpc>
+              <a:spcBef>
+                <a:spcPts val="0"/>
+              </a:spcBef>
+              <a:spcAft>
+                <a:spcPts val="0"/>
+              </a:spcAft>
+              <a:buSzPts val="1100"/>
+              <a:buFont typeface="Calibri"/>
+              <a:buChar char="●"/>
+            </a:pPr>
+            <a:r>
+              <a:rPr lang="en" sz="1100">
+                <a:latin typeface="Calibri"/>
+                <a:ea typeface="Calibri"/>
+                <a:cs typeface="Calibri"/>
+                <a:sym typeface="Calibri"/>
+              </a:rPr>
+              <a:t>Einstein’s point: causality is what allowed us to move from patterns to meaning, from observation to understanding, from blind correlation to causal reasoning</a:t>
+            </a:r>
+            <a:endParaRPr sz="1100">
+              <a:latin typeface="Calibri"/>
+              <a:ea typeface="Calibri"/>
+              <a:cs typeface="Calibri"/>
+              <a:sym typeface="Calibri"/>
+            </a:endParaRPr>
+          </a:p>
+          <a:p>
+            <a:pPr marL="171450" marR="0" lvl="0" indent="-127000" algn="l" rtl="0">
+              <a:lnSpc>
+                <a:spcPct val="100000"/>
+              </a:lnSpc>
+              <a:spcBef>
+                <a:spcPts val="0"/>
+              </a:spcBef>
+              <a:spcAft>
+                <a:spcPts val="0"/>
+              </a:spcAft>
+              <a:buSzPts val="1100"/>
+              <a:buFont typeface="Calibri"/>
+              <a:buChar char="●"/>
+            </a:pPr>
+            <a:r>
+              <a:rPr lang="en" sz="1100">
+                <a:latin typeface="Calibri"/>
+                <a:ea typeface="Calibri"/>
+                <a:cs typeface="Calibri"/>
+                <a:sym typeface="Calibri"/>
+              </a:rPr>
+              <a:t>Two studies from 2025 prove that </a:t>
+            </a:r>
+            <a:r>
+              <a:rPr lang="en" sz="1100" b="1">
+                <a:solidFill>
+                  <a:srgbClr val="FF0000"/>
+                </a:solidFill>
+                <a:latin typeface="Calibri"/>
+                <a:ea typeface="Calibri"/>
+                <a:cs typeface="Calibri"/>
+                <a:sym typeface="Calibri"/>
+              </a:rPr>
+              <a:t>simply "scaling up" pattern-matchers is hitting a wall</a:t>
+            </a:r>
+            <a:endParaRPr sz="1100">
+              <a:latin typeface="Calibri"/>
+              <a:ea typeface="Calibri"/>
+              <a:cs typeface="Calibri"/>
+              <a:sym typeface="Calibri"/>
+            </a:endParaRPr>
+          </a:p>
+          <a:p>
+            <a:pPr marL="457200" marR="0" lvl="0" indent="-127000" algn="l" rtl="0">
+              <a:lnSpc>
+                <a:spcPct val="100000"/>
+              </a:lnSpc>
+              <a:spcBef>
+                <a:spcPts val="0"/>
+              </a:spcBef>
+              <a:spcAft>
+                <a:spcPts val="0"/>
+              </a:spcAft>
+              <a:buClr>
+                <a:srgbClr val="3C78D8"/>
+              </a:buClr>
+              <a:buSzPts val="1100"/>
+              <a:buFont typeface="Calibri"/>
+              <a:buChar char="●"/>
+            </a:pPr>
+            <a:r>
+              <a:rPr lang="en" sz="1100">
+                <a:solidFill>
+                  <a:srgbClr val="3C78D8"/>
+                </a:solidFill>
+                <a:latin typeface="Calibri"/>
+                <a:ea typeface="Calibri"/>
+                <a:cs typeface="Calibri"/>
+                <a:sym typeface="Calibri"/>
+              </a:rPr>
+              <a:t>Apple’s 2025 research (“The Illusion of Thinking”) demonstrates that as reasoning tasks grow more complex, model accuracy collapses, even as models generate longer “thinking traces” </a:t>
+            </a:r>
+            <a:endParaRPr sz="1100">
+              <a:solidFill>
+                <a:srgbClr val="3C78D8"/>
+              </a:solidFill>
+              <a:latin typeface="Calibri"/>
+              <a:ea typeface="Calibri"/>
+              <a:cs typeface="Calibri"/>
+              <a:sym typeface="Calibri"/>
+            </a:endParaRPr>
+          </a:p>
+          <a:p>
+            <a:pPr marL="457200" marR="0" lvl="0" indent="-127000" algn="l" rtl="0">
+              <a:lnSpc>
+                <a:spcPct val="100000"/>
+              </a:lnSpc>
+              <a:spcBef>
+                <a:spcPts val="0"/>
+              </a:spcBef>
+              <a:spcAft>
+                <a:spcPts val="0"/>
+              </a:spcAft>
+              <a:buClr>
+                <a:srgbClr val="3C78D8"/>
+              </a:buClr>
+              <a:buSzPts val="1100"/>
+              <a:buFont typeface="Calibri"/>
+              <a:buChar char="●"/>
+            </a:pPr>
+            <a:r>
+              <a:rPr lang="en" sz="1100">
+                <a:solidFill>
+                  <a:srgbClr val="3C78D8"/>
+                </a:solidFill>
+                <a:latin typeface="Calibri"/>
+                <a:ea typeface="Calibri"/>
+                <a:cs typeface="Calibri"/>
+                <a:sym typeface="Calibri"/>
+              </a:rPr>
+              <a:t>A late 2025 study on scientific discovery finds the same plateau, models perform well on surface benchmarks but fail at iterative reasoning, hypothesis refinement, and genuine discovery</a:t>
+            </a:r>
+            <a:endParaRPr sz="1100">
+              <a:solidFill>
+                <a:srgbClr val="3C78D8"/>
+              </a:solidFill>
+              <a:latin typeface="Calibri"/>
+              <a:ea typeface="Calibri"/>
+              <a:cs typeface="Calibri"/>
+              <a:sym typeface="Calibri"/>
+            </a:endParaRPr>
+          </a:p>
+          <a:p>
+            <a:pPr marL="171450" marR="0" lvl="0" indent="-127000" algn="l" rtl="0">
+              <a:lnSpc>
+                <a:spcPct val="100000"/>
+              </a:lnSpc>
+              <a:spcBef>
+                <a:spcPts val="0"/>
+              </a:spcBef>
+              <a:spcAft>
+                <a:spcPts val="0"/>
+              </a:spcAft>
+              <a:buSzPts val="1100"/>
+              <a:buFont typeface="Calibri"/>
+              <a:buChar char="●"/>
+            </a:pPr>
+            <a:r>
+              <a:rPr lang="en" sz="1100" b="1">
+                <a:solidFill>
+                  <a:srgbClr val="FF0000"/>
+                </a:solidFill>
+                <a:latin typeface="Calibri"/>
+                <a:ea typeface="Calibri"/>
+                <a:cs typeface="Calibri"/>
+                <a:sym typeface="Calibri"/>
+              </a:rPr>
+              <a:t>Correlation can predict; it cannot explain</a:t>
+            </a:r>
+            <a:endParaRPr sz="1100">
+              <a:latin typeface="Calibri"/>
+              <a:ea typeface="Calibri"/>
+              <a:cs typeface="Calibri"/>
+              <a:sym typeface="Calibri"/>
+            </a:endParaRPr>
+          </a:p>
+          <a:p>
+            <a:pPr marL="171450" marR="0" lvl="0" indent="-127000" algn="l" rtl="0">
+              <a:lnSpc>
+                <a:spcPct val="100000"/>
+              </a:lnSpc>
+              <a:spcBef>
+                <a:spcPts val="0"/>
+              </a:spcBef>
+              <a:spcAft>
+                <a:spcPts val="0"/>
+              </a:spcAft>
+              <a:buSzPts val="1100"/>
+              <a:buFont typeface="Calibri"/>
+              <a:buChar char="●"/>
+            </a:pPr>
+            <a:r>
+              <a:rPr lang="en" sz="1100">
+                <a:latin typeface="Calibri"/>
+                <a:ea typeface="Calibri"/>
+                <a:cs typeface="Calibri"/>
+                <a:sym typeface="Calibri"/>
+              </a:rPr>
+              <a:t>Intelligence requires causal models and logical reasoning, the ability to explain, not just predict</a:t>
+            </a:r>
+            <a:endParaRPr sz="1100">
+              <a:latin typeface="Calibri"/>
+              <a:ea typeface="Calibri"/>
+              <a:cs typeface="Calibri"/>
+              <a:sym typeface="Calibri"/>
+            </a:endParaRPr>
+          </a:p>
+          <a:p>
+            <a:pPr marL="171450" marR="0" lvl="0" indent="-127000" algn="l" rtl="0">
+              <a:lnSpc>
+                <a:spcPct val="100000"/>
+              </a:lnSpc>
+              <a:spcBef>
+                <a:spcPts val="0"/>
+              </a:spcBef>
+              <a:spcAft>
+                <a:spcPts val="0"/>
+              </a:spcAft>
+              <a:buSzPts val="1100"/>
+              <a:buFont typeface="Calibri"/>
+              <a:buChar char="●"/>
+            </a:pPr>
+            <a:r>
+              <a:rPr lang="en" sz="1100">
+                <a:latin typeface="Calibri"/>
+                <a:ea typeface="Calibri"/>
+                <a:cs typeface="Calibri"/>
+                <a:sym typeface="Calibri"/>
+              </a:rPr>
+              <a:t>Until AI can represent causes, test counterfactuals, and justify its inferences, it will remain powerful pattern recognition masquerading as cognition</a:t>
+            </a:r>
+            <a:endParaRPr sz="1100">
+              <a:latin typeface="Calibri"/>
+              <a:ea typeface="Calibri"/>
+              <a:cs typeface="Calibri"/>
+              <a:sym typeface="Calibri"/>
+            </a:endParaRPr>
+          </a:p>
+          <a:p>
+            <a:pPr marL="171450" marR="0" lvl="0" indent="-127000" algn="l" rtl="0">
+              <a:lnSpc>
+                <a:spcPct val="100000"/>
+              </a:lnSpc>
+              <a:spcBef>
+                <a:spcPts val="0"/>
+              </a:spcBef>
+              <a:spcAft>
+                <a:spcPts val="0"/>
+              </a:spcAft>
+              <a:buClr>
+                <a:srgbClr val="FF0000"/>
+              </a:buClr>
+              <a:buSzPts val="1100"/>
+              <a:buFont typeface="Calibri"/>
+              <a:buChar char="●"/>
+            </a:pPr>
+            <a:r>
+              <a:rPr lang="en" sz="1100" b="1">
+                <a:solidFill>
+                  <a:srgbClr val="FF0000"/>
+                </a:solidFill>
+                <a:latin typeface="Calibri"/>
+                <a:ea typeface="Calibri"/>
+                <a:cs typeface="Calibri"/>
+                <a:sym typeface="Calibri"/>
+              </a:rPr>
+              <a:t>Causality and logical reasoning are the foundations of human intelligence, and they remain the missing foundations of today’s AI</a:t>
+            </a:r>
+            <a:endParaRPr sz="1100" b="1">
+              <a:solidFill>
+                <a:srgbClr val="FF0000"/>
+              </a:solidFill>
+              <a:latin typeface="Calibri"/>
+              <a:ea typeface="Calibri"/>
+              <a:cs typeface="Calibri"/>
+              <a:sym typeface="Calibri"/>
+            </a:endParaRPr>
+          </a:p>
+        </p:txBody>
+      </p:sp>
+      <p:pic>
+        <p:nvPicPr>
+          <p:cNvPr id="339" name="Google Shape;339;p40"/>
+          <p:cNvPicPr preferRelativeResize="0"/>
+          <p:nvPr/>
+        </p:nvPicPr>
+        <p:blipFill>
+          <a:blip r:embed="rId4">
+            <a:alphaModFix/>
+          </a:blip>
+          <a:stretch>
+            <a:fillRect/>
+          </a:stretch>
+        </p:blipFill>
+        <p:spPr>
+          <a:xfrm>
+            <a:off x="4723475" y="534525"/>
+            <a:ext cx="1905000" cy="2286000"/>
+          </a:xfrm>
+          <a:prstGeom prst="rect">
+            <a:avLst/>
+          </a:prstGeom>
+          <a:noFill/>
+          <a:ln w="9525" cap="flat" cmpd="sng">
+            <a:solidFill>
+              <a:srgbClr val="FF0000"/>
+            </a:solidFill>
+            <a:prstDash val="solid"/>
+            <a:round/>
+            <a:headEnd type="none" w="sm" len="sm"/>
+            <a:tailEnd type="none" w="sm" len="sm"/>
+          </a:ln>
+        </p:spPr>
+      </p:pic>
+      <p:pic>
+        <p:nvPicPr>
+          <p:cNvPr id="340" name="Google Shape;340;p40"/>
+          <p:cNvPicPr preferRelativeResize="0"/>
+          <p:nvPr/>
+        </p:nvPicPr>
+        <p:blipFill>
+          <a:blip r:embed="rId5" cstate="email">
+            <a:alphaModFix/>
+            <a:extLst>
+              <a:ext uri="{28A0092B-C50C-407E-A947-70E740481C1C}">
+                <a14:useLocalDpi xmlns:a14="http://schemas.microsoft.com/office/drawing/2010/main"/>
+              </a:ext>
+            </a:extLst>
+          </a:blip>
+          <a:stretch>
+            <a:fillRect/>
+          </a:stretch>
+        </p:blipFill>
+        <p:spPr>
+          <a:xfrm>
+            <a:off x="4723475" y="2927774"/>
+            <a:ext cx="2053575" cy="2011950"/>
+          </a:xfrm>
+          <a:prstGeom prst="rect">
+            <a:avLst/>
+          </a:prstGeom>
+          <a:noFill/>
+          <a:ln w="9525" cap="flat" cmpd="sng">
+            <a:solidFill>
+              <a:srgbClr val="FF0000"/>
+            </a:solidFill>
+            <a:prstDash val="solid"/>
+            <a:round/>
+            <a:headEnd type="none" w="sm" len="sm"/>
+            <a:tailEnd type="none" w="sm" len="sm"/>
+          </a:ln>
+        </p:spPr>
+      </p:pic>
+    </p:spTree>
+  </p:cSld>
+  <p:clrMapOvr>
+    <a:masterClrMapping/>
+  </p:clrMapOvr>
+</p:sld>
+</file>
+
+<file path=ppt/slides/slide27.xml><?xml version="1.0" encoding="utf-8"?>
+<p:sld xmlns:a="http://schemas.openxmlformats.org/drawingml/2006/main" xmlns:r="http://schemas.openxmlformats.org/officeDocument/2006/relationships" xmlns:p="http://schemas.openxmlformats.org/presentationml/2006/main">
+  <p:cSld>
+    <p:spTree>
+      <p:nvGrpSpPr>
+        <p:cNvPr id="1" name="Shape 344"/>
+        <p:cNvGrpSpPr/>
+        <p:nvPr/>
+      </p:nvGrpSpPr>
+      <p:grpSpPr>
+        <a:xfrm>
+          <a:off x="0" y="0"/>
+          <a:ext cx="0" cy="0"/>
+          <a:chOff x="0" y="0"/>
+          <a:chExt cx="0" cy="0"/>
+        </a:xfrm>
+      </p:grpSpPr>
+      <p:sp>
+        <p:nvSpPr>
+          <p:cNvPr id="345" name="Google Shape;345;p41"/>
           <p:cNvSpPr txBox="1"/>
           <p:nvPr/>
         </p:nvSpPr>
@@ -39587,7 +41683,7 @@
       </p:sp>
       <p:sp>
         <p:nvSpPr>
-          <p:cNvPr id="323" name="Google Shape;323;p39"/>
+          <p:cNvPr id="346" name="Google Shape;346;p41"/>
           <p:cNvSpPr txBox="1"/>
           <p:nvPr/>
         </p:nvSpPr>
@@ -39715,14 +41811,14 @@
       </p:sp>
       <p:sp>
         <p:nvSpPr>
-          <p:cNvPr id="324" name="Google Shape;324;p39"/>
+          <p:cNvPr id="347" name="Google Shape;347;p41"/>
           <p:cNvSpPr txBox="1"/>
           <p:nvPr/>
         </p:nvSpPr>
         <p:spPr>
           <a:xfrm>
             <a:off x="5144548" y="507700"/>
-            <a:ext cx="3981900" cy="942000"/>
+            <a:ext cx="3981900" cy="1126800"/>
           </a:xfrm>
           <a:prstGeom prst="rect">
             <a:avLst/>
@@ -39802,7 +41898,50 @@
                 <a:cs typeface="Roboto Mono"/>
                 <a:sym typeface="Roboto Mono"/>
               </a:rPr>
-              <a:t>123K in 2025 (as of January 8, 2026)</a:t>
+              <a:t>-    in 2026 </a:t>
+            </a:r>
+            <a:r>
+              <a:rPr lang="en" sz="1000" b="1">
+                <a:solidFill>
+                  <a:schemeClr val="dk1"/>
+                </a:solidFill>
+                <a:latin typeface="Roboto Mono"/>
+                <a:ea typeface="Roboto Mono"/>
+                <a:cs typeface="Roboto Mono"/>
+                <a:sym typeface="Roboto Mono"/>
+              </a:rPr>
+              <a:t>(as of January 8, 2026)</a:t>
+            </a:r>
+            <a:endParaRPr sz="1000" b="1">
+              <a:latin typeface="Roboto Mono"/>
+              <a:ea typeface="Roboto Mono"/>
+              <a:cs typeface="Roboto Mono"/>
+              <a:sym typeface="Roboto Mono"/>
+            </a:endParaRPr>
+          </a:p>
+          <a:p>
+            <a:pPr marL="228600" marR="0" lvl="1" indent="-133350" algn="l" rtl="0">
+              <a:lnSpc>
+                <a:spcPct val="100000"/>
+              </a:lnSpc>
+              <a:spcBef>
+                <a:spcPts val="0"/>
+              </a:spcBef>
+              <a:spcAft>
+                <a:spcPts val="0"/>
+              </a:spcAft>
+              <a:buSzPts val="1200"/>
+              <a:buFont typeface="Calibri"/>
+              <a:buChar char="○"/>
+            </a:pPr>
+            <a:r>
+              <a:rPr lang="en" sz="1000" b="1">
+                <a:latin typeface="Roboto Mono"/>
+                <a:ea typeface="Roboto Mono"/>
+                <a:cs typeface="Roboto Mono"/>
+                <a:sym typeface="Roboto Mono"/>
+              </a:rPr>
+              <a:t>123K in 2025 </a:t>
             </a:r>
             <a:endParaRPr sz="1000" b="1">
               <a:latin typeface="Roboto Mono"/>
@@ -39942,7 +42081,7 @@
       </p:sp>
       <p:sp>
         <p:nvSpPr>
-          <p:cNvPr id="325" name="Google Shape;325;p39"/>
+          <p:cNvPr id="348" name="Google Shape;348;p41"/>
           <p:cNvSpPr txBox="1"/>
           <p:nvPr/>
         </p:nvSpPr>
@@ -40161,7 +42300,7 @@
       </p:sp>
       <p:pic>
         <p:nvPicPr>
-          <p:cNvPr id="326" name="Google Shape;326;p39"/>
+          <p:cNvPr id="349" name="Google Shape;349;p41"/>
           <p:cNvPicPr preferRelativeResize="0"/>
           <p:nvPr/>
         </p:nvPicPr>
@@ -40200,7 +42339,7 @@
       </p:pic>
       <p:pic>
         <p:nvPicPr>
-          <p:cNvPr id="327" name="Google Shape;327;p39"/>
+          <p:cNvPr id="350" name="Google Shape;350;p41"/>
           <p:cNvPicPr preferRelativeResize="0"/>
           <p:nvPr/>
         </p:nvPicPr>
@@ -40245,12 +42384,12 @@
 </p:sld>
 </file>
 
-<file path=ppt/slides/slide26.xml><?xml version="1.0" encoding="utf-8"?>
+<file path=ppt/slides/slide28.xml><?xml version="1.0" encoding="utf-8"?>
 <p:sld xmlns:a="http://schemas.openxmlformats.org/drawingml/2006/main" xmlns:r="http://schemas.openxmlformats.org/officeDocument/2006/relationships" xmlns:p="http://schemas.openxmlformats.org/presentationml/2006/main">
   <p:cSld>
     <p:spTree>
       <p:nvGrpSpPr>
-        <p:cNvPr id="1" name="Shape 331"/>
+        <p:cNvPr id="1" name="Shape 354"/>
         <p:cNvGrpSpPr/>
         <p:nvPr/>
       </p:nvGrpSpPr>
@@ -40264,7 +42403,7 @@
       </p:grpSpPr>
       <p:pic>
         <p:nvPicPr>
-          <p:cNvPr id="332" name="Google Shape;332;p40"/>
+          <p:cNvPr id="355" name="Google Shape;355;p42"/>
           <p:cNvPicPr preferRelativeResize="0"/>
           <p:nvPr/>
         </p:nvPicPr>
@@ -40296,7 +42435,7 @@
       </p:pic>
       <p:sp>
         <p:nvSpPr>
-          <p:cNvPr id="333" name="Google Shape;333;p40"/>
+          <p:cNvPr id="356" name="Google Shape;356;p42"/>
           <p:cNvSpPr txBox="1"/>
           <p:nvPr/>
         </p:nvSpPr>
@@ -40362,7 +42501,7 @@
       </p:sp>
       <p:sp>
         <p:nvSpPr>
-          <p:cNvPr id="334" name="Google Shape;334;p40"/>
+          <p:cNvPr id="357" name="Google Shape;357;p42"/>
           <p:cNvSpPr txBox="1"/>
           <p:nvPr/>
         </p:nvSpPr>
@@ -40792,7 +42931,7 @@
       </p:sp>
       <p:pic>
         <p:nvPicPr>
-          <p:cNvPr id="335" name="Google Shape;335;p40"/>
+          <p:cNvPr id="358" name="Google Shape;358;p42"/>
           <p:cNvPicPr preferRelativeResize="0"/>
           <p:nvPr/>
         </p:nvPicPr>
@@ -40824,7 +42963,7 @@
       </p:pic>
       <p:sp>
         <p:nvSpPr>
-          <p:cNvPr id="336" name="Google Shape;336;p40"/>
+          <p:cNvPr id="359" name="Google Shape;359;p42"/>
           <p:cNvSpPr txBox="1"/>
           <p:nvPr/>
         </p:nvSpPr>
@@ -40903,7 +43042,7 @@
       </p:sp>
       <p:sp>
         <p:nvSpPr>
-          <p:cNvPr id="337" name="Google Shape;337;p40"/>
+          <p:cNvPr id="360" name="Google Shape;360;p42"/>
           <p:cNvSpPr txBox="1"/>
           <p:nvPr/>
         </p:nvSpPr>
@@ -40975,12 +43114,12 @@
 </p:sld>
 </file>
 
-<file path=ppt/slides/slide27.xml><?xml version="1.0" encoding="utf-8"?>
+<file path=ppt/slides/slide29.xml><?xml version="1.0" encoding="utf-8"?>
 <p:sld xmlns:a="http://schemas.openxmlformats.org/drawingml/2006/main" xmlns:r="http://schemas.openxmlformats.org/officeDocument/2006/relationships" xmlns:p="http://schemas.openxmlformats.org/presentationml/2006/main">
   <p:cSld>
     <p:spTree>
       <p:nvGrpSpPr>
-        <p:cNvPr id="1" name="Shape 341"/>
+        <p:cNvPr id="1" name="Shape 364"/>
         <p:cNvGrpSpPr/>
         <p:nvPr/>
       </p:nvGrpSpPr>
@@ -40994,7 +43133,7 @@
       </p:grpSpPr>
       <p:sp>
         <p:nvSpPr>
-          <p:cNvPr id="342" name="Google Shape;342;p41"/>
+          <p:cNvPr id="365" name="Google Shape;365;p43"/>
           <p:cNvSpPr txBox="1"/>
           <p:nvPr/>
         </p:nvSpPr>
@@ -41238,7 +43377,7 @@
           <p:nvPr/>
         </p:nvGraphicFramePr>
         <p:xfrm>
-          <a:off x="1085475" y="1247164"/>
+          <a:off x="1302449" y="1332650"/>
           <a:ext cx="3000000" cy="3000000"/>
         </p:xfrm>
         <a:graphic>
@@ -41246,38 +43385,38 @@
             <a:tbl>
               <a:tblPr>
                 <a:noFill/>
-                <a:tableStyleId>{BA32FF2A-B645-4F28-9B57-2AE27475BA0E}</a:tableStyleId>
+                <a:tableStyleId>{DC2EC38E-8475-45B9-A298-9EA02A741557}</a:tableStyleId>
               </a:tblPr>
               <a:tblGrid>
-                <a:gridCol w="2037850">
+                <a:gridCol w="1993150">
                   <a:extLst>
                     <a:ext uri="{9D8B030D-6E8A-4147-A177-3AD203B41FA5}">
                       <a16:colId xmlns:a16="http://schemas.microsoft.com/office/drawing/2014/main" val="20000"/>
                     </a:ext>
                   </a:extLst>
                 </a:gridCol>
-                <a:gridCol w="1081725">
+                <a:gridCol w="1058000">
                   <a:extLst>
                     <a:ext uri="{9D8B030D-6E8A-4147-A177-3AD203B41FA5}">
                       <a16:colId xmlns:a16="http://schemas.microsoft.com/office/drawing/2014/main" val="20001"/>
                     </a:ext>
                   </a:extLst>
                 </a:gridCol>
-                <a:gridCol w="837475">
+                <a:gridCol w="819100">
                   <a:extLst>
                     <a:ext uri="{9D8B030D-6E8A-4147-A177-3AD203B41FA5}">
                       <a16:colId xmlns:a16="http://schemas.microsoft.com/office/drawing/2014/main" val="20002"/>
                     </a:ext>
                   </a:extLst>
                 </a:gridCol>
-                <a:gridCol w="900275">
+                <a:gridCol w="880525">
                   <a:extLst>
                     <a:ext uri="{9D8B030D-6E8A-4147-A177-3AD203B41FA5}">
                       <a16:colId xmlns:a16="http://schemas.microsoft.com/office/drawing/2014/main" val="20003"/>
                     </a:ext>
                   </a:extLst>
                 </a:gridCol>
-                <a:gridCol w="1828450">
+                <a:gridCol w="1788350">
                   <a:extLst>
                     <a:ext uri="{9D8B030D-6E8A-4147-A177-3AD203B41FA5}">
                       <a16:colId xmlns:a16="http://schemas.microsoft.com/office/drawing/2014/main" val="20004"/>
@@ -41285,7 +43424,7 @@
                   </a:extLst>
                 </a:gridCol>
               </a:tblGrid>
-              <a:tr h="97300">
+              <a:tr h="151075">
                 <a:tc>
                   <a:txBody>
                     <a:bodyPr/>
@@ -41320,7 +43459,7 @@
                       </a:endParaRPr>
                     </a:p>
                   </a:txBody>
-                  <a:tcPr marL="18275" marR="18275" marT="18275" marB="18275">
+                  <a:tcPr marL="9125" marR="9125" marT="9125" marB="9125">
                     <a:lnL w="9525" cap="flat" cmpd="sng">
                       <a:solidFill>
                         <a:srgbClr val="FF0000"/>
@@ -41358,7 +43497,7 @@
                       <a:tailEnd type="none" w="sm" len="sm"/>
                     </a:lnB>
                     <a:solidFill>
-                      <a:srgbClr val="FFF2CC"/>
+                      <a:srgbClr val="F2F2F2"/>
                     </a:solidFill>
                   </a:tcPr>
                 </a:tc>
@@ -41396,7 +43535,7 @@
                       </a:endParaRPr>
                     </a:p>
                   </a:txBody>
-                  <a:tcPr marL="18275" marR="18275" marT="18275" marB="18275">
+                  <a:tcPr marL="9125" marR="9125" marT="9125" marB="9125">
                     <a:lnL w="9525" cap="flat" cmpd="sng">
                       <a:solidFill>
                         <a:srgbClr val="FF0000"/>
@@ -41434,7 +43573,7 @@
                       <a:tailEnd type="none" w="sm" len="sm"/>
                     </a:lnB>
                     <a:solidFill>
-                      <a:srgbClr val="FFF2CC"/>
+                      <a:srgbClr val="F2F2F2"/>
                     </a:solidFill>
                   </a:tcPr>
                 </a:tc>
@@ -41472,7 +43611,7 @@
                       </a:endParaRPr>
                     </a:p>
                   </a:txBody>
-                  <a:tcPr marL="18275" marR="18275" marT="18275" marB="18275">
+                  <a:tcPr marL="9125" marR="9125" marT="9125" marB="9125">
                     <a:lnL w="9525" cap="flat" cmpd="sng">
                       <a:solidFill>
                         <a:srgbClr val="FF0000"/>
@@ -41510,7 +43649,7 @@
                       <a:tailEnd type="none" w="sm" len="sm"/>
                     </a:lnB>
                     <a:solidFill>
-                      <a:srgbClr val="FFF2CC"/>
+                      <a:srgbClr val="F2F2F2"/>
                     </a:solidFill>
                   </a:tcPr>
                 </a:tc>
@@ -41548,7 +43687,7 @@
                       </a:endParaRPr>
                     </a:p>
                   </a:txBody>
-                  <a:tcPr marL="18275" marR="18275" marT="18275" marB="18275">
+                  <a:tcPr marL="9125" marR="9125" marT="9125" marB="9125">
                     <a:lnL w="9525" cap="flat" cmpd="sng">
                       <a:solidFill>
                         <a:srgbClr val="FF0000"/>
@@ -41586,7 +43725,7 @@
                       <a:tailEnd type="none" w="sm" len="sm"/>
                     </a:lnB>
                     <a:solidFill>
-                      <a:srgbClr val="FFF2CC"/>
+                      <a:srgbClr val="F2F2F2"/>
                     </a:solidFill>
                   </a:tcPr>
                 </a:tc>
@@ -41624,7 +43763,7 @@
                       </a:endParaRPr>
                     </a:p>
                   </a:txBody>
-                  <a:tcPr marL="18275" marR="18275" marT="18275" marB="18275">
+                  <a:tcPr marL="9125" marR="9125" marT="9125" marB="9125">
                     <a:lnL w="9525" cap="flat" cmpd="sng">
                       <a:solidFill>
                         <a:srgbClr val="FF0000"/>
@@ -41662,7 +43801,7 @@
                       <a:tailEnd type="none" w="sm" len="sm"/>
                     </a:lnB>
                     <a:solidFill>
-                      <a:srgbClr val="FFF2CC"/>
+                      <a:srgbClr val="F2F2F2"/>
                     </a:solidFill>
                   </a:tcPr>
                 </a:tc>
@@ -41672,7 +43811,7 @@
                   </a:ext>
                 </a:extLst>
               </a:tr>
-              <a:tr h="97300">
+              <a:tr h="151075">
                 <a:tc>
                   <a:txBody>
                     <a:bodyPr/>
@@ -41704,7 +43843,7 @@
                       </a:endParaRPr>
                     </a:p>
                   </a:txBody>
-                  <a:tcPr marL="18275" marR="18275" marT="18275" marB="18275">
+                  <a:tcPr marL="9125" marR="9125" marT="9125" marB="9125">
                     <a:lnL w="9525" cap="flat" cmpd="sng">
                       <a:solidFill>
                         <a:srgbClr val="FF0000"/>
@@ -41742,7 +43881,7 @@
                       <a:tailEnd type="none" w="sm" len="sm"/>
                     </a:lnB>
                     <a:solidFill>
-                      <a:srgbClr val="FCE5CD"/>
+                      <a:srgbClr val="FFF2CC"/>
                     </a:solidFill>
                   </a:tcPr>
                 </a:tc>
@@ -41777,1123 +43916,7 @@
                       </a:endParaRPr>
                     </a:p>
                   </a:txBody>
-                  <a:tcPr marL="18275" marR="18275" marT="18275" marB="18275">
-                    <a:lnL w="9525" cap="flat" cmpd="sng">
-                      <a:solidFill>
-                        <a:srgbClr val="FF0000"/>
-                      </a:solidFill>
-                      <a:prstDash val="solid"/>
-                      <a:round/>
-                      <a:headEnd type="none" w="sm" len="sm"/>
-                      <a:tailEnd type="none" w="sm" len="sm"/>
-                    </a:lnL>
-                    <a:lnR w="9525" cap="flat" cmpd="sng">
-                      <a:solidFill>
-                        <a:srgbClr val="FF0000"/>
-                      </a:solidFill>
-                      <a:prstDash val="solid"/>
-                      <a:round/>
-                      <a:headEnd type="none" w="sm" len="sm"/>
-                      <a:tailEnd type="none" w="sm" len="sm"/>
-                    </a:lnR>
-                    <a:lnT w="9525" cap="flat" cmpd="sng">
-                      <a:solidFill>
-                        <a:srgbClr val="FF0000"/>
-                      </a:solidFill>
-                      <a:prstDash val="solid"/>
-                      <a:round/>
-                      <a:headEnd type="none" w="sm" len="sm"/>
-                      <a:tailEnd type="none" w="sm" len="sm"/>
-                    </a:lnT>
-                    <a:lnB w="9525" cap="flat" cmpd="sng">
-                      <a:solidFill>
-                        <a:srgbClr val="FF0000"/>
-                      </a:solidFill>
-                      <a:prstDash val="solid"/>
-                      <a:round/>
-                      <a:headEnd type="none" w="sm" len="sm"/>
-                      <a:tailEnd type="none" w="sm" len="sm"/>
-                    </a:lnB>
-                    <a:solidFill>
-                      <a:srgbClr val="FCE5CD"/>
-                    </a:solidFill>
-                  </a:tcPr>
-                </a:tc>
-                <a:tc>
-                  <a:txBody>
-                    <a:bodyPr/>
-                    <a:lstStyle/>
-                    <a:p>
-                      <a:pPr marL="0" lvl="0" indent="0" algn="l" rtl="0">
-                        <a:spcBef>
-                          <a:spcPts val="0"/>
-                        </a:spcBef>
-                        <a:spcAft>
-                          <a:spcPts val="0"/>
-                        </a:spcAft>
-                        <a:buNone/>
-                      </a:pPr>
-                      <a:r>
-                        <a:rPr lang="en" sz="1000">
-                          <a:latin typeface="Calibri"/>
-                          <a:ea typeface="Calibri"/>
-                          <a:cs typeface="Calibri"/>
-                          <a:sym typeface="Calibri"/>
-                        </a:rPr>
-                        <a:t>MoE</a:t>
-                      </a:r>
-                      <a:endParaRPr sz="1000">
-                        <a:latin typeface="Calibri"/>
-                        <a:ea typeface="Calibri"/>
-                        <a:cs typeface="Calibri"/>
-                        <a:sym typeface="Calibri"/>
-                      </a:endParaRPr>
-                    </a:p>
-                  </a:txBody>
-                  <a:tcPr marL="18275" marR="18275" marT="18275" marB="18275">
-                    <a:lnL w="9525" cap="flat" cmpd="sng">
-                      <a:solidFill>
-                        <a:srgbClr val="FF0000"/>
-                      </a:solidFill>
-                      <a:prstDash val="solid"/>
-                      <a:round/>
-                      <a:headEnd type="none" w="sm" len="sm"/>
-                      <a:tailEnd type="none" w="sm" len="sm"/>
-                    </a:lnL>
-                    <a:lnR w="9525" cap="flat" cmpd="sng">
-                      <a:solidFill>
-                        <a:srgbClr val="FF0000"/>
-                      </a:solidFill>
-                      <a:prstDash val="solid"/>
-                      <a:round/>
-                      <a:headEnd type="none" w="sm" len="sm"/>
-                      <a:tailEnd type="none" w="sm" len="sm"/>
-                    </a:lnR>
-                    <a:lnT w="9525" cap="flat" cmpd="sng">
-                      <a:solidFill>
-                        <a:srgbClr val="FF0000"/>
-                      </a:solidFill>
-                      <a:prstDash val="solid"/>
-                      <a:round/>
-                      <a:headEnd type="none" w="sm" len="sm"/>
-                      <a:tailEnd type="none" w="sm" len="sm"/>
-                    </a:lnT>
-                    <a:lnB w="9525" cap="flat" cmpd="sng">
-                      <a:solidFill>
-                        <a:srgbClr val="FF0000"/>
-                      </a:solidFill>
-                      <a:prstDash val="solid"/>
-                      <a:round/>
-                      <a:headEnd type="none" w="sm" len="sm"/>
-                      <a:tailEnd type="none" w="sm" len="sm"/>
-                    </a:lnB>
-                    <a:solidFill>
-                      <a:srgbClr val="FCE5CD"/>
-                    </a:solidFill>
-                  </a:tcPr>
-                </a:tc>
-                <a:tc>
-                  <a:txBody>
-                    <a:bodyPr/>
-                    <a:lstStyle/>
-                    <a:p>
-                      <a:pPr marL="0" lvl="0" indent="0" algn="l" rtl="0">
-                        <a:spcBef>
-                          <a:spcPts val="0"/>
-                        </a:spcBef>
-                        <a:spcAft>
-                          <a:spcPts val="0"/>
-                        </a:spcAft>
-                        <a:buNone/>
-                      </a:pPr>
-                      <a:r>
-                        <a:rPr lang="en" sz="1000">
-                          <a:latin typeface="Calibri"/>
-                          <a:ea typeface="Calibri"/>
-                          <a:cs typeface="Calibri"/>
-                          <a:sym typeface="Calibri"/>
-                        </a:rPr>
-                        <a:t>9.2/10</a:t>
-                      </a:r>
-                      <a:endParaRPr sz="1000">
-                        <a:latin typeface="Calibri"/>
-                        <a:ea typeface="Calibri"/>
-                        <a:cs typeface="Calibri"/>
-                        <a:sym typeface="Calibri"/>
-                      </a:endParaRPr>
-                    </a:p>
-                  </a:txBody>
-                  <a:tcPr marL="18275" marR="18275" marT="18275" marB="18275">
-                    <a:lnL w="9525" cap="flat" cmpd="sng">
-                      <a:solidFill>
-                        <a:srgbClr val="FF0000"/>
-                      </a:solidFill>
-                      <a:prstDash val="solid"/>
-                      <a:round/>
-                      <a:headEnd type="none" w="sm" len="sm"/>
-                      <a:tailEnd type="none" w="sm" len="sm"/>
-                    </a:lnL>
-                    <a:lnR w="9525" cap="flat" cmpd="sng">
-                      <a:solidFill>
-                        <a:srgbClr val="FF0000"/>
-                      </a:solidFill>
-                      <a:prstDash val="solid"/>
-                      <a:round/>
-                      <a:headEnd type="none" w="sm" len="sm"/>
-                      <a:tailEnd type="none" w="sm" len="sm"/>
-                    </a:lnR>
-                    <a:lnT w="9525" cap="flat" cmpd="sng">
-                      <a:solidFill>
-                        <a:srgbClr val="FF0000"/>
-                      </a:solidFill>
-                      <a:prstDash val="solid"/>
-                      <a:round/>
-                      <a:headEnd type="none" w="sm" len="sm"/>
-                      <a:tailEnd type="none" w="sm" len="sm"/>
-                    </a:lnT>
-                    <a:lnB w="9525" cap="flat" cmpd="sng">
-                      <a:solidFill>
-                        <a:srgbClr val="FF0000"/>
-                      </a:solidFill>
-                      <a:prstDash val="solid"/>
-                      <a:round/>
-                      <a:headEnd type="none" w="sm" len="sm"/>
-                      <a:tailEnd type="none" w="sm" len="sm"/>
-                    </a:lnB>
-                    <a:solidFill>
-                      <a:srgbClr val="FCE5CD"/>
-                    </a:solidFill>
-                  </a:tcPr>
-                </a:tc>
-                <a:tc>
-                  <a:txBody>
-                    <a:bodyPr/>
-                    <a:lstStyle/>
-                    <a:p>
-                      <a:pPr marL="0" lvl="0" indent="0" algn="l" rtl="0">
-                        <a:spcBef>
-                          <a:spcPts val="0"/>
-                        </a:spcBef>
-                        <a:spcAft>
-                          <a:spcPts val="0"/>
-                        </a:spcAft>
-                        <a:buNone/>
-                      </a:pPr>
-                      <a:r>
-                        <a:rPr lang="en" sz="1000">
-                          <a:latin typeface="Calibri"/>
-                          <a:ea typeface="Calibri"/>
-                          <a:cs typeface="Calibri"/>
-                          <a:sym typeface="Calibri"/>
-                        </a:rPr>
-                        <a:t>~470GB (FP16), ~118GB (4-bit)</a:t>
-                      </a:r>
-                      <a:endParaRPr sz="1000">
-                        <a:latin typeface="Calibri"/>
-                        <a:ea typeface="Calibri"/>
-                        <a:cs typeface="Calibri"/>
-                        <a:sym typeface="Calibri"/>
-                      </a:endParaRPr>
-                    </a:p>
-                  </a:txBody>
-                  <a:tcPr marL="18275" marR="18275" marT="18275" marB="18275">
-                    <a:lnL w="9525" cap="flat" cmpd="sng">
-                      <a:solidFill>
-                        <a:srgbClr val="FF0000"/>
-                      </a:solidFill>
-                      <a:prstDash val="solid"/>
-                      <a:round/>
-                      <a:headEnd type="none" w="sm" len="sm"/>
-                      <a:tailEnd type="none" w="sm" len="sm"/>
-                    </a:lnL>
-                    <a:lnR w="9525" cap="flat" cmpd="sng">
-                      <a:solidFill>
-                        <a:srgbClr val="FF0000"/>
-                      </a:solidFill>
-                      <a:prstDash val="solid"/>
-                      <a:round/>
-                      <a:headEnd type="none" w="sm" len="sm"/>
-                      <a:tailEnd type="none" w="sm" len="sm"/>
-                    </a:lnR>
-                    <a:lnT w="9525" cap="flat" cmpd="sng">
-                      <a:solidFill>
-                        <a:srgbClr val="FF0000"/>
-                      </a:solidFill>
-                      <a:prstDash val="solid"/>
-                      <a:round/>
-                      <a:headEnd type="none" w="sm" len="sm"/>
-                      <a:tailEnd type="none" w="sm" len="sm"/>
-                    </a:lnT>
-                    <a:lnB w="9525" cap="flat" cmpd="sng">
-                      <a:solidFill>
-                        <a:srgbClr val="FF0000"/>
-                      </a:solidFill>
-                      <a:prstDash val="solid"/>
-                      <a:round/>
-                      <a:headEnd type="none" w="sm" len="sm"/>
-                      <a:tailEnd type="none" w="sm" len="sm"/>
-                    </a:lnB>
-                    <a:solidFill>
-                      <a:srgbClr val="FCE5CD"/>
-                    </a:solidFill>
-                  </a:tcPr>
-                </a:tc>
-                <a:extLst>
-                  <a:ext uri="{0D108BD9-81ED-4DB2-BD59-A6C34878D82A}">
-                    <a16:rowId xmlns:a16="http://schemas.microsoft.com/office/drawing/2014/main" val="10001"/>
-                  </a:ext>
-                </a:extLst>
-              </a:tr>
-              <a:tr h="97300">
-                <a:tc>
-                  <a:txBody>
-                    <a:bodyPr/>
-                    <a:lstStyle/>
-                    <a:p>
-                      <a:pPr marL="0" lvl="0" indent="0" algn="l" rtl="0">
-                        <a:spcBef>
-                          <a:spcPts val="0"/>
-                        </a:spcBef>
-                        <a:spcAft>
-                          <a:spcPts val="0"/>
-                        </a:spcAft>
-                        <a:buNone/>
-                      </a:pPr>
-                      <a:r>
-                        <a:rPr lang="en" sz="1000">
-                          <a:latin typeface="Calibri"/>
-                          <a:ea typeface="Calibri"/>
-                          <a:cs typeface="Calibri"/>
-                          <a:sym typeface="Calibri"/>
-                        </a:rPr>
-                        <a:t>MiniMax M2</a:t>
-                      </a:r>
-                      <a:endParaRPr sz="1000">
-                        <a:latin typeface="Calibri"/>
-                        <a:ea typeface="Calibri"/>
-                        <a:cs typeface="Calibri"/>
-                        <a:sym typeface="Calibri"/>
-                      </a:endParaRPr>
-                    </a:p>
-                  </a:txBody>
-                  <a:tcPr marL="18275" marR="18275" marT="18275" marB="18275">
-                    <a:lnL w="9525" cap="flat" cmpd="sng">
-                      <a:solidFill>
-                        <a:srgbClr val="FF0000"/>
-                      </a:solidFill>
-                      <a:prstDash val="solid"/>
-                      <a:round/>
-                      <a:headEnd type="none" w="sm" len="sm"/>
-                      <a:tailEnd type="none" w="sm" len="sm"/>
-                    </a:lnL>
-                    <a:lnR w="9525" cap="flat" cmpd="sng">
-                      <a:solidFill>
-                        <a:srgbClr val="FF0000"/>
-                      </a:solidFill>
-                      <a:prstDash val="solid"/>
-                      <a:round/>
-                      <a:headEnd type="none" w="sm" len="sm"/>
-                      <a:tailEnd type="none" w="sm" len="sm"/>
-                    </a:lnR>
-                    <a:lnT w="9525" cap="flat" cmpd="sng">
-                      <a:solidFill>
-                        <a:srgbClr val="FF0000"/>
-                      </a:solidFill>
-                      <a:prstDash val="solid"/>
-                      <a:round/>
-                      <a:headEnd type="none" w="sm" len="sm"/>
-                      <a:tailEnd type="none" w="sm" len="sm"/>
-                    </a:lnT>
-                    <a:lnB w="9525" cap="flat" cmpd="sng">
-                      <a:solidFill>
-                        <a:srgbClr val="FF0000"/>
-                      </a:solidFill>
-                      <a:prstDash val="solid"/>
-                      <a:round/>
-                      <a:headEnd type="none" w="sm" len="sm"/>
-                      <a:tailEnd type="none" w="sm" len="sm"/>
-                    </a:lnB>
-                    <a:solidFill>
-                      <a:srgbClr val="FCE5CD"/>
-                    </a:solidFill>
-                  </a:tcPr>
-                </a:tc>
-                <a:tc>
-                  <a:txBody>
-                    <a:bodyPr/>
-                    <a:lstStyle/>
-                    <a:p>
-                      <a:pPr marL="0" lvl="0" indent="0" algn="l" rtl="0">
-                        <a:spcBef>
-                          <a:spcPts val="0"/>
-                        </a:spcBef>
-                        <a:spcAft>
-                          <a:spcPts val="0"/>
-                        </a:spcAft>
-                        <a:buNone/>
-                      </a:pPr>
-                      <a:r>
-                        <a:rPr lang="en" sz="1000">
-                          <a:latin typeface="Calibri"/>
-                          <a:ea typeface="Calibri"/>
-                          <a:cs typeface="Calibri"/>
-                          <a:sym typeface="Calibri"/>
-                        </a:rPr>
-                        <a:t>230B (10B active)</a:t>
-                      </a:r>
-                      <a:endParaRPr sz="1000">
-                        <a:latin typeface="Calibri"/>
-                        <a:ea typeface="Calibri"/>
-                        <a:cs typeface="Calibri"/>
-                        <a:sym typeface="Calibri"/>
-                      </a:endParaRPr>
-                    </a:p>
-                  </a:txBody>
-                  <a:tcPr marL="18275" marR="18275" marT="18275" marB="18275">
-                    <a:lnL w="9525" cap="flat" cmpd="sng">
-                      <a:solidFill>
-                        <a:srgbClr val="FF0000"/>
-                      </a:solidFill>
-                      <a:prstDash val="solid"/>
-                      <a:round/>
-                      <a:headEnd type="none" w="sm" len="sm"/>
-                      <a:tailEnd type="none" w="sm" len="sm"/>
-                    </a:lnL>
-                    <a:lnR w="9525" cap="flat" cmpd="sng">
-                      <a:solidFill>
-                        <a:srgbClr val="FF0000"/>
-                      </a:solidFill>
-                      <a:prstDash val="solid"/>
-                      <a:round/>
-                      <a:headEnd type="none" w="sm" len="sm"/>
-                      <a:tailEnd type="none" w="sm" len="sm"/>
-                    </a:lnR>
-                    <a:lnT w="9525" cap="flat" cmpd="sng">
-                      <a:solidFill>
-                        <a:srgbClr val="FF0000"/>
-                      </a:solidFill>
-                      <a:prstDash val="solid"/>
-                      <a:round/>
-                      <a:headEnd type="none" w="sm" len="sm"/>
-                      <a:tailEnd type="none" w="sm" len="sm"/>
-                    </a:lnT>
-                    <a:lnB w="9525" cap="flat" cmpd="sng">
-                      <a:solidFill>
-                        <a:srgbClr val="FF0000"/>
-                      </a:solidFill>
-                      <a:prstDash val="solid"/>
-                      <a:round/>
-                      <a:headEnd type="none" w="sm" len="sm"/>
-                      <a:tailEnd type="none" w="sm" len="sm"/>
-                    </a:lnB>
-                    <a:solidFill>
-                      <a:srgbClr val="FCE5CD"/>
-                    </a:solidFill>
-                  </a:tcPr>
-                </a:tc>
-                <a:tc>
-                  <a:txBody>
-                    <a:bodyPr/>
-                    <a:lstStyle/>
-                    <a:p>
-                      <a:pPr marL="0" lvl="0" indent="0" algn="l" rtl="0">
-                        <a:spcBef>
-                          <a:spcPts val="0"/>
-                        </a:spcBef>
-                        <a:spcAft>
-                          <a:spcPts val="0"/>
-                        </a:spcAft>
-                        <a:buNone/>
-                      </a:pPr>
-                      <a:r>
-                        <a:rPr lang="en" sz="1000">
-                          <a:latin typeface="Calibri"/>
-                          <a:ea typeface="Calibri"/>
-                          <a:cs typeface="Calibri"/>
-                          <a:sym typeface="Calibri"/>
-                        </a:rPr>
-                        <a:t>MoE</a:t>
-                      </a:r>
-                      <a:endParaRPr sz="1000">
-                        <a:latin typeface="Calibri"/>
-                        <a:ea typeface="Calibri"/>
-                        <a:cs typeface="Calibri"/>
-                        <a:sym typeface="Calibri"/>
-                      </a:endParaRPr>
-                    </a:p>
-                  </a:txBody>
-                  <a:tcPr marL="18275" marR="18275" marT="18275" marB="18275">
-                    <a:lnL w="9525" cap="flat" cmpd="sng">
-                      <a:solidFill>
-                        <a:srgbClr val="FF0000"/>
-                      </a:solidFill>
-                      <a:prstDash val="solid"/>
-                      <a:round/>
-                      <a:headEnd type="none" w="sm" len="sm"/>
-                      <a:tailEnd type="none" w="sm" len="sm"/>
-                    </a:lnL>
-                    <a:lnR w="9525" cap="flat" cmpd="sng">
-                      <a:solidFill>
-                        <a:srgbClr val="FF0000"/>
-                      </a:solidFill>
-                      <a:prstDash val="solid"/>
-                      <a:round/>
-                      <a:headEnd type="none" w="sm" len="sm"/>
-                      <a:tailEnd type="none" w="sm" len="sm"/>
-                    </a:lnR>
-                    <a:lnT w="9525" cap="flat" cmpd="sng">
-                      <a:solidFill>
-                        <a:srgbClr val="FF0000"/>
-                      </a:solidFill>
-                      <a:prstDash val="solid"/>
-                      <a:round/>
-                      <a:headEnd type="none" w="sm" len="sm"/>
-                      <a:tailEnd type="none" w="sm" len="sm"/>
-                    </a:lnT>
-                    <a:lnB w="9525" cap="flat" cmpd="sng">
-                      <a:solidFill>
-                        <a:srgbClr val="FF0000"/>
-                      </a:solidFill>
-                      <a:prstDash val="solid"/>
-                      <a:round/>
-                      <a:headEnd type="none" w="sm" len="sm"/>
-                      <a:tailEnd type="none" w="sm" len="sm"/>
-                    </a:lnB>
-                    <a:solidFill>
-                      <a:srgbClr val="FCE5CD"/>
-                    </a:solidFill>
-                  </a:tcPr>
-                </a:tc>
-                <a:tc>
-                  <a:txBody>
-                    <a:bodyPr/>
-                    <a:lstStyle/>
-                    <a:p>
-                      <a:pPr marL="0" lvl="0" indent="0" algn="l" rtl="0">
-                        <a:spcBef>
-                          <a:spcPts val="0"/>
-                        </a:spcBef>
-                        <a:spcAft>
-                          <a:spcPts val="0"/>
-                        </a:spcAft>
-                        <a:buNone/>
-                      </a:pPr>
-                      <a:r>
-                        <a:rPr lang="en" sz="1000">
-                          <a:latin typeface="Calibri"/>
-                          <a:ea typeface="Calibri"/>
-                          <a:cs typeface="Calibri"/>
-                          <a:sym typeface="Calibri"/>
-                        </a:rPr>
-                        <a:t>8.8/10</a:t>
-                      </a:r>
-                      <a:endParaRPr sz="1000">
-                        <a:latin typeface="Calibri"/>
-                        <a:ea typeface="Calibri"/>
-                        <a:cs typeface="Calibri"/>
-                        <a:sym typeface="Calibri"/>
-                      </a:endParaRPr>
-                    </a:p>
-                  </a:txBody>
-                  <a:tcPr marL="18275" marR="18275" marT="18275" marB="18275">
-                    <a:lnL w="9525" cap="flat" cmpd="sng">
-                      <a:solidFill>
-                        <a:srgbClr val="FF0000"/>
-                      </a:solidFill>
-                      <a:prstDash val="solid"/>
-                      <a:round/>
-                      <a:headEnd type="none" w="sm" len="sm"/>
-                      <a:tailEnd type="none" w="sm" len="sm"/>
-                    </a:lnL>
-                    <a:lnR w="9525" cap="flat" cmpd="sng">
-                      <a:solidFill>
-                        <a:srgbClr val="FF0000"/>
-                      </a:solidFill>
-                      <a:prstDash val="solid"/>
-                      <a:round/>
-                      <a:headEnd type="none" w="sm" len="sm"/>
-                      <a:tailEnd type="none" w="sm" len="sm"/>
-                    </a:lnR>
-                    <a:lnT w="9525" cap="flat" cmpd="sng">
-                      <a:solidFill>
-                        <a:srgbClr val="FF0000"/>
-                      </a:solidFill>
-                      <a:prstDash val="solid"/>
-                      <a:round/>
-                      <a:headEnd type="none" w="sm" len="sm"/>
-                      <a:tailEnd type="none" w="sm" len="sm"/>
-                    </a:lnT>
-                    <a:lnB w="9525" cap="flat" cmpd="sng">
-                      <a:solidFill>
-                        <a:srgbClr val="FF0000"/>
-                      </a:solidFill>
-                      <a:prstDash val="solid"/>
-                      <a:round/>
-                      <a:headEnd type="none" w="sm" len="sm"/>
-                      <a:tailEnd type="none" w="sm" len="sm"/>
-                    </a:lnB>
-                    <a:solidFill>
-                      <a:srgbClr val="FCE5CD"/>
-                    </a:solidFill>
-                  </a:tcPr>
-                </a:tc>
-                <a:tc>
-                  <a:txBody>
-                    <a:bodyPr/>
-                    <a:lstStyle/>
-                    <a:p>
-                      <a:pPr marL="0" lvl="0" indent="0" algn="l" rtl="0">
-                        <a:spcBef>
-                          <a:spcPts val="0"/>
-                        </a:spcBef>
-                        <a:spcAft>
-                          <a:spcPts val="0"/>
-                        </a:spcAft>
-                        <a:buNone/>
-                      </a:pPr>
-                      <a:r>
-                        <a:rPr lang="en" sz="1000">
-                          <a:latin typeface="Calibri"/>
-                          <a:ea typeface="Calibri"/>
-                          <a:cs typeface="Calibri"/>
-                          <a:sym typeface="Calibri"/>
-                        </a:rPr>
-                        <a:t>~460GB (FP16), ~115GB (4-bit)</a:t>
-                      </a:r>
-                      <a:endParaRPr sz="1000">
-                        <a:latin typeface="Calibri"/>
-                        <a:ea typeface="Calibri"/>
-                        <a:cs typeface="Calibri"/>
-                        <a:sym typeface="Calibri"/>
-                      </a:endParaRPr>
-                    </a:p>
-                  </a:txBody>
-                  <a:tcPr marL="18275" marR="18275" marT="18275" marB="18275">
-                    <a:lnL w="9525" cap="flat" cmpd="sng">
-                      <a:solidFill>
-                        <a:srgbClr val="FF0000"/>
-                      </a:solidFill>
-                      <a:prstDash val="solid"/>
-                      <a:round/>
-                      <a:headEnd type="none" w="sm" len="sm"/>
-                      <a:tailEnd type="none" w="sm" len="sm"/>
-                    </a:lnL>
-                    <a:lnR w="9525" cap="flat" cmpd="sng">
-                      <a:solidFill>
-                        <a:srgbClr val="FF0000"/>
-                      </a:solidFill>
-                      <a:prstDash val="solid"/>
-                      <a:round/>
-                      <a:headEnd type="none" w="sm" len="sm"/>
-                      <a:tailEnd type="none" w="sm" len="sm"/>
-                    </a:lnR>
-                    <a:lnT w="9525" cap="flat" cmpd="sng">
-                      <a:solidFill>
-                        <a:srgbClr val="FF0000"/>
-                      </a:solidFill>
-                      <a:prstDash val="solid"/>
-                      <a:round/>
-                      <a:headEnd type="none" w="sm" len="sm"/>
-                      <a:tailEnd type="none" w="sm" len="sm"/>
-                    </a:lnT>
-                    <a:lnB w="9525" cap="flat" cmpd="sng">
-                      <a:solidFill>
-                        <a:srgbClr val="FF0000"/>
-                      </a:solidFill>
-                      <a:prstDash val="solid"/>
-                      <a:round/>
-                      <a:headEnd type="none" w="sm" len="sm"/>
-                      <a:tailEnd type="none" w="sm" len="sm"/>
-                    </a:lnB>
-                    <a:solidFill>
-                      <a:srgbClr val="FCE5CD"/>
-                    </a:solidFill>
-                  </a:tcPr>
-                </a:tc>
-                <a:extLst>
-                  <a:ext uri="{0D108BD9-81ED-4DB2-BD59-A6C34878D82A}">
-                    <a16:rowId xmlns:a16="http://schemas.microsoft.com/office/drawing/2014/main" val="10002"/>
-                  </a:ext>
-                </a:extLst>
-              </a:tr>
-              <a:tr h="97300">
-                <a:tc>
-                  <a:txBody>
-                    <a:bodyPr/>
-                    <a:lstStyle/>
-                    <a:p>
-                      <a:pPr marL="0" lvl="0" indent="0" algn="l" rtl="0">
-                        <a:spcBef>
-                          <a:spcPts val="0"/>
-                        </a:spcBef>
-                        <a:spcAft>
-                          <a:spcPts val="0"/>
-                        </a:spcAft>
-                        <a:buNone/>
-                      </a:pPr>
-                      <a:r>
-                        <a:rPr lang="en" sz="1000">
-                          <a:latin typeface="Calibri"/>
-                          <a:ea typeface="Calibri"/>
-                          <a:cs typeface="Calibri"/>
-                          <a:sym typeface="Calibri"/>
-                        </a:rPr>
-                        <a:t>GLM-4.7</a:t>
-                      </a:r>
-                      <a:endParaRPr sz="1000">
-                        <a:latin typeface="Calibri"/>
-                        <a:ea typeface="Calibri"/>
-                        <a:cs typeface="Calibri"/>
-                        <a:sym typeface="Calibri"/>
-                      </a:endParaRPr>
-                    </a:p>
-                  </a:txBody>
-                  <a:tcPr marL="18275" marR="18275" marT="18275" marB="18275">
-                    <a:lnL w="9525" cap="flat" cmpd="sng">
-                      <a:solidFill>
-                        <a:srgbClr val="FF0000"/>
-                      </a:solidFill>
-                      <a:prstDash val="solid"/>
-                      <a:round/>
-                      <a:headEnd type="none" w="sm" len="sm"/>
-                      <a:tailEnd type="none" w="sm" len="sm"/>
-                    </a:lnL>
-                    <a:lnR w="9525" cap="flat" cmpd="sng">
-                      <a:solidFill>
-                        <a:srgbClr val="FF0000"/>
-                      </a:solidFill>
-                      <a:prstDash val="solid"/>
-                      <a:round/>
-                      <a:headEnd type="none" w="sm" len="sm"/>
-                      <a:tailEnd type="none" w="sm" len="sm"/>
-                    </a:lnR>
-                    <a:lnT w="9525" cap="flat" cmpd="sng">
-                      <a:solidFill>
-                        <a:srgbClr val="FF0000"/>
-                      </a:solidFill>
-                      <a:prstDash val="solid"/>
-                      <a:round/>
-                      <a:headEnd type="none" w="sm" len="sm"/>
-                      <a:tailEnd type="none" w="sm" len="sm"/>
-                    </a:lnT>
-                    <a:lnB w="9525" cap="flat" cmpd="sng">
-                      <a:solidFill>
-                        <a:srgbClr val="FF0000"/>
-                      </a:solidFill>
-                      <a:prstDash val="solid"/>
-                      <a:round/>
-                      <a:headEnd type="none" w="sm" len="sm"/>
-                      <a:tailEnd type="none" w="sm" len="sm"/>
-                    </a:lnB>
-                    <a:solidFill>
-                      <a:srgbClr val="FCE5CD"/>
-                    </a:solidFill>
-                  </a:tcPr>
-                </a:tc>
-                <a:tc>
-                  <a:txBody>
-                    <a:bodyPr/>
-                    <a:lstStyle/>
-                    <a:p>
-                      <a:pPr marL="0" lvl="0" indent="0" algn="l" rtl="0">
-                        <a:spcBef>
-                          <a:spcPts val="0"/>
-                        </a:spcBef>
-                        <a:spcAft>
-                          <a:spcPts val="0"/>
-                        </a:spcAft>
-                        <a:buNone/>
-                      </a:pPr>
-                      <a:r>
-                        <a:rPr lang="en" sz="1000">
-                          <a:latin typeface="Calibri"/>
-                          <a:ea typeface="Calibri"/>
-                          <a:cs typeface="Calibri"/>
-                          <a:sym typeface="Calibri"/>
-                        </a:rPr>
-                        <a:t>355B (32B active)</a:t>
-                      </a:r>
-                      <a:endParaRPr sz="1000">
-                        <a:latin typeface="Calibri"/>
-                        <a:ea typeface="Calibri"/>
-                        <a:cs typeface="Calibri"/>
-                        <a:sym typeface="Calibri"/>
-                      </a:endParaRPr>
-                    </a:p>
-                  </a:txBody>
-                  <a:tcPr marL="18275" marR="18275" marT="18275" marB="18275">
-                    <a:lnL w="9525" cap="flat" cmpd="sng">
-                      <a:solidFill>
-                        <a:srgbClr val="FF0000"/>
-                      </a:solidFill>
-                      <a:prstDash val="solid"/>
-                      <a:round/>
-                      <a:headEnd type="none" w="sm" len="sm"/>
-                      <a:tailEnd type="none" w="sm" len="sm"/>
-                    </a:lnL>
-                    <a:lnR w="9525" cap="flat" cmpd="sng">
-                      <a:solidFill>
-                        <a:srgbClr val="FF0000"/>
-                      </a:solidFill>
-                      <a:prstDash val="solid"/>
-                      <a:round/>
-                      <a:headEnd type="none" w="sm" len="sm"/>
-                      <a:tailEnd type="none" w="sm" len="sm"/>
-                    </a:lnR>
-                    <a:lnT w="9525" cap="flat" cmpd="sng">
-                      <a:solidFill>
-                        <a:srgbClr val="FF0000"/>
-                      </a:solidFill>
-                      <a:prstDash val="solid"/>
-                      <a:round/>
-                      <a:headEnd type="none" w="sm" len="sm"/>
-                      <a:tailEnd type="none" w="sm" len="sm"/>
-                    </a:lnT>
-                    <a:lnB w="9525" cap="flat" cmpd="sng">
-                      <a:solidFill>
-                        <a:srgbClr val="FF0000"/>
-                      </a:solidFill>
-                      <a:prstDash val="solid"/>
-                      <a:round/>
-                      <a:headEnd type="none" w="sm" len="sm"/>
-                      <a:tailEnd type="none" w="sm" len="sm"/>
-                    </a:lnB>
-                    <a:solidFill>
-                      <a:srgbClr val="FCE5CD"/>
-                    </a:solidFill>
-                  </a:tcPr>
-                </a:tc>
-                <a:tc>
-                  <a:txBody>
-                    <a:bodyPr/>
-                    <a:lstStyle/>
-                    <a:p>
-                      <a:pPr marL="0" lvl="0" indent="0" algn="l" rtl="0">
-                        <a:spcBef>
-                          <a:spcPts val="0"/>
-                        </a:spcBef>
-                        <a:spcAft>
-                          <a:spcPts val="0"/>
-                        </a:spcAft>
-                        <a:buNone/>
-                      </a:pPr>
-                      <a:r>
-                        <a:rPr lang="en" sz="1000">
-                          <a:latin typeface="Calibri"/>
-                          <a:ea typeface="Calibri"/>
-                          <a:cs typeface="Calibri"/>
-                          <a:sym typeface="Calibri"/>
-                        </a:rPr>
-                        <a:t>MoE</a:t>
-                      </a:r>
-                      <a:endParaRPr sz="1000">
-                        <a:latin typeface="Calibri"/>
-                        <a:ea typeface="Calibri"/>
-                        <a:cs typeface="Calibri"/>
-                        <a:sym typeface="Calibri"/>
-                      </a:endParaRPr>
-                    </a:p>
-                  </a:txBody>
-                  <a:tcPr marL="18275" marR="18275" marT="18275" marB="18275">
-                    <a:lnL w="9525" cap="flat" cmpd="sng">
-                      <a:solidFill>
-                        <a:srgbClr val="FF0000"/>
-                      </a:solidFill>
-                      <a:prstDash val="solid"/>
-                      <a:round/>
-                      <a:headEnd type="none" w="sm" len="sm"/>
-                      <a:tailEnd type="none" w="sm" len="sm"/>
-                    </a:lnL>
-                    <a:lnR w="9525" cap="flat" cmpd="sng">
-                      <a:solidFill>
-                        <a:srgbClr val="FF0000"/>
-                      </a:solidFill>
-                      <a:prstDash val="solid"/>
-                      <a:round/>
-                      <a:headEnd type="none" w="sm" len="sm"/>
-                      <a:tailEnd type="none" w="sm" len="sm"/>
-                    </a:lnR>
-                    <a:lnT w="9525" cap="flat" cmpd="sng">
-                      <a:solidFill>
-                        <a:srgbClr val="FF0000"/>
-                      </a:solidFill>
-                      <a:prstDash val="solid"/>
-                      <a:round/>
-                      <a:headEnd type="none" w="sm" len="sm"/>
-                      <a:tailEnd type="none" w="sm" len="sm"/>
-                    </a:lnT>
-                    <a:lnB w="9525" cap="flat" cmpd="sng">
-                      <a:solidFill>
-                        <a:srgbClr val="FF0000"/>
-                      </a:solidFill>
-                      <a:prstDash val="solid"/>
-                      <a:round/>
-                      <a:headEnd type="none" w="sm" len="sm"/>
-                      <a:tailEnd type="none" w="sm" len="sm"/>
-                    </a:lnB>
-                    <a:solidFill>
-                      <a:srgbClr val="FCE5CD"/>
-                    </a:solidFill>
-                  </a:tcPr>
-                </a:tc>
-                <a:tc>
-                  <a:txBody>
-                    <a:bodyPr/>
-                    <a:lstStyle/>
-                    <a:p>
-                      <a:pPr marL="0" lvl="0" indent="0" algn="l" rtl="0">
-                        <a:spcBef>
-                          <a:spcPts val="0"/>
-                        </a:spcBef>
-                        <a:spcAft>
-                          <a:spcPts val="0"/>
-                        </a:spcAft>
-                        <a:buNone/>
-                      </a:pPr>
-                      <a:r>
-                        <a:rPr lang="en" sz="1000">
-                          <a:latin typeface="Calibri"/>
-                          <a:ea typeface="Calibri"/>
-                          <a:cs typeface="Calibri"/>
-                          <a:sym typeface="Calibri"/>
-                        </a:rPr>
-                        <a:t>9.0/10</a:t>
-                      </a:r>
-                      <a:endParaRPr sz="1000">
-                        <a:latin typeface="Calibri"/>
-                        <a:ea typeface="Calibri"/>
-                        <a:cs typeface="Calibri"/>
-                        <a:sym typeface="Calibri"/>
-                      </a:endParaRPr>
-                    </a:p>
-                  </a:txBody>
-                  <a:tcPr marL="18275" marR="18275" marT="18275" marB="18275">
-                    <a:lnL w="9525" cap="flat" cmpd="sng">
-                      <a:solidFill>
-                        <a:srgbClr val="FF0000"/>
-                      </a:solidFill>
-                      <a:prstDash val="solid"/>
-                      <a:round/>
-                      <a:headEnd type="none" w="sm" len="sm"/>
-                      <a:tailEnd type="none" w="sm" len="sm"/>
-                    </a:lnL>
-                    <a:lnR w="9525" cap="flat" cmpd="sng">
-                      <a:solidFill>
-                        <a:srgbClr val="FF0000"/>
-                      </a:solidFill>
-                      <a:prstDash val="solid"/>
-                      <a:round/>
-                      <a:headEnd type="none" w="sm" len="sm"/>
-                      <a:tailEnd type="none" w="sm" len="sm"/>
-                    </a:lnR>
-                    <a:lnT w="9525" cap="flat" cmpd="sng">
-                      <a:solidFill>
-                        <a:srgbClr val="FF0000"/>
-                      </a:solidFill>
-                      <a:prstDash val="solid"/>
-                      <a:round/>
-                      <a:headEnd type="none" w="sm" len="sm"/>
-                      <a:tailEnd type="none" w="sm" len="sm"/>
-                    </a:lnT>
-                    <a:lnB w="9525" cap="flat" cmpd="sng">
-                      <a:solidFill>
-                        <a:srgbClr val="FF0000"/>
-                      </a:solidFill>
-                      <a:prstDash val="solid"/>
-                      <a:round/>
-                      <a:headEnd type="none" w="sm" len="sm"/>
-                      <a:tailEnd type="none" w="sm" len="sm"/>
-                    </a:lnB>
-                    <a:solidFill>
-                      <a:srgbClr val="FCE5CD"/>
-                    </a:solidFill>
-                  </a:tcPr>
-                </a:tc>
-                <a:tc>
-                  <a:txBody>
-                    <a:bodyPr/>
-                    <a:lstStyle/>
-                    <a:p>
-                      <a:pPr marL="0" lvl="0" indent="0" algn="l" rtl="0">
-                        <a:spcBef>
-                          <a:spcPts val="0"/>
-                        </a:spcBef>
-                        <a:spcAft>
-                          <a:spcPts val="0"/>
-                        </a:spcAft>
-                        <a:buNone/>
-                      </a:pPr>
-                      <a:r>
-                        <a:rPr lang="en" sz="1000">
-                          <a:latin typeface="Calibri"/>
-                          <a:ea typeface="Calibri"/>
-                          <a:cs typeface="Calibri"/>
-                          <a:sym typeface="Calibri"/>
-                        </a:rPr>
-                        <a:t>~710GB (FP16), ~178GB (4-bit)</a:t>
-                      </a:r>
-                      <a:endParaRPr sz="1000">
-                        <a:latin typeface="Calibri"/>
-                        <a:ea typeface="Calibri"/>
-                        <a:cs typeface="Calibri"/>
-                        <a:sym typeface="Calibri"/>
-                      </a:endParaRPr>
-                    </a:p>
-                  </a:txBody>
-                  <a:tcPr marL="18275" marR="18275" marT="18275" marB="18275">
-                    <a:lnL w="9525" cap="flat" cmpd="sng">
-                      <a:solidFill>
-                        <a:srgbClr val="FF0000"/>
-                      </a:solidFill>
-                      <a:prstDash val="solid"/>
-                      <a:round/>
-                      <a:headEnd type="none" w="sm" len="sm"/>
-                      <a:tailEnd type="none" w="sm" len="sm"/>
-                    </a:lnL>
-                    <a:lnR w="9525" cap="flat" cmpd="sng">
-                      <a:solidFill>
-                        <a:srgbClr val="FF0000"/>
-                      </a:solidFill>
-                      <a:prstDash val="solid"/>
-                      <a:round/>
-                      <a:headEnd type="none" w="sm" len="sm"/>
-                      <a:tailEnd type="none" w="sm" len="sm"/>
-                    </a:lnR>
-                    <a:lnT w="9525" cap="flat" cmpd="sng">
-                      <a:solidFill>
-                        <a:srgbClr val="FF0000"/>
-                      </a:solidFill>
-                      <a:prstDash val="solid"/>
-                      <a:round/>
-                      <a:headEnd type="none" w="sm" len="sm"/>
-                      <a:tailEnd type="none" w="sm" len="sm"/>
-                    </a:lnT>
-                    <a:lnB w="9525" cap="flat" cmpd="sng">
-                      <a:solidFill>
-                        <a:srgbClr val="FF0000"/>
-                      </a:solidFill>
-                      <a:prstDash val="solid"/>
-                      <a:round/>
-                      <a:headEnd type="none" w="sm" len="sm"/>
-                      <a:tailEnd type="none" w="sm" len="sm"/>
-                    </a:lnB>
-                    <a:solidFill>
-                      <a:srgbClr val="FCE5CD"/>
-                    </a:solidFill>
-                  </a:tcPr>
-                </a:tc>
-                <a:extLst>
-                  <a:ext uri="{0D108BD9-81ED-4DB2-BD59-A6C34878D82A}">
-                    <a16:rowId xmlns:a16="http://schemas.microsoft.com/office/drawing/2014/main" val="10003"/>
-                  </a:ext>
-                </a:extLst>
-              </a:tr>
-              <a:tr h="97300">
-                <a:tc>
-                  <a:txBody>
-                    <a:bodyPr/>
-                    <a:lstStyle/>
-                    <a:p>
-                      <a:pPr marL="0" lvl="0" indent="0" algn="l" rtl="0">
-                        <a:spcBef>
-                          <a:spcPts val="0"/>
-                        </a:spcBef>
-                        <a:spcAft>
-                          <a:spcPts val="0"/>
-                        </a:spcAft>
-                        <a:buNone/>
-                      </a:pPr>
-                      <a:r>
-                        <a:rPr lang="en" sz="1000">
-                          <a:latin typeface="Calibri"/>
-                          <a:ea typeface="Calibri"/>
-                          <a:cs typeface="Calibri"/>
-                          <a:sym typeface="Calibri"/>
-                        </a:rPr>
-                        <a:t>Qwen3-30B-A3B-Instruct</a:t>
-                      </a:r>
-                      <a:endParaRPr sz="1000">
-                        <a:latin typeface="Calibri"/>
-                        <a:ea typeface="Calibri"/>
-                        <a:cs typeface="Calibri"/>
-                        <a:sym typeface="Calibri"/>
-                      </a:endParaRPr>
-                    </a:p>
-                  </a:txBody>
-                  <a:tcPr marL="18275" marR="18275" marT="18275" marB="18275">
-                    <a:lnL w="9525" cap="flat" cmpd="sng">
-                      <a:solidFill>
-                        <a:srgbClr val="FF0000"/>
-                      </a:solidFill>
-                      <a:prstDash val="solid"/>
-                      <a:round/>
-                      <a:headEnd type="none" w="sm" len="sm"/>
-                      <a:tailEnd type="none" w="sm" len="sm"/>
-                    </a:lnL>
-                    <a:lnR w="9525" cap="flat" cmpd="sng">
-                      <a:solidFill>
-                        <a:srgbClr val="FF0000"/>
-                      </a:solidFill>
-                      <a:prstDash val="solid"/>
-                      <a:round/>
-                      <a:headEnd type="none" w="sm" len="sm"/>
-                      <a:tailEnd type="none" w="sm" len="sm"/>
-                    </a:lnR>
-                    <a:lnT w="9525" cap="flat" cmpd="sng">
-                      <a:solidFill>
-                        <a:srgbClr val="FF0000"/>
-                      </a:solidFill>
-                      <a:prstDash val="solid"/>
-                      <a:round/>
-                      <a:headEnd type="none" w="sm" len="sm"/>
-                      <a:tailEnd type="none" w="sm" len="sm"/>
-                    </a:lnT>
-                    <a:lnB w="9525" cap="flat" cmpd="sng">
-                      <a:solidFill>
-                        <a:srgbClr val="FF0000"/>
-                      </a:solidFill>
-                      <a:prstDash val="solid"/>
-                      <a:round/>
-                      <a:headEnd type="none" w="sm" len="sm"/>
-                      <a:tailEnd type="none" w="sm" len="sm"/>
-                    </a:lnB>
-                    <a:solidFill>
-                      <a:srgbClr val="FFF2CC"/>
-                    </a:solidFill>
-                  </a:tcPr>
-                </a:tc>
-                <a:tc>
-                  <a:txBody>
-                    <a:bodyPr/>
-                    <a:lstStyle/>
-                    <a:p>
-                      <a:pPr marL="0" lvl="0" indent="0" algn="l" rtl="0">
-                        <a:spcBef>
-                          <a:spcPts val="0"/>
-                        </a:spcBef>
-                        <a:spcAft>
-                          <a:spcPts val="0"/>
-                        </a:spcAft>
-                        <a:buNone/>
-                      </a:pPr>
-                      <a:r>
-                        <a:rPr lang="en" sz="1000">
-                          <a:latin typeface="Calibri"/>
-                          <a:ea typeface="Calibri"/>
-                          <a:cs typeface="Calibri"/>
-                          <a:sym typeface="Calibri"/>
-                        </a:rPr>
-                        <a:t>30B (3B active)</a:t>
-                      </a:r>
-                      <a:endParaRPr sz="1000">
-                        <a:latin typeface="Calibri"/>
-                        <a:ea typeface="Calibri"/>
-                        <a:cs typeface="Calibri"/>
-                        <a:sym typeface="Calibri"/>
-                      </a:endParaRPr>
-                    </a:p>
-                  </a:txBody>
-                  <a:tcPr marL="18275" marR="18275" marT="18275" marB="18275">
+                  <a:tcPr marL="9125" marR="9125" marT="9125" marB="9125">
                     <a:lnL w="9525" cap="flat" cmpd="sng">
                       <a:solidFill>
                         <a:srgbClr val="FF0000"/>
@@ -42966,7 +43989,7 @@
                       </a:endParaRPr>
                     </a:p>
                   </a:txBody>
-                  <a:tcPr marL="18275" marR="18275" marT="18275" marB="18275">
+                  <a:tcPr marL="9125" marR="9125" marT="9125" marB="9125">
                     <a:lnL w="9525" cap="flat" cmpd="sng">
                       <a:solidFill>
                         <a:srgbClr val="FF0000"/>
@@ -43029,7 +44052,7 @@
                           <a:cs typeface="Calibri"/>
                           <a:sym typeface="Calibri"/>
                         </a:rPr>
-                        <a:t>8.5/10</a:t>
+                        <a:t>9.2/10</a:t>
                       </a:r>
                       <a:endParaRPr sz="1000">
                         <a:latin typeface="Calibri"/>
@@ -43039,7 +44062,7 @@
                       </a:endParaRPr>
                     </a:p>
                   </a:txBody>
-                  <a:tcPr marL="18275" marR="18275" marT="18275" marB="18275">
+                  <a:tcPr marL="9125" marR="9125" marT="9125" marB="9125">
                     <a:lnL w="9525" cap="flat" cmpd="sng">
                       <a:solidFill>
                         <a:srgbClr val="FF0000"/>
@@ -43102,7 +44125,7 @@
                           <a:cs typeface="Calibri"/>
                           <a:sym typeface="Calibri"/>
                         </a:rPr>
-                        <a:t>~60GB (FP16), ~15GB (4-bit)</a:t>
+                        <a:t>~470GB (FP16), ~118GB (4-bit)</a:t>
                       </a:r>
                       <a:endParaRPr sz="1000">
                         <a:latin typeface="Calibri"/>
@@ -43112,7 +44135,7 @@
                       </a:endParaRPr>
                     </a:p>
                   </a:txBody>
-                  <a:tcPr marL="18275" marR="18275" marT="18275" marB="18275">
+                  <a:tcPr marL="9125" marR="9125" marT="9125" marB="9125">
                     <a:lnL w="9525" cap="flat" cmpd="sng">
                       <a:solidFill>
                         <a:srgbClr val="FF0000"/>
@@ -43156,11 +44179,11 @@
                 </a:tc>
                 <a:extLst>
                   <a:ext uri="{0D108BD9-81ED-4DB2-BD59-A6C34878D82A}">
-                    <a16:rowId xmlns:a16="http://schemas.microsoft.com/office/drawing/2014/main" val="10004"/>
+                    <a16:rowId xmlns:a16="http://schemas.microsoft.com/office/drawing/2014/main" val="10001"/>
                   </a:ext>
                 </a:extLst>
               </a:tr>
-              <a:tr h="97300">
+              <a:tr h="151075">
                 <a:tc>
                   <a:txBody>
                     <a:bodyPr/>
@@ -43182,7 +44205,7 @@
                           <a:cs typeface="Calibri"/>
                           <a:sym typeface="Calibri"/>
                         </a:rPr>
-                        <a:t>NVIDIA Nemotron-3-Nano-30B-A3B</a:t>
+                        <a:t>MiniMax M2</a:t>
                       </a:r>
                       <a:endParaRPr sz="1000">
                         <a:latin typeface="Calibri"/>
@@ -43192,7 +44215,7 @@
                       </a:endParaRPr>
                     </a:p>
                   </a:txBody>
-                  <a:tcPr marL="18275" marR="18275" marT="18275" marB="18275">
+                  <a:tcPr marL="9125" marR="9125" marT="9125" marB="9125">
                     <a:lnL w="9525" cap="flat" cmpd="sng">
                       <a:solidFill>
                         <a:srgbClr val="FF0000"/>
@@ -43255,7 +44278,7 @@
                           <a:cs typeface="Calibri"/>
                           <a:sym typeface="Calibri"/>
                         </a:rPr>
-                        <a:t>30B (3B active)</a:t>
+                        <a:t>230B (10B active)</a:t>
                       </a:r>
                       <a:endParaRPr sz="1000">
                         <a:latin typeface="Calibri"/>
@@ -43265,7 +44288,7 @@
                       </a:endParaRPr>
                     </a:p>
                   </a:txBody>
-                  <a:tcPr marL="18275" marR="18275" marT="18275" marB="18275">
+                  <a:tcPr marL="9125" marR="9125" marT="9125" marB="9125">
                     <a:lnL w="9525" cap="flat" cmpd="sng">
                       <a:solidFill>
                         <a:srgbClr val="FF0000"/>
@@ -43338,7 +44361,7 @@
                       </a:endParaRPr>
                     </a:p>
                   </a:txBody>
-                  <a:tcPr marL="18275" marR="18275" marT="18275" marB="18275">
+                  <a:tcPr marL="9125" marR="9125" marT="9125" marB="9125">
                     <a:lnL w="9525" cap="flat" cmpd="sng">
                       <a:solidFill>
                         <a:srgbClr val="FF0000"/>
@@ -43378,6 +44401,1098 @@
                     <a:solidFill>
                       <a:srgbClr val="FFF2CC"/>
                     </a:solidFill>
+                  </a:tcPr>
+                </a:tc>
+                <a:tc>
+                  <a:txBody>
+                    <a:bodyPr/>
+                    <a:lstStyle/>
+                    <a:p>
+                      <a:pPr marL="0" lvl="0" indent="0" algn="l" rtl="0">
+                        <a:spcBef>
+                          <a:spcPts val="0"/>
+                        </a:spcBef>
+                        <a:spcAft>
+                          <a:spcPts val="0"/>
+                        </a:spcAft>
+                        <a:buNone/>
+                      </a:pPr>
+                      <a:r>
+                        <a:rPr lang="en" sz="1000">
+                          <a:latin typeface="Calibri"/>
+                          <a:ea typeface="Calibri"/>
+                          <a:cs typeface="Calibri"/>
+                          <a:sym typeface="Calibri"/>
+                        </a:rPr>
+                        <a:t>8.8/10</a:t>
+                      </a:r>
+                      <a:endParaRPr sz="1000">
+                        <a:latin typeface="Calibri"/>
+                        <a:ea typeface="Calibri"/>
+                        <a:cs typeface="Calibri"/>
+                        <a:sym typeface="Calibri"/>
+                      </a:endParaRPr>
+                    </a:p>
+                  </a:txBody>
+                  <a:tcPr marL="9125" marR="9125" marT="9125" marB="9125">
+                    <a:lnL w="9525" cap="flat" cmpd="sng">
+                      <a:solidFill>
+                        <a:srgbClr val="FF0000"/>
+                      </a:solidFill>
+                      <a:prstDash val="solid"/>
+                      <a:round/>
+                      <a:headEnd type="none" w="sm" len="sm"/>
+                      <a:tailEnd type="none" w="sm" len="sm"/>
+                    </a:lnL>
+                    <a:lnR w="9525" cap="flat" cmpd="sng">
+                      <a:solidFill>
+                        <a:srgbClr val="FF0000"/>
+                      </a:solidFill>
+                      <a:prstDash val="solid"/>
+                      <a:round/>
+                      <a:headEnd type="none" w="sm" len="sm"/>
+                      <a:tailEnd type="none" w="sm" len="sm"/>
+                    </a:lnR>
+                    <a:lnT w="9525" cap="flat" cmpd="sng">
+                      <a:solidFill>
+                        <a:srgbClr val="FF0000"/>
+                      </a:solidFill>
+                      <a:prstDash val="solid"/>
+                      <a:round/>
+                      <a:headEnd type="none" w="sm" len="sm"/>
+                      <a:tailEnd type="none" w="sm" len="sm"/>
+                    </a:lnT>
+                    <a:lnB w="9525" cap="flat" cmpd="sng">
+                      <a:solidFill>
+                        <a:srgbClr val="FF0000"/>
+                      </a:solidFill>
+                      <a:prstDash val="solid"/>
+                      <a:round/>
+                      <a:headEnd type="none" w="sm" len="sm"/>
+                      <a:tailEnd type="none" w="sm" len="sm"/>
+                    </a:lnB>
+                    <a:solidFill>
+                      <a:srgbClr val="FFF2CC"/>
+                    </a:solidFill>
+                  </a:tcPr>
+                </a:tc>
+                <a:tc>
+                  <a:txBody>
+                    <a:bodyPr/>
+                    <a:lstStyle/>
+                    <a:p>
+                      <a:pPr marL="0" lvl="0" indent="0" algn="l" rtl="0">
+                        <a:spcBef>
+                          <a:spcPts val="0"/>
+                        </a:spcBef>
+                        <a:spcAft>
+                          <a:spcPts val="0"/>
+                        </a:spcAft>
+                        <a:buNone/>
+                      </a:pPr>
+                      <a:r>
+                        <a:rPr lang="en" sz="1000">
+                          <a:latin typeface="Calibri"/>
+                          <a:ea typeface="Calibri"/>
+                          <a:cs typeface="Calibri"/>
+                          <a:sym typeface="Calibri"/>
+                        </a:rPr>
+                        <a:t>~460GB (FP16), ~115GB (4-bit)</a:t>
+                      </a:r>
+                      <a:endParaRPr sz="1000">
+                        <a:latin typeface="Calibri"/>
+                        <a:ea typeface="Calibri"/>
+                        <a:cs typeface="Calibri"/>
+                        <a:sym typeface="Calibri"/>
+                      </a:endParaRPr>
+                    </a:p>
+                  </a:txBody>
+                  <a:tcPr marL="9125" marR="9125" marT="9125" marB="9125">
+                    <a:lnL w="9525" cap="flat" cmpd="sng">
+                      <a:solidFill>
+                        <a:srgbClr val="FF0000"/>
+                      </a:solidFill>
+                      <a:prstDash val="solid"/>
+                      <a:round/>
+                      <a:headEnd type="none" w="sm" len="sm"/>
+                      <a:tailEnd type="none" w="sm" len="sm"/>
+                    </a:lnL>
+                    <a:lnR w="9525" cap="flat" cmpd="sng">
+                      <a:solidFill>
+                        <a:srgbClr val="FF0000"/>
+                      </a:solidFill>
+                      <a:prstDash val="solid"/>
+                      <a:round/>
+                      <a:headEnd type="none" w="sm" len="sm"/>
+                      <a:tailEnd type="none" w="sm" len="sm"/>
+                    </a:lnR>
+                    <a:lnT w="9525" cap="flat" cmpd="sng">
+                      <a:solidFill>
+                        <a:srgbClr val="FF0000"/>
+                      </a:solidFill>
+                      <a:prstDash val="solid"/>
+                      <a:round/>
+                      <a:headEnd type="none" w="sm" len="sm"/>
+                      <a:tailEnd type="none" w="sm" len="sm"/>
+                    </a:lnT>
+                    <a:lnB w="9525" cap="flat" cmpd="sng">
+                      <a:solidFill>
+                        <a:srgbClr val="FF0000"/>
+                      </a:solidFill>
+                      <a:prstDash val="solid"/>
+                      <a:round/>
+                      <a:headEnd type="none" w="sm" len="sm"/>
+                      <a:tailEnd type="none" w="sm" len="sm"/>
+                    </a:lnB>
+                    <a:solidFill>
+                      <a:srgbClr val="FFF2CC"/>
+                    </a:solidFill>
+                  </a:tcPr>
+                </a:tc>
+                <a:extLst>
+                  <a:ext uri="{0D108BD9-81ED-4DB2-BD59-A6C34878D82A}">
+                    <a16:rowId xmlns:a16="http://schemas.microsoft.com/office/drawing/2014/main" val="10002"/>
+                  </a:ext>
+                </a:extLst>
+              </a:tr>
+              <a:tr h="151075">
+                <a:tc>
+                  <a:txBody>
+                    <a:bodyPr/>
+                    <a:lstStyle/>
+                    <a:p>
+                      <a:pPr marL="0" lvl="0" indent="0" algn="l" rtl="0">
+                        <a:spcBef>
+                          <a:spcPts val="0"/>
+                        </a:spcBef>
+                        <a:spcAft>
+                          <a:spcPts val="0"/>
+                        </a:spcAft>
+                        <a:buNone/>
+                      </a:pPr>
+                      <a:r>
+                        <a:rPr lang="en" sz="1000">
+                          <a:latin typeface="Calibri"/>
+                          <a:ea typeface="Calibri"/>
+                          <a:cs typeface="Calibri"/>
+                          <a:sym typeface="Calibri"/>
+                        </a:rPr>
+                        <a:t>GLM-4.7</a:t>
+                      </a:r>
+                      <a:endParaRPr sz="1000">
+                        <a:latin typeface="Calibri"/>
+                        <a:ea typeface="Calibri"/>
+                        <a:cs typeface="Calibri"/>
+                        <a:sym typeface="Calibri"/>
+                      </a:endParaRPr>
+                    </a:p>
+                  </a:txBody>
+                  <a:tcPr marL="9125" marR="9125" marT="9125" marB="9125">
+                    <a:lnL w="9525" cap="flat" cmpd="sng">
+                      <a:solidFill>
+                        <a:srgbClr val="FF0000"/>
+                      </a:solidFill>
+                      <a:prstDash val="solid"/>
+                      <a:round/>
+                      <a:headEnd type="none" w="sm" len="sm"/>
+                      <a:tailEnd type="none" w="sm" len="sm"/>
+                    </a:lnL>
+                    <a:lnR w="9525" cap="flat" cmpd="sng">
+                      <a:solidFill>
+                        <a:srgbClr val="FF0000"/>
+                      </a:solidFill>
+                      <a:prstDash val="solid"/>
+                      <a:round/>
+                      <a:headEnd type="none" w="sm" len="sm"/>
+                      <a:tailEnd type="none" w="sm" len="sm"/>
+                    </a:lnR>
+                    <a:lnT w="9525" cap="flat" cmpd="sng">
+                      <a:solidFill>
+                        <a:srgbClr val="FF0000"/>
+                      </a:solidFill>
+                      <a:prstDash val="solid"/>
+                      <a:round/>
+                      <a:headEnd type="none" w="sm" len="sm"/>
+                      <a:tailEnd type="none" w="sm" len="sm"/>
+                    </a:lnT>
+                    <a:lnB w="9525" cap="flat" cmpd="sng">
+                      <a:solidFill>
+                        <a:srgbClr val="FF0000"/>
+                      </a:solidFill>
+                      <a:prstDash val="solid"/>
+                      <a:round/>
+                      <a:headEnd type="none" w="sm" len="sm"/>
+                      <a:tailEnd type="none" w="sm" len="sm"/>
+                    </a:lnB>
+                    <a:solidFill>
+                      <a:srgbClr val="FFF2CC"/>
+                    </a:solidFill>
+                  </a:tcPr>
+                </a:tc>
+                <a:tc>
+                  <a:txBody>
+                    <a:bodyPr/>
+                    <a:lstStyle/>
+                    <a:p>
+                      <a:pPr marL="0" lvl="0" indent="0" algn="l" rtl="0">
+                        <a:spcBef>
+                          <a:spcPts val="0"/>
+                        </a:spcBef>
+                        <a:spcAft>
+                          <a:spcPts val="0"/>
+                        </a:spcAft>
+                        <a:buNone/>
+                      </a:pPr>
+                      <a:r>
+                        <a:rPr lang="en" sz="1000">
+                          <a:latin typeface="Calibri"/>
+                          <a:ea typeface="Calibri"/>
+                          <a:cs typeface="Calibri"/>
+                          <a:sym typeface="Calibri"/>
+                        </a:rPr>
+                        <a:t>355B (32B active)</a:t>
+                      </a:r>
+                      <a:endParaRPr sz="1000">
+                        <a:latin typeface="Calibri"/>
+                        <a:ea typeface="Calibri"/>
+                        <a:cs typeface="Calibri"/>
+                        <a:sym typeface="Calibri"/>
+                      </a:endParaRPr>
+                    </a:p>
+                  </a:txBody>
+                  <a:tcPr marL="9125" marR="9125" marT="9125" marB="9125">
+                    <a:lnL w="9525" cap="flat" cmpd="sng">
+                      <a:solidFill>
+                        <a:srgbClr val="FF0000"/>
+                      </a:solidFill>
+                      <a:prstDash val="solid"/>
+                      <a:round/>
+                      <a:headEnd type="none" w="sm" len="sm"/>
+                      <a:tailEnd type="none" w="sm" len="sm"/>
+                    </a:lnL>
+                    <a:lnR w="9525" cap="flat" cmpd="sng">
+                      <a:solidFill>
+                        <a:srgbClr val="FF0000"/>
+                      </a:solidFill>
+                      <a:prstDash val="solid"/>
+                      <a:round/>
+                      <a:headEnd type="none" w="sm" len="sm"/>
+                      <a:tailEnd type="none" w="sm" len="sm"/>
+                    </a:lnR>
+                    <a:lnT w="9525" cap="flat" cmpd="sng">
+                      <a:solidFill>
+                        <a:srgbClr val="FF0000"/>
+                      </a:solidFill>
+                      <a:prstDash val="solid"/>
+                      <a:round/>
+                      <a:headEnd type="none" w="sm" len="sm"/>
+                      <a:tailEnd type="none" w="sm" len="sm"/>
+                    </a:lnT>
+                    <a:lnB w="9525" cap="flat" cmpd="sng">
+                      <a:solidFill>
+                        <a:srgbClr val="FF0000"/>
+                      </a:solidFill>
+                      <a:prstDash val="solid"/>
+                      <a:round/>
+                      <a:headEnd type="none" w="sm" len="sm"/>
+                      <a:tailEnd type="none" w="sm" len="sm"/>
+                    </a:lnB>
+                    <a:solidFill>
+                      <a:srgbClr val="FFF2CC"/>
+                    </a:solidFill>
+                  </a:tcPr>
+                </a:tc>
+                <a:tc>
+                  <a:txBody>
+                    <a:bodyPr/>
+                    <a:lstStyle/>
+                    <a:p>
+                      <a:pPr marL="0" lvl="0" indent="0" algn="l" rtl="0">
+                        <a:spcBef>
+                          <a:spcPts val="0"/>
+                        </a:spcBef>
+                        <a:spcAft>
+                          <a:spcPts val="0"/>
+                        </a:spcAft>
+                        <a:buNone/>
+                      </a:pPr>
+                      <a:r>
+                        <a:rPr lang="en" sz="1000">
+                          <a:latin typeface="Calibri"/>
+                          <a:ea typeface="Calibri"/>
+                          <a:cs typeface="Calibri"/>
+                          <a:sym typeface="Calibri"/>
+                        </a:rPr>
+                        <a:t>MoE</a:t>
+                      </a:r>
+                      <a:endParaRPr sz="1000">
+                        <a:latin typeface="Calibri"/>
+                        <a:ea typeface="Calibri"/>
+                        <a:cs typeface="Calibri"/>
+                        <a:sym typeface="Calibri"/>
+                      </a:endParaRPr>
+                    </a:p>
+                  </a:txBody>
+                  <a:tcPr marL="9125" marR="9125" marT="9125" marB="9125">
+                    <a:lnL w="9525" cap="flat" cmpd="sng">
+                      <a:solidFill>
+                        <a:srgbClr val="FF0000"/>
+                      </a:solidFill>
+                      <a:prstDash val="solid"/>
+                      <a:round/>
+                      <a:headEnd type="none" w="sm" len="sm"/>
+                      <a:tailEnd type="none" w="sm" len="sm"/>
+                    </a:lnL>
+                    <a:lnR w="9525" cap="flat" cmpd="sng">
+                      <a:solidFill>
+                        <a:srgbClr val="FF0000"/>
+                      </a:solidFill>
+                      <a:prstDash val="solid"/>
+                      <a:round/>
+                      <a:headEnd type="none" w="sm" len="sm"/>
+                      <a:tailEnd type="none" w="sm" len="sm"/>
+                    </a:lnR>
+                    <a:lnT w="9525" cap="flat" cmpd="sng">
+                      <a:solidFill>
+                        <a:srgbClr val="FF0000"/>
+                      </a:solidFill>
+                      <a:prstDash val="solid"/>
+                      <a:round/>
+                      <a:headEnd type="none" w="sm" len="sm"/>
+                      <a:tailEnd type="none" w="sm" len="sm"/>
+                    </a:lnT>
+                    <a:lnB w="9525" cap="flat" cmpd="sng">
+                      <a:solidFill>
+                        <a:srgbClr val="FF0000"/>
+                      </a:solidFill>
+                      <a:prstDash val="solid"/>
+                      <a:round/>
+                      <a:headEnd type="none" w="sm" len="sm"/>
+                      <a:tailEnd type="none" w="sm" len="sm"/>
+                    </a:lnB>
+                    <a:solidFill>
+                      <a:srgbClr val="FFF2CC"/>
+                    </a:solidFill>
+                  </a:tcPr>
+                </a:tc>
+                <a:tc>
+                  <a:txBody>
+                    <a:bodyPr/>
+                    <a:lstStyle/>
+                    <a:p>
+                      <a:pPr marL="0" lvl="0" indent="0" algn="l" rtl="0">
+                        <a:spcBef>
+                          <a:spcPts val="0"/>
+                        </a:spcBef>
+                        <a:spcAft>
+                          <a:spcPts val="0"/>
+                        </a:spcAft>
+                        <a:buNone/>
+                      </a:pPr>
+                      <a:r>
+                        <a:rPr lang="en" sz="1000">
+                          <a:latin typeface="Calibri"/>
+                          <a:ea typeface="Calibri"/>
+                          <a:cs typeface="Calibri"/>
+                          <a:sym typeface="Calibri"/>
+                        </a:rPr>
+                        <a:t>9.0/10</a:t>
+                      </a:r>
+                      <a:endParaRPr sz="1000">
+                        <a:latin typeface="Calibri"/>
+                        <a:ea typeface="Calibri"/>
+                        <a:cs typeface="Calibri"/>
+                        <a:sym typeface="Calibri"/>
+                      </a:endParaRPr>
+                    </a:p>
+                  </a:txBody>
+                  <a:tcPr marL="9125" marR="9125" marT="9125" marB="9125">
+                    <a:lnL w="9525" cap="flat" cmpd="sng">
+                      <a:solidFill>
+                        <a:srgbClr val="FF0000"/>
+                      </a:solidFill>
+                      <a:prstDash val="solid"/>
+                      <a:round/>
+                      <a:headEnd type="none" w="sm" len="sm"/>
+                      <a:tailEnd type="none" w="sm" len="sm"/>
+                    </a:lnL>
+                    <a:lnR w="9525" cap="flat" cmpd="sng">
+                      <a:solidFill>
+                        <a:srgbClr val="FF0000"/>
+                      </a:solidFill>
+                      <a:prstDash val="solid"/>
+                      <a:round/>
+                      <a:headEnd type="none" w="sm" len="sm"/>
+                      <a:tailEnd type="none" w="sm" len="sm"/>
+                    </a:lnR>
+                    <a:lnT w="9525" cap="flat" cmpd="sng">
+                      <a:solidFill>
+                        <a:srgbClr val="FF0000"/>
+                      </a:solidFill>
+                      <a:prstDash val="solid"/>
+                      <a:round/>
+                      <a:headEnd type="none" w="sm" len="sm"/>
+                      <a:tailEnd type="none" w="sm" len="sm"/>
+                    </a:lnT>
+                    <a:lnB w="9525" cap="flat" cmpd="sng">
+                      <a:solidFill>
+                        <a:srgbClr val="FF0000"/>
+                      </a:solidFill>
+                      <a:prstDash val="solid"/>
+                      <a:round/>
+                      <a:headEnd type="none" w="sm" len="sm"/>
+                      <a:tailEnd type="none" w="sm" len="sm"/>
+                    </a:lnB>
+                    <a:solidFill>
+                      <a:srgbClr val="FFF2CC"/>
+                    </a:solidFill>
+                  </a:tcPr>
+                </a:tc>
+                <a:tc>
+                  <a:txBody>
+                    <a:bodyPr/>
+                    <a:lstStyle/>
+                    <a:p>
+                      <a:pPr marL="0" lvl="0" indent="0" algn="l" rtl="0">
+                        <a:spcBef>
+                          <a:spcPts val="0"/>
+                        </a:spcBef>
+                        <a:spcAft>
+                          <a:spcPts val="0"/>
+                        </a:spcAft>
+                        <a:buNone/>
+                      </a:pPr>
+                      <a:r>
+                        <a:rPr lang="en" sz="1000">
+                          <a:latin typeface="Calibri"/>
+                          <a:ea typeface="Calibri"/>
+                          <a:cs typeface="Calibri"/>
+                          <a:sym typeface="Calibri"/>
+                        </a:rPr>
+                        <a:t>~710GB (FP16), ~178GB (4-bit)</a:t>
+                      </a:r>
+                      <a:endParaRPr sz="1000">
+                        <a:latin typeface="Calibri"/>
+                        <a:ea typeface="Calibri"/>
+                        <a:cs typeface="Calibri"/>
+                        <a:sym typeface="Calibri"/>
+                      </a:endParaRPr>
+                    </a:p>
+                  </a:txBody>
+                  <a:tcPr marL="9125" marR="9125" marT="9125" marB="9125">
+                    <a:lnL w="9525" cap="flat" cmpd="sng">
+                      <a:solidFill>
+                        <a:srgbClr val="FF0000"/>
+                      </a:solidFill>
+                      <a:prstDash val="solid"/>
+                      <a:round/>
+                      <a:headEnd type="none" w="sm" len="sm"/>
+                      <a:tailEnd type="none" w="sm" len="sm"/>
+                    </a:lnL>
+                    <a:lnR w="9525" cap="flat" cmpd="sng">
+                      <a:solidFill>
+                        <a:srgbClr val="FF0000"/>
+                      </a:solidFill>
+                      <a:prstDash val="solid"/>
+                      <a:round/>
+                      <a:headEnd type="none" w="sm" len="sm"/>
+                      <a:tailEnd type="none" w="sm" len="sm"/>
+                    </a:lnR>
+                    <a:lnT w="9525" cap="flat" cmpd="sng">
+                      <a:solidFill>
+                        <a:srgbClr val="FF0000"/>
+                      </a:solidFill>
+                      <a:prstDash val="solid"/>
+                      <a:round/>
+                      <a:headEnd type="none" w="sm" len="sm"/>
+                      <a:tailEnd type="none" w="sm" len="sm"/>
+                    </a:lnT>
+                    <a:lnB w="9525" cap="flat" cmpd="sng">
+                      <a:solidFill>
+                        <a:srgbClr val="FF0000"/>
+                      </a:solidFill>
+                      <a:prstDash val="solid"/>
+                      <a:round/>
+                      <a:headEnd type="none" w="sm" len="sm"/>
+                      <a:tailEnd type="none" w="sm" len="sm"/>
+                    </a:lnB>
+                    <a:solidFill>
+                      <a:srgbClr val="FFF2CC"/>
+                    </a:solidFill>
+                  </a:tcPr>
+                </a:tc>
+                <a:extLst>
+                  <a:ext uri="{0D108BD9-81ED-4DB2-BD59-A6C34878D82A}">
+                    <a16:rowId xmlns:a16="http://schemas.microsoft.com/office/drawing/2014/main" val="10003"/>
+                  </a:ext>
+                </a:extLst>
+              </a:tr>
+              <a:tr h="151075">
+                <a:tc>
+                  <a:txBody>
+                    <a:bodyPr/>
+                    <a:lstStyle/>
+                    <a:p>
+                      <a:pPr marL="0" lvl="0" indent="0" algn="l" rtl="0">
+                        <a:spcBef>
+                          <a:spcPts val="0"/>
+                        </a:spcBef>
+                        <a:spcAft>
+                          <a:spcPts val="0"/>
+                        </a:spcAft>
+                        <a:buNone/>
+                      </a:pPr>
+                      <a:r>
+                        <a:rPr lang="en" sz="1000">
+                          <a:latin typeface="Calibri"/>
+                          <a:ea typeface="Calibri"/>
+                          <a:cs typeface="Calibri"/>
+                          <a:sym typeface="Calibri"/>
+                        </a:rPr>
+                        <a:t>Qwen3-30B-A3B-Instruct</a:t>
+                      </a:r>
+                      <a:endParaRPr sz="1000">
+                        <a:latin typeface="Calibri"/>
+                        <a:ea typeface="Calibri"/>
+                        <a:cs typeface="Calibri"/>
+                        <a:sym typeface="Calibri"/>
+                      </a:endParaRPr>
+                    </a:p>
+                  </a:txBody>
+                  <a:tcPr marL="9125" marR="9125" marT="9125" marB="9125">
+                    <a:lnL w="9525" cap="flat" cmpd="sng">
+                      <a:solidFill>
+                        <a:srgbClr val="FF0000"/>
+                      </a:solidFill>
+                      <a:prstDash val="solid"/>
+                      <a:round/>
+                      <a:headEnd type="none" w="sm" len="sm"/>
+                      <a:tailEnd type="none" w="sm" len="sm"/>
+                    </a:lnL>
+                    <a:lnR w="9525" cap="flat" cmpd="sng">
+                      <a:solidFill>
+                        <a:srgbClr val="FF0000"/>
+                      </a:solidFill>
+                      <a:prstDash val="solid"/>
+                      <a:round/>
+                      <a:headEnd type="none" w="sm" len="sm"/>
+                      <a:tailEnd type="none" w="sm" len="sm"/>
+                    </a:lnR>
+                    <a:lnT w="9525" cap="flat" cmpd="sng">
+                      <a:solidFill>
+                        <a:srgbClr val="FF0000"/>
+                      </a:solidFill>
+                      <a:prstDash val="solid"/>
+                      <a:round/>
+                      <a:headEnd type="none" w="sm" len="sm"/>
+                      <a:tailEnd type="none" w="sm" len="sm"/>
+                    </a:lnT>
+                    <a:lnB w="9525" cap="flat" cmpd="sng">
+                      <a:solidFill>
+                        <a:srgbClr val="FF0000"/>
+                      </a:solidFill>
+                      <a:prstDash val="solid"/>
+                      <a:round/>
+                      <a:headEnd type="none" w="sm" len="sm"/>
+                      <a:tailEnd type="none" w="sm" len="sm"/>
+                    </a:lnB>
+                  </a:tcPr>
+                </a:tc>
+                <a:tc>
+                  <a:txBody>
+                    <a:bodyPr/>
+                    <a:lstStyle/>
+                    <a:p>
+                      <a:pPr marL="0" lvl="0" indent="0" algn="l" rtl="0">
+                        <a:spcBef>
+                          <a:spcPts val="0"/>
+                        </a:spcBef>
+                        <a:spcAft>
+                          <a:spcPts val="0"/>
+                        </a:spcAft>
+                        <a:buNone/>
+                      </a:pPr>
+                      <a:r>
+                        <a:rPr lang="en" sz="1000">
+                          <a:latin typeface="Calibri"/>
+                          <a:ea typeface="Calibri"/>
+                          <a:cs typeface="Calibri"/>
+                          <a:sym typeface="Calibri"/>
+                        </a:rPr>
+                        <a:t>30B (3B active)</a:t>
+                      </a:r>
+                      <a:endParaRPr sz="1000">
+                        <a:latin typeface="Calibri"/>
+                        <a:ea typeface="Calibri"/>
+                        <a:cs typeface="Calibri"/>
+                        <a:sym typeface="Calibri"/>
+                      </a:endParaRPr>
+                    </a:p>
+                  </a:txBody>
+                  <a:tcPr marL="9125" marR="9125" marT="9125" marB="9125">
+                    <a:lnL w="9525" cap="flat" cmpd="sng">
+                      <a:solidFill>
+                        <a:srgbClr val="FF0000"/>
+                      </a:solidFill>
+                      <a:prstDash val="solid"/>
+                      <a:round/>
+                      <a:headEnd type="none" w="sm" len="sm"/>
+                      <a:tailEnd type="none" w="sm" len="sm"/>
+                    </a:lnL>
+                    <a:lnR w="9525" cap="flat" cmpd="sng">
+                      <a:solidFill>
+                        <a:srgbClr val="FF0000"/>
+                      </a:solidFill>
+                      <a:prstDash val="solid"/>
+                      <a:round/>
+                      <a:headEnd type="none" w="sm" len="sm"/>
+                      <a:tailEnd type="none" w="sm" len="sm"/>
+                    </a:lnR>
+                    <a:lnT w="9525" cap="flat" cmpd="sng">
+                      <a:solidFill>
+                        <a:srgbClr val="FF0000"/>
+                      </a:solidFill>
+                      <a:prstDash val="solid"/>
+                      <a:round/>
+                      <a:headEnd type="none" w="sm" len="sm"/>
+                      <a:tailEnd type="none" w="sm" len="sm"/>
+                    </a:lnT>
+                    <a:lnB w="9525" cap="flat" cmpd="sng">
+                      <a:solidFill>
+                        <a:srgbClr val="FF0000"/>
+                      </a:solidFill>
+                      <a:prstDash val="solid"/>
+                      <a:round/>
+                      <a:headEnd type="none" w="sm" len="sm"/>
+                      <a:tailEnd type="none" w="sm" len="sm"/>
+                    </a:lnB>
+                  </a:tcPr>
+                </a:tc>
+                <a:tc>
+                  <a:txBody>
+                    <a:bodyPr/>
+                    <a:lstStyle/>
+                    <a:p>
+                      <a:pPr marL="0" lvl="0" indent="0" algn="l" rtl="0">
+                        <a:spcBef>
+                          <a:spcPts val="0"/>
+                        </a:spcBef>
+                        <a:spcAft>
+                          <a:spcPts val="0"/>
+                        </a:spcAft>
+                        <a:buNone/>
+                      </a:pPr>
+                      <a:r>
+                        <a:rPr lang="en" sz="1000">
+                          <a:latin typeface="Calibri"/>
+                          <a:ea typeface="Calibri"/>
+                          <a:cs typeface="Calibri"/>
+                          <a:sym typeface="Calibri"/>
+                        </a:rPr>
+                        <a:t>MoE</a:t>
+                      </a:r>
+                      <a:endParaRPr sz="1000">
+                        <a:latin typeface="Calibri"/>
+                        <a:ea typeface="Calibri"/>
+                        <a:cs typeface="Calibri"/>
+                        <a:sym typeface="Calibri"/>
+                      </a:endParaRPr>
+                    </a:p>
+                  </a:txBody>
+                  <a:tcPr marL="9125" marR="9125" marT="9125" marB="9125">
+                    <a:lnL w="9525" cap="flat" cmpd="sng">
+                      <a:solidFill>
+                        <a:srgbClr val="FF0000"/>
+                      </a:solidFill>
+                      <a:prstDash val="solid"/>
+                      <a:round/>
+                      <a:headEnd type="none" w="sm" len="sm"/>
+                      <a:tailEnd type="none" w="sm" len="sm"/>
+                    </a:lnL>
+                    <a:lnR w="9525" cap="flat" cmpd="sng">
+                      <a:solidFill>
+                        <a:srgbClr val="FF0000"/>
+                      </a:solidFill>
+                      <a:prstDash val="solid"/>
+                      <a:round/>
+                      <a:headEnd type="none" w="sm" len="sm"/>
+                      <a:tailEnd type="none" w="sm" len="sm"/>
+                    </a:lnR>
+                    <a:lnT w="9525" cap="flat" cmpd="sng">
+                      <a:solidFill>
+                        <a:srgbClr val="FF0000"/>
+                      </a:solidFill>
+                      <a:prstDash val="solid"/>
+                      <a:round/>
+                      <a:headEnd type="none" w="sm" len="sm"/>
+                      <a:tailEnd type="none" w="sm" len="sm"/>
+                    </a:lnT>
+                    <a:lnB w="9525" cap="flat" cmpd="sng">
+                      <a:solidFill>
+                        <a:srgbClr val="FF0000"/>
+                      </a:solidFill>
+                      <a:prstDash val="solid"/>
+                      <a:round/>
+                      <a:headEnd type="none" w="sm" len="sm"/>
+                      <a:tailEnd type="none" w="sm" len="sm"/>
+                    </a:lnB>
+                  </a:tcPr>
+                </a:tc>
+                <a:tc>
+                  <a:txBody>
+                    <a:bodyPr/>
+                    <a:lstStyle/>
+                    <a:p>
+                      <a:pPr marL="0" lvl="0" indent="0" algn="l" rtl="0">
+                        <a:spcBef>
+                          <a:spcPts val="0"/>
+                        </a:spcBef>
+                        <a:spcAft>
+                          <a:spcPts val="0"/>
+                        </a:spcAft>
+                        <a:buNone/>
+                      </a:pPr>
+                      <a:r>
+                        <a:rPr lang="en" sz="1000">
+                          <a:latin typeface="Calibri"/>
+                          <a:ea typeface="Calibri"/>
+                          <a:cs typeface="Calibri"/>
+                          <a:sym typeface="Calibri"/>
+                        </a:rPr>
+                        <a:t>8.5/10</a:t>
+                      </a:r>
+                      <a:endParaRPr sz="1000">
+                        <a:latin typeface="Calibri"/>
+                        <a:ea typeface="Calibri"/>
+                        <a:cs typeface="Calibri"/>
+                        <a:sym typeface="Calibri"/>
+                      </a:endParaRPr>
+                    </a:p>
+                  </a:txBody>
+                  <a:tcPr marL="9125" marR="9125" marT="9125" marB="9125">
+                    <a:lnL w="9525" cap="flat" cmpd="sng">
+                      <a:solidFill>
+                        <a:srgbClr val="FF0000"/>
+                      </a:solidFill>
+                      <a:prstDash val="solid"/>
+                      <a:round/>
+                      <a:headEnd type="none" w="sm" len="sm"/>
+                      <a:tailEnd type="none" w="sm" len="sm"/>
+                    </a:lnL>
+                    <a:lnR w="9525" cap="flat" cmpd="sng">
+                      <a:solidFill>
+                        <a:srgbClr val="FF0000"/>
+                      </a:solidFill>
+                      <a:prstDash val="solid"/>
+                      <a:round/>
+                      <a:headEnd type="none" w="sm" len="sm"/>
+                      <a:tailEnd type="none" w="sm" len="sm"/>
+                    </a:lnR>
+                    <a:lnT w="9525" cap="flat" cmpd="sng">
+                      <a:solidFill>
+                        <a:srgbClr val="FF0000"/>
+                      </a:solidFill>
+                      <a:prstDash val="solid"/>
+                      <a:round/>
+                      <a:headEnd type="none" w="sm" len="sm"/>
+                      <a:tailEnd type="none" w="sm" len="sm"/>
+                    </a:lnT>
+                    <a:lnB w="9525" cap="flat" cmpd="sng">
+                      <a:solidFill>
+                        <a:srgbClr val="FF0000"/>
+                      </a:solidFill>
+                      <a:prstDash val="solid"/>
+                      <a:round/>
+                      <a:headEnd type="none" w="sm" len="sm"/>
+                      <a:tailEnd type="none" w="sm" len="sm"/>
+                    </a:lnB>
+                  </a:tcPr>
+                </a:tc>
+                <a:tc>
+                  <a:txBody>
+                    <a:bodyPr/>
+                    <a:lstStyle/>
+                    <a:p>
+                      <a:pPr marL="0" lvl="0" indent="0" algn="l" rtl="0">
+                        <a:spcBef>
+                          <a:spcPts val="0"/>
+                        </a:spcBef>
+                        <a:spcAft>
+                          <a:spcPts val="0"/>
+                        </a:spcAft>
+                        <a:buNone/>
+                      </a:pPr>
+                      <a:r>
+                        <a:rPr lang="en" sz="1000">
+                          <a:latin typeface="Calibri"/>
+                          <a:ea typeface="Calibri"/>
+                          <a:cs typeface="Calibri"/>
+                          <a:sym typeface="Calibri"/>
+                        </a:rPr>
+                        <a:t>~60GB (FP16), ~15GB (4-bit)</a:t>
+                      </a:r>
+                      <a:endParaRPr sz="1000">
+                        <a:latin typeface="Calibri"/>
+                        <a:ea typeface="Calibri"/>
+                        <a:cs typeface="Calibri"/>
+                        <a:sym typeface="Calibri"/>
+                      </a:endParaRPr>
+                    </a:p>
+                  </a:txBody>
+                  <a:tcPr marL="9125" marR="9125" marT="9125" marB="9125">
+                    <a:lnL w="9525" cap="flat" cmpd="sng">
+                      <a:solidFill>
+                        <a:srgbClr val="FF0000"/>
+                      </a:solidFill>
+                      <a:prstDash val="solid"/>
+                      <a:round/>
+                      <a:headEnd type="none" w="sm" len="sm"/>
+                      <a:tailEnd type="none" w="sm" len="sm"/>
+                    </a:lnL>
+                    <a:lnR w="9525" cap="flat" cmpd="sng">
+                      <a:solidFill>
+                        <a:srgbClr val="FF0000"/>
+                      </a:solidFill>
+                      <a:prstDash val="solid"/>
+                      <a:round/>
+                      <a:headEnd type="none" w="sm" len="sm"/>
+                      <a:tailEnd type="none" w="sm" len="sm"/>
+                    </a:lnR>
+                    <a:lnT w="9525" cap="flat" cmpd="sng">
+                      <a:solidFill>
+                        <a:srgbClr val="FF0000"/>
+                      </a:solidFill>
+                      <a:prstDash val="solid"/>
+                      <a:round/>
+                      <a:headEnd type="none" w="sm" len="sm"/>
+                      <a:tailEnd type="none" w="sm" len="sm"/>
+                    </a:lnT>
+                    <a:lnB w="9525" cap="flat" cmpd="sng">
+                      <a:solidFill>
+                        <a:srgbClr val="FF0000"/>
+                      </a:solidFill>
+                      <a:prstDash val="solid"/>
+                      <a:round/>
+                      <a:headEnd type="none" w="sm" len="sm"/>
+                      <a:tailEnd type="none" w="sm" len="sm"/>
+                    </a:lnB>
+                  </a:tcPr>
+                </a:tc>
+                <a:extLst>
+                  <a:ext uri="{0D108BD9-81ED-4DB2-BD59-A6C34878D82A}">
+                    <a16:rowId xmlns:a16="http://schemas.microsoft.com/office/drawing/2014/main" val="10004"/>
+                  </a:ext>
+                </a:extLst>
+              </a:tr>
+              <a:tr h="151075">
+                <a:tc>
+                  <a:txBody>
+                    <a:bodyPr/>
+                    <a:lstStyle/>
+                    <a:p>
+                      <a:pPr marL="0" lvl="0" indent="0" algn="l" rtl="0">
+                        <a:spcBef>
+                          <a:spcPts val="0"/>
+                        </a:spcBef>
+                        <a:spcAft>
+                          <a:spcPts val="0"/>
+                        </a:spcAft>
+                        <a:buNone/>
+                      </a:pPr>
+                      <a:r>
+                        <a:rPr lang="en" sz="1000">
+                          <a:latin typeface="Calibri"/>
+                          <a:ea typeface="Calibri"/>
+                          <a:cs typeface="Calibri"/>
+                          <a:sym typeface="Calibri"/>
+                        </a:rPr>
+                        <a:t>NVIDIA Nemotron-3-Nano-30B-A3B</a:t>
+                      </a:r>
+                      <a:endParaRPr sz="1000">
+                        <a:latin typeface="Calibri"/>
+                        <a:ea typeface="Calibri"/>
+                        <a:cs typeface="Calibri"/>
+                        <a:sym typeface="Calibri"/>
+                      </a:endParaRPr>
+                    </a:p>
+                  </a:txBody>
+                  <a:tcPr marL="9125" marR="9125" marT="9125" marB="9125">
+                    <a:lnL w="9525" cap="flat" cmpd="sng">
+                      <a:solidFill>
+                        <a:srgbClr val="FF0000"/>
+                      </a:solidFill>
+                      <a:prstDash val="solid"/>
+                      <a:round/>
+                      <a:headEnd type="none" w="sm" len="sm"/>
+                      <a:tailEnd type="none" w="sm" len="sm"/>
+                    </a:lnL>
+                    <a:lnR w="9525" cap="flat" cmpd="sng">
+                      <a:solidFill>
+                        <a:srgbClr val="FF0000"/>
+                      </a:solidFill>
+                      <a:prstDash val="solid"/>
+                      <a:round/>
+                      <a:headEnd type="none" w="sm" len="sm"/>
+                      <a:tailEnd type="none" w="sm" len="sm"/>
+                    </a:lnR>
+                    <a:lnT w="9525" cap="flat" cmpd="sng">
+                      <a:solidFill>
+                        <a:srgbClr val="FF0000"/>
+                      </a:solidFill>
+                      <a:prstDash val="solid"/>
+                      <a:round/>
+                      <a:headEnd type="none" w="sm" len="sm"/>
+                      <a:tailEnd type="none" w="sm" len="sm"/>
+                    </a:lnT>
+                    <a:lnB w="9525" cap="flat" cmpd="sng">
+                      <a:solidFill>
+                        <a:srgbClr val="FF0000"/>
+                      </a:solidFill>
+                      <a:prstDash val="solid"/>
+                      <a:round/>
+                      <a:headEnd type="none" w="sm" len="sm"/>
+                      <a:tailEnd type="none" w="sm" len="sm"/>
+                    </a:lnB>
+                  </a:tcPr>
+                </a:tc>
+                <a:tc>
+                  <a:txBody>
+                    <a:bodyPr/>
+                    <a:lstStyle/>
+                    <a:p>
+                      <a:pPr marL="0" lvl="0" indent="0" algn="l" rtl="0">
+                        <a:spcBef>
+                          <a:spcPts val="0"/>
+                        </a:spcBef>
+                        <a:spcAft>
+                          <a:spcPts val="0"/>
+                        </a:spcAft>
+                        <a:buNone/>
+                      </a:pPr>
+                      <a:r>
+                        <a:rPr lang="en" sz="1000">
+                          <a:latin typeface="Calibri"/>
+                          <a:ea typeface="Calibri"/>
+                          <a:cs typeface="Calibri"/>
+                          <a:sym typeface="Calibri"/>
+                        </a:rPr>
+                        <a:t>30B (3B active)</a:t>
+                      </a:r>
+                      <a:endParaRPr sz="1000">
+                        <a:latin typeface="Calibri"/>
+                        <a:ea typeface="Calibri"/>
+                        <a:cs typeface="Calibri"/>
+                        <a:sym typeface="Calibri"/>
+                      </a:endParaRPr>
+                    </a:p>
+                  </a:txBody>
+                  <a:tcPr marL="9125" marR="9125" marT="9125" marB="9125">
+                    <a:lnL w="9525" cap="flat" cmpd="sng">
+                      <a:solidFill>
+                        <a:srgbClr val="FF0000"/>
+                      </a:solidFill>
+                      <a:prstDash val="solid"/>
+                      <a:round/>
+                      <a:headEnd type="none" w="sm" len="sm"/>
+                      <a:tailEnd type="none" w="sm" len="sm"/>
+                    </a:lnL>
+                    <a:lnR w="9525" cap="flat" cmpd="sng">
+                      <a:solidFill>
+                        <a:srgbClr val="FF0000"/>
+                      </a:solidFill>
+                      <a:prstDash val="solid"/>
+                      <a:round/>
+                      <a:headEnd type="none" w="sm" len="sm"/>
+                      <a:tailEnd type="none" w="sm" len="sm"/>
+                    </a:lnR>
+                    <a:lnT w="9525" cap="flat" cmpd="sng">
+                      <a:solidFill>
+                        <a:srgbClr val="FF0000"/>
+                      </a:solidFill>
+                      <a:prstDash val="solid"/>
+                      <a:round/>
+                      <a:headEnd type="none" w="sm" len="sm"/>
+                      <a:tailEnd type="none" w="sm" len="sm"/>
+                    </a:lnT>
+                    <a:lnB w="9525" cap="flat" cmpd="sng">
+                      <a:solidFill>
+                        <a:srgbClr val="FF0000"/>
+                      </a:solidFill>
+                      <a:prstDash val="solid"/>
+                      <a:round/>
+                      <a:headEnd type="none" w="sm" len="sm"/>
+                      <a:tailEnd type="none" w="sm" len="sm"/>
+                    </a:lnB>
+                  </a:tcPr>
+                </a:tc>
+                <a:tc>
+                  <a:txBody>
+                    <a:bodyPr/>
+                    <a:lstStyle/>
+                    <a:p>
+                      <a:pPr marL="0" lvl="0" indent="0" algn="l" rtl="0">
+                        <a:spcBef>
+                          <a:spcPts val="0"/>
+                        </a:spcBef>
+                        <a:spcAft>
+                          <a:spcPts val="0"/>
+                        </a:spcAft>
+                        <a:buNone/>
+                      </a:pPr>
+                      <a:r>
+                        <a:rPr lang="en" sz="1000">
+                          <a:latin typeface="Calibri"/>
+                          <a:ea typeface="Calibri"/>
+                          <a:cs typeface="Calibri"/>
+                          <a:sym typeface="Calibri"/>
+                        </a:rPr>
+                        <a:t>MoE</a:t>
+                      </a:r>
+                      <a:endParaRPr sz="1000">
+                        <a:latin typeface="Calibri"/>
+                        <a:ea typeface="Calibri"/>
+                        <a:cs typeface="Calibri"/>
+                        <a:sym typeface="Calibri"/>
+                      </a:endParaRPr>
+                    </a:p>
+                  </a:txBody>
+                  <a:tcPr marL="9125" marR="9125" marT="9125" marB="9125">
+                    <a:lnL w="9525" cap="flat" cmpd="sng">
+                      <a:solidFill>
+                        <a:srgbClr val="FF0000"/>
+                      </a:solidFill>
+                      <a:prstDash val="solid"/>
+                      <a:round/>
+                      <a:headEnd type="none" w="sm" len="sm"/>
+                      <a:tailEnd type="none" w="sm" len="sm"/>
+                    </a:lnL>
+                    <a:lnR w="9525" cap="flat" cmpd="sng">
+                      <a:solidFill>
+                        <a:srgbClr val="FF0000"/>
+                      </a:solidFill>
+                      <a:prstDash val="solid"/>
+                      <a:round/>
+                      <a:headEnd type="none" w="sm" len="sm"/>
+                      <a:tailEnd type="none" w="sm" len="sm"/>
+                    </a:lnR>
+                    <a:lnT w="9525" cap="flat" cmpd="sng">
+                      <a:solidFill>
+                        <a:srgbClr val="FF0000"/>
+                      </a:solidFill>
+                      <a:prstDash val="solid"/>
+                      <a:round/>
+                      <a:headEnd type="none" w="sm" len="sm"/>
+                      <a:tailEnd type="none" w="sm" len="sm"/>
+                    </a:lnT>
+                    <a:lnB w="9525" cap="flat" cmpd="sng">
+                      <a:solidFill>
+                        <a:srgbClr val="FF0000"/>
+                      </a:solidFill>
+                      <a:prstDash val="solid"/>
+                      <a:round/>
+                      <a:headEnd type="none" w="sm" len="sm"/>
+                      <a:tailEnd type="none" w="sm" len="sm"/>
+                    </a:lnB>
                   </a:tcPr>
                 </a:tc>
                 <a:tc>
@@ -43411,7 +45526,7 @@
                       </a:endParaRPr>
                     </a:p>
                   </a:txBody>
-                  <a:tcPr marL="18275" marR="18275" marT="18275" marB="18275">
+                  <a:tcPr marL="9125" marR="9125" marT="9125" marB="9125">
                     <a:lnL w="9525" cap="flat" cmpd="sng">
                       <a:solidFill>
                         <a:srgbClr val="FF0000"/>
@@ -43448,9 +45563,6 @@
                       <a:headEnd type="none" w="sm" len="sm"/>
                       <a:tailEnd type="none" w="sm" len="sm"/>
                     </a:lnB>
-                    <a:solidFill>
-                      <a:srgbClr val="FFF2CC"/>
-                    </a:solidFill>
                   </a:tcPr>
                 </a:tc>
                 <a:tc>
@@ -43484,7 +45596,7 @@
                       </a:endParaRPr>
                     </a:p>
                   </a:txBody>
-                  <a:tcPr marL="18275" marR="18275" marT="18275" marB="18275">
+                  <a:tcPr marL="9125" marR="9125" marT="9125" marB="9125">
                     <a:lnL w="9525" cap="flat" cmpd="sng">
                       <a:solidFill>
                         <a:srgbClr val="FF0000"/>
@@ -43521,9 +45633,6 @@
                       <a:headEnd type="none" w="sm" len="sm"/>
                       <a:tailEnd type="none" w="sm" len="sm"/>
                     </a:lnB>
-                    <a:solidFill>
-                      <a:srgbClr val="FFF2CC"/>
-                    </a:solidFill>
                   </a:tcPr>
                 </a:tc>
                 <a:extLst>
@@ -43532,7 +45641,364 @@
                   </a:ext>
                 </a:extLst>
               </a:tr>
-              <a:tr h="97300">
+              <a:tr h="151075">
+                <a:tc>
+                  <a:txBody>
+                    <a:bodyPr/>
+                    <a:lstStyle/>
+                    <a:p>
+                      <a:pPr marL="0" lvl="0" indent="0" algn="l" rtl="0">
+                        <a:spcBef>
+                          <a:spcPts val="0"/>
+                        </a:spcBef>
+                        <a:spcAft>
+                          <a:spcPts val="0"/>
+                        </a:spcAft>
+                        <a:buNone/>
+                      </a:pPr>
+                      <a:r>
+                        <a:rPr lang="en" sz="1000">
+                          <a:latin typeface="Calibri"/>
+                          <a:ea typeface="Calibri"/>
+                          <a:cs typeface="Calibri"/>
+                          <a:sym typeface="Calibri"/>
+                        </a:rPr>
+                        <a:t>Granite 4.0 H-Small</a:t>
+                      </a:r>
+                      <a:endParaRPr sz="1000">
+                        <a:latin typeface="Calibri"/>
+                        <a:ea typeface="Calibri"/>
+                        <a:cs typeface="Calibri"/>
+                        <a:sym typeface="Calibri"/>
+                      </a:endParaRPr>
+                    </a:p>
+                  </a:txBody>
+                  <a:tcPr marL="9125" marR="9125" marT="9125" marB="9125">
+                    <a:lnL w="9525" cap="flat" cmpd="sng">
+                      <a:solidFill>
+                        <a:srgbClr val="FF0000"/>
+                      </a:solidFill>
+                      <a:prstDash val="solid"/>
+                      <a:round/>
+                      <a:headEnd type="none" w="sm" len="sm"/>
+                      <a:tailEnd type="none" w="sm" len="sm"/>
+                    </a:lnL>
+                    <a:lnR w="9525" cap="flat" cmpd="sng">
+                      <a:solidFill>
+                        <a:srgbClr val="FF0000"/>
+                      </a:solidFill>
+                      <a:prstDash val="solid"/>
+                      <a:round/>
+                      <a:headEnd type="none" w="sm" len="sm"/>
+                      <a:tailEnd type="none" w="sm" len="sm"/>
+                    </a:lnR>
+                    <a:lnT w="9525" cap="flat" cmpd="sng">
+                      <a:solidFill>
+                        <a:srgbClr val="FF0000"/>
+                      </a:solidFill>
+                      <a:prstDash val="solid"/>
+                      <a:round/>
+                      <a:headEnd type="none" w="sm" len="sm"/>
+                      <a:tailEnd type="none" w="sm" len="sm"/>
+                    </a:lnT>
+                    <a:lnB w="9525" cap="flat" cmpd="sng">
+                      <a:solidFill>
+                        <a:srgbClr val="FF0000"/>
+                      </a:solidFill>
+                      <a:prstDash val="solid"/>
+                      <a:round/>
+                      <a:headEnd type="none" w="sm" len="sm"/>
+                      <a:tailEnd type="none" w="sm" len="sm"/>
+                    </a:lnB>
+                  </a:tcPr>
+                </a:tc>
+                <a:tc>
+                  <a:txBody>
+                    <a:bodyPr/>
+                    <a:lstStyle/>
+                    <a:p>
+                      <a:pPr marL="0" lvl="0" indent="0" algn="l" rtl="0">
+                        <a:spcBef>
+                          <a:spcPts val="0"/>
+                        </a:spcBef>
+                        <a:spcAft>
+                          <a:spcPts val="0"/>
+                        </a:spcAft>
+                        <a:buNone/>
+                      </a:pPr>
+                      <a:r>
+                        <a:rPr lang="en" sz="1000">
+                          <a:latin typeface="Calibri"/>
+                          <a:ea typeface="Calibri"/>
+                          <a:cs typeface="Calibri"/>
+                          <a:sym typeface="Calibri"/>
+                        </a:rPr>
+                        <a:t>32B (9B active)</a:t>
+                      </a:r>
+                      <a:endParaRPr sz="1000">
+                        <a:latin typeface="Calibri"/>
+                        <a:ea typeface="Calibri"/>
+                        <a:cs typeface="Calibri"/>
+                        <a:sym typeface="Calibri"/>
+                      </a:endParaRPr>
+                    </a:p>
+                  </a:txBody>
+                  <a:tcPr marL="9125" marR="9125" marT="9125" marB="9125">
+                    <a:lnL w="9525" cap="flat" cmpd="sng">
+                      <a:solidFill>
+                        <a:srgbClr val="FF0000"/>
+                      </a:solidFill>
+                      <a:prstDash val="solid"/>
+                      <a:round/>
+                      <a:headEnd type="none" w="sm" len="sm"/>
+                      <a:tailEnd type="none" w="sm" len="sm"/>
+                    </a:lnL>
+                    <a:lnR w="9525" cap="flat" cmpd="sng">
+                      <a:solidFill>
+                        <a:srgbClr val="FF0000"/>
+                      </a:solidFill>
+                      <a:prstDash val="solid"/>
+                      <a:round/>
+                      <a:headEnd type="none" w="sm" len="sm"/>
+                      <a:tailEnd type="none" w="sm" len="sm"/>
+                    </a:lnR>
+                    <a:lnT w="9525" cap="flat" cmpd="sng">
+                      <a:solidFill>
+                        <a:srgbClr val="FF0000"/>
+                      </a:solidFill>
+                      <a:prstDash val="solid"/>
+                      <a:round/>
+                      <a:headEnd type="none" w="sm" len="sm"/>
+                      <a:tailEnd type="none" w="sm" len="sm"/>
+                    </a:lnT>
+                    <a:lnB w="9525" cap="flat" cmpd="sng">
+                      <a:solidFill>
+                        <a:srgbClr val="FF0000"/>
+                      </a:solidFill>
+                      <a:prstDash val="solid"/>
+                      <a:round/>
+                      <a:headEnd type="none" w="sm" len="sm"/>
+                      <a:tailEnd type="none" w="sm" len="sm"/>
+                    </a:lnB>
+                  </a:tcPr>
+                </a:tc>
+                <a:tc>
+                  <a:txBody>
+                    <a:bodyPr/>
+                    <a:lstStyle/>
+                    <a:p>
+                      <a:pPr marL="0" lvl="0" indent="0" algn="l" rtl="0">
+                        <a:spcBef>
+                          <a:spcPts val="0"/>
+                        </a:spcBef>
+                        <a:spcAft>
+                          <a:spcPts val="0"/>
+                        </a:spcAft>
+                        <a:buNone/>
+                      </a:pPr>
+                      <a:r>
+                        <a:rPr lang="en" sz="1000">
+                          <a:latin typeface="Calibri"/>
+                          <a:ea typeface="Calibri"/>
+                          <a:cs typeface="Calibri"/>
+                          <a:sym typeface="Calibri"/>
+                        </a:rPr>
+                        <a:t>Hybrid MoE</a:t>
+                      </a:r>
+                      <a:endParaRPr sz="1000">
+                        <a:latin typeface="Calibri"/>
+                        <a:ea typeface="Calibri"/>
+                        <a:cs typeface="Calibri"/>
+                        <a:sym typeface="Calibri"/>
+                      </a:endParaRPr>
+                    </a:p>
+                  </a:txBody>
+                  <a:tcPr marL="9125" marR="9125" marT="9125" marB="9125">
+                    <a:lnL w="9525" cap="flat" cmpd="sng">
+                      <a:solidFill>
+                        <a:srgbClr val="FF0000"/>
+                      </a:solidFill>
+                      <a:prstDash val="solid"/>
+                      <a:round/>
+                      <a:headEnd type="none" w="sm" len="sm"/>
+                      <a:tailEnd type="none" w="sm" len="sm"/>
+                    </a:lnL>
+                    <a:lnR w="9525" cap="flat" cmpd="sng">
+                      <a:solidFill>
+                        <a:srgbClr val="FF0000"/>
+                      </a:solidFill>
+                      <a:prstDash val="solid"/>
+                      <a:round/>
+                      <a:headEnd type="none" w="sm" len="sm"/>
+                      <a:tailEnd type="none" w="sm" len="sm"/>
+                    </a:lnR>
+                    <a:lnT w="9525" cap="flat" cmpd="sng">
+                      <a:solidFill>
+                        <a:srgbClr val="FF0000"/>
+                      </a:solidFill>
+                      <a:prstDash val="solid"/>
+                      <a:round/>
+                      <a:headEnd type="none" w="sm" len="sm"/>
+                      <a:tailEnd type="none" w="sm" len="sm"/>
+                    </a:lnT>
+                    <a:lnB w="9525" cap="flat" cmpd="sng">
+                      <a:solidFill>
+                        <a:srgbClr val="FF0000"/>
+                      </a:solidFill>
+                      <a:prstDash val="solid"/>
+                      <a:round/>
+                      <a:headEnd type="none" w="sm" len="sm"/>
+                      <a:tailEnd type="none" w="sm" len="sm"/>
+                    </a:lnB>
+                  </a:tcPr>
+                </a:tc>
+                <a:tc>
+                  <a:txBody>
+                    <a:bodyPr/>
+                    <a:lstStyle/>
+                    <a:p>
+                      <a:pPr marL="0" lvl="0" indent="0" algn="l" rtl="0">
+                        <a:spcBef>
+                          <a:spcPts val="0"/>
+                        </a:spcBef>
+                        <a:spcAft>
+                          <a:spcPts val="0"/>
+                        </a:spcAft>
+                        <a:buNone/>
+                      </a:pPr>
+                      <a:r>
+                        <a:rPr lang="en" sz="1000">
+                          <a:latin typeface="Calibri"/>
+                          <a:ea typeface="Calibri"/>
+                          <a:cs typeface="Calibri"/>
+                          <a:sym typeface="Calibri"/>
+                        </a:rPr>
+                        <a:t>8.3/10</a:t>
+                      </a:r>
+                      <a:endParaRPr sz="1000">
+                        <a:latin typeface="Calibri"/>
+                        <a:ea typeface="Calibri"/>
+                        <a:cs typeface="Calibri"/>
+                        <a:sym typeface="Calibri"/>
+                      </a:endParaRPr>
+                    </a:p>
+                  </a:txBody>
+                  <a:tcPr marL="9125" marR="9125" marT="9125" marB="9125">
+                    <a:lnL w="9525" cap="flat" cmpd="sng">
+                      <a:solidFill>
+                        <a:srgbClr val="FF0000"/>
+                      </a:solidFill>
+                      <a:prstDash val="solid"/>
+                      <a:round/>
+                      <a:headEnd type="none" w="sm" len="sm"/>
+                      <a:tailEnd type="none" w="sm" len="sm"/>
+                    </a:lnL>
+                    <a:lnR w="9525" cap="flat" cmpd="sng">
+                      <a:solidFill>
+                        <a:srgbClr val="FF0000"/>
+                      </a:solidFill>
+                      <a:prstDash val="solid"/>
+                      <a:round/>
+                      <a:headEnd type="none" w="sm" len="sm"/>
+                      <a:tailEnd type="none" w="sm" len="sm"/>
+                    </a:lnR>
+                    <a:lnT w="9525" cap="flat" cmpd="sng">
+                      <a:solidFill>
+                        <a:srgbClr val="FF0000"/>
+                      </a:solidFill>
+                      <a:prstDash val="solid"/>
+                      <a:round/>
+                      <a:headEnd type="none" w="sm" len="sm"/>
+                      <a:tailEnd type="none" w="sm" len="sm"/>
+                    </a:lnT>
+                    <a:lnB w="9525" cap="flat" cmpd="sng">
+                      <a:solidFill>
+                        <a:srgbClr val="FF0000"/>
+                      </a:solidFill>
+                      <a:prstDash val="solid"/>
+                      <a:round/>
+                      <a:headEnd type="none" w="sm" len="sm"/>
+                      <a:tailEnd type="none" w="sm" len="sm"/>
+                    </a:lnB>
+                  </a:tcPr>
+                </a:tc>
+                <a:tc>
+                  <a:txBody>
+                    <a:bodyPr/>
+                    <a:lstStyle/>
+                    <a:p>
+                      <a:pPr marL="0" lvl="0" indent="0" algn="l" rtl="0">
+                        <a:spcBef>
+                          <a:spcPts val="0"/>
+                        </a:spcBef>
+                        <a:spcAft>
+                          <a:spcPts val="0"/>
+                        </a:spcAft>
+                        <a:buNone/>
+                      </a:pPr>
+                      <a:r>
+                        <a:rPr lang="en" sz="1000">
+                          <a:latin typeface="Calibri"/>
+                          <a:ea typeface="Calibri"/>
+                          <a:cs typeface="Calibri"/>
+                          <a:sym typeface="Calibri"/>
+                        </a:rPr>
+                        <a:t>~64GB (FP16), ~16GB (4-bit)</a:t>
+                      </a:r>
+                      <a:endParaRPr sz="1000">
+                        <a:latin typeface="Calibri"/>
+                        <a:ea typeface="Calibri"/>
+                        <a:cs typeface="Calibri"/>
+                        <a:sym typeface="Calibri"/>
+                      </a:endParaRPr>
+                    </a:p>
+                  </a:txBody>
+                  <a:tcPr marL="9125" marR="9125" marT="9125" marB="9125">
+                    <a:lnL w="9525" cap="flat" cmpd="sng">
+                      <a:solidFill>
+                        <a:srgbClr val="FF0000"/>
+                      </a:solidFill>
+                      <a:prstDash val="solid"/>
+                      <a:round/>
+                      <a:headEnd type="none" w="sm" len="sm"/>
+                      <a:tailEnd type="none" w="sm" len="sm"/>
+                    </a:lnL>
+                    <a:lnR w="9525" cap="flat" cmpd="sng">
+                      <a:solidFill>
+                        <a:srgbClr val="FF0000"/>
+                      </a:solidFill>
+                      <a:prstDash val="solid"/>
+                      <a:round/>
+                      <a:headEnd type="none" w="sm" len="sm"/>
+                      <a:tailEnd type="none" w="sm" len="sm"/>
+                    </a:lnR>
+                    <a:lnT w="9525" cap="flat" cmpd="sng">
+                      <a:solidFill>
+                        <a:srgbClr val="FF0000"/>
+                      </a:solidFill>
+                      <a:prstDash val="solid"/>
+                      <a:round/>
+                      <a:headEnd type="none" w="sm" len="sm"/>
+                      <a:tailEnd type="none" w="sm" len="sm"/>
+                    </a:lnT>
+                    <a:lnB w="9525" cap="flat" cmpd="sng">
+                      <a:solidFill>
+                        <a:srgbClr val="FF0000"/>
+                      </a:solidFill>
+                      <a:prstDash val="solid"/>
+                      <a:round/>
+                      <a:headEnd type="none" w="sm" len="sm"/>
+                      <a:tailEnd type="none" w="sm" len="sm"/>
+                    </a:lnB>
+                  </a:tcPr>
+                </a:tc>
+                <a:extLst>
+                  <a:ext uri="{0D108BD9-81ED-4DB2-BD59-A6C34878D82A}">
+                    <a16:rowId xmlns:a16="http://schemas.microsoft.com/office/drawing/2014/main" val="10006"/>
+                  </a:ext>
+                </a:extLst>
+              </a:tr>
+              <a:tr h="151075">
                 <a:tc>
                   <a:txBody>
                     <a:bodyPr/>
@@ -43564,7 +46030,7 @@
                       </a:endParaRPr>
                     </a:p>
                   </a:txBody>
-                  <a:tcPr marL="18275" marR="18275" marT="18275" marB="18275">
+                  <a:tcPr marL="9125" marR="9125" marT="9125" marB="9125">
                     <a:lnL w="9525" cap="flat" cmpd="sng">
                       <a:solidFill>
                         <a:srgbClr val="FF0000"/>
@@ -43601,9 +46067,6 @@
                       <a:headEnd type="none" w="sm" len="sm"/>
                       <a:tailEnd type="none" w="sm" len="sm"/>
                     </a:lnB>
-                    <a:solidFill>
-                      <a:srgbClr val="FFF2CC"/>
-                    </a:solidFill>
                   </a:tcPr>
                 </a:tc>
                 <a:tc>
@@ -43637,7 +46100,7 @@
                       </a:endParaRPr>
                     </a:p>
                   </a:txBody>
-                  <a:tcPr marL="18275" marR="18275" marT="18275" marB="18275">
+                  <a:tcPr marL="9125" marR="9125" marT="9125" marB="9125">
                     <a:lnL w="9525" cap="flat" cmpd="sng">
                       <a:solidFill>
                         <a:srgbClr val="FF0000"/>
@@ -43674,9 +46137,6 @@
                       <a:headEnd type="none" w="sm" len="sm"/>
                       <a:tailEnd type="none" w="sm" len="sm"/>
                     </a:lnB>
-                    <a:solidFill>
-                      <a:srgbClr val="FFF2CC"/>
-                    </a:solidFill>
                   </a:tcPr>
                 </a:tc>
                 <a:tc>
@@ -43710,7 +46170,7 @@
                       </a:endParaRPr>
                     </a:p>
                   </a:txBody>
-                  <a:tcPr marL="18275" marR="18275" marT="18275" marB="18275">
+                  <a:tcPr marL="9125" marR="9125" marT="9125" marB="9125">
                     <a:lnL w="9525" cap="flat" cmpd="sng">
                       <a:solidFill>
                         <a:srgbClr val="FF0000"/>
@@ -43747,9 +46207,6 @@
                       <a:headEnd type="none" w="sm" len="sm"/>
                       <a:tailEnd type="none" w="sm" len="sm"/>
                     </a:lnB>
-                    <a:solidFill>
-                      <a:srgbClr val="FFF2CC"/>
-                    </a:solidFill>
                   </a:tcPr>
                 </a:tc>
                 <a:tc>
@@ -43783,7 +46240,7 @@
                       </a:endParaRPr>
                     </a:p>
                   </a:txBody>
-                  <a:tcPr marL="18275" marR="18275" marT="18275" marB="18275">
+                  <a:tcPr marL="9125" marR="9125" marT="9125" marB="9125">
                     <a:lnL w="9525" cap="flat" cmpd="sng">
                       <a:solidFill>
                         <a:srgbClr val="FF0000"/>
@@ -43820,9 +46277,6 @@
                       <a:headEnd type="none" w="sm" len="sm"/>
                       <a:tailEnd type="none" w="sm" len="sm"/>
                     </a:lnB>
-                    <a:solidFill>
-                      <a:srgbClr val="FFF2CC"/>
-                    </a:solidFill>
                   </a:tcPr>
                 </a:tc>
                 <a:tc>
@@ -43856,7 +46310,7 @@
                       </a:endParaRPr>
                     </a:p>
                   </a:txBody>
-                  <a:tcPr marL="18275" marR="18275" marT="18275" marB="18275">
+                  <a:tcPr marL="9125" marR="9125" marT="9125" marB="9125">
                     <a:lnL w="9525" cap="flat" cmpd="sng">
                       <a:solidFill>
                         <a:srgbClr val="FF0000"/>
@@ -43893,18 +46347,15 @@
                       <a:headEnd type="none" w="sm" len="sm"/>
                       <a:tailEnd type="none" w="sm" len="sm"/>
                     </a:lnB>
-                    <a:solidFill>
-                      <a:srgbClr val="FFF2CC"/>
-                    </a:solidFill>
                   </a:tcPr>
                 </a:tc>
                 <a:extLst>
                   <a:ext uri="{0D108BD9-81ED-4DB2-BD59-A6C34878D82A}">
-                    <a16:rowId xmlns:a16="http://schemas.microsoft.com/office/drawing/2014/main" val="10006"/>
+                    <a16:rowId xmlns:a16="http://schemas.microsoft.com/office/drawing/2014/main" val="10007"/>
                   </a:ext>
                 </a:extLst>
               </a:tr>
-              <a:tr h="97300">
+              <a:tr h="151075">
                 <a:tc>
                   <a:txBody>
                     <a:bodyPr/>
@@ -43936,7 +46387,7 @@
                       </a:endParaRPr>
                     </a:p>
                   </a:txBody>
-                  <a:tcPr marL="18275" marR="18275" marT="18275" marB="18275">
+                  <a:tcPr marL="9125" marR="9125" marT="9125" marB="9125">
                     <a:lnL w="9525" cap="flat" cmpd="sng">
                       <a:solidFill>
                         <a:srgbClr val="FF0000"/>
@@ -43973,9 +46424,6 @@
                       <a:headEnd type="none" w="sm" len="sm"/>
                       <a:tailEnd type="none" w="sm" len="sm"/>
                     </a:lnB>
-                    <a:solidFill>
-                      <a:srgbClr val="FFF2CC"/>
-                    </a:solidFill>
                   </a:tcPr>
                 </a:tc>
                 <a:tc>
@@ -44009,7 +46457,7 @@
                       </a:endParaRPr>
                     </a:p>
                   </a:txBody>
-                  <a:tcPr marL="18275" marR="18275" marT="18275" marB="18275">
+                  <a:tcPr marL="9125" marR="9125" marT="9125" marB="9125">
                     <a:lnL w="9525" cap="flat" cmpd="sng">
                       <a:solidFill>
                         <a:srgbClr val="FF0000"/>
@@ -44046,9 +46494,6 @@
                       <a:headEnd type="none" w="sm" len="sm"/>
                       <a:tailEnd type="none" w="sm" len="sm"/>
                     </a:lnB>
-                    <a:solidFill>
-                      <a:srgbClr val="FFF2CC"/>
-                    </a:solidFill>
                   </a:tcPr>
                 </a:tc>
                 <a:tc>
@@ -44082,7 +46527,7 @@
                       </a:endParaRPr>
                     </a:p>
                   </a:txBody>
-                  <a:tcPr marL="18275" marR="18275" marT="18275" marB="18275">
+                  <a:tcPr marL="9125" marR="9125" marT="9125" marB="9125">
                     <a:lnL w="9525" cap="flat" cmpd="sng">
                       <a:solidFill>
                         <a:srgbClr val="FF0000"/>
@@ -44119,9 +46564,6 @@
                       <a:headEnd type="none" w="sm" len="sm"/>
                       <a:tailEnd type="none" w="sm" len="sm"/>
                     </a:lnB>
-                    <a:solidFill>
-                      <a:srgbClr val="FFF2CC"/>
-                    </a:solidFill>
                   </a:tcPr>
                 </a:tc>
                 <a:tc>
@@ -44155,7 +46597,7 @@
                       </a:endParaRPr>
                     </a:p>
                   </a:txBody>
-                  <a:tcPr marL="18275" marR="18275" marT="18275" marB="18275">
+                  <a:tcPr marL="9125" marR="9125" marT="9125" marB="9125">
                     <a:lnL w="9525" cap="flat" cmpd="sng">
                       <a:solidFill>
                         <a:srgbClr val="FF0000"/>
@@ -44192,9 +46634,6 @@
                       <a:headEnd type="none" w="sm" len="sm"/>
                       <a:tailEnd type="none" w="sm" len="sm"/>
                     </a:lnB>
-                    <a:solidFill>
-                      <a:srgbClr val="FFF2CC"/>
-                    </a:solidFill>
                   </a:tcPr>
                 </a:tc>
                 <a:tc>
@@ -44228,7 +46667,7 @@
                       </a:endParaRPr>
                     </a:p>
                   </a:txBody>
-                  <a:tcPr marL="18275" marR="18275" marT="18275" marB="18275">
+                  <a:tcPr marL="9125" marR="9125" marT="9125" marB="9125">
                     <a:lnL w="9525" cap="flat" cmpd="sng">
                       <a:solidFill>
                         <a:srgbClr val="FF0000"/>
@@ -44265,18 +46704,15 @@
                       <a:headEnd type="none" w="sm" len="sm"/>
                       <a:tailEnd type="none" w="sm" len="sm"/>
                     </a:lnB>
-                    <a:solidFill>
-                      <a:srgbClr val="FFF2CC"/>
-                    </a:solidFill>
                   </a:tcPr>
                 </a:tc>
                 <a:extLst>
                   <a:ext uri="{0D108BD9-81ED-4DB2-BD59-A6C34878D82A}">
-                    <a16:rowId xmlns:a16="http://schemas.microsoft.com/office/drawing/2014/main" val="10007"/>
+                    <a16:rowId xmlns:a16="http://schemas.microsoft.com/office/drawing/2014/main" val="10008"/>
                   </a:ext>
                 </a:extLst>
               </a:tr>
-              <a:tr h="97300">
+              <a:tr h="151075">
                 <a:tc>
                   <a:txBody>
                     <a:bodyPr/>
@@ -44308,7 +46744,7 @@
                       </a:endParaRPr>
                     </a:p>
                   </a:txBody>
-                  <a:tcPr marL="18275" marR="18275" marT="18275" marB="18275">
+                  <a:tcPr marL="9125" marR="9125" marT="9125" marB="9125">
                     <a:lnL w="9525" cap="flat" cmpd="sng">
                       <a:solidFill>
                         <a:srgbClr val="FF0000"/>
@@ -44345,9 +46781,6 @@
                       <a:headEnd type="none" w="sm" len="sm"/>
                       <a:tailEnd type="none" w="sm" len="sm"/>
                     </a:lnB>
-                    <a:solidFill>
-                      <a:srgbClr val="FFF2CC"/>
-                    </a:solidFill>
                   </a:tcPr>
                 </a:tc>
                 <a:tc>
@@ -44381,7 +46814,7 @@
                       </a:endParaRPr>
                     </a:p>
                   </a:txBody>
-                  <a:tcPr marL="18275" marR="18275" marT="18275" marB="18275">
+                  <a:tcPr marL="9125" marR="9125" marT="9125" marB="9125">
                     <a:lnL w="9525" cap="flat" cmpd="sng">
                       <a:solidFill>
                         <a:srgbClr val="FF0000"/>
@@ -44418,9 +46851,6 @@
                       <a:headEnd type="none" w="sm" len="sm"/>
                       <a:tailEnd type="none" w="sm" len="sm"/>
                     </a:lnB>
-                    <a:solidFill>
-                      <a:srgbClr val="FFF2CC"/>
-                    </a:solidFill>
                   </a:tcPr>
                 </a:tc>
                 <a:tc>
@@ -44454,7 +46884,7 @@
                       </a:endParaRPr>
                     </a:p>
                   </a:txBody>
-                  <a:tcPr marL="18275" marR="18275" marT="18275" marB="18275">
+                  <a:tcPr marL="9125" marR="9125" marT="9125" marB="9125">
                     <a:lnL w="9525" cap="flat" cmpd="sng">
                       <a:solidFill>
                         <a:srgbClr val="FF0000"/>
@@ -44491,9 +46921,6 @@
                       <a:headEnd type="none" w="sm" len="sm"/>
                       <a:tailEnd type="none" w="sm" len="sm"/>
                     </a:lnB>
-                    <a:solidFill>
-                      <a:srgbClr val="FFF2CC"/>
-                    </a:solidFill>
                   </a:tcPr>
                 </a:tc>
                 <a:tc>
@@ -44527,7 +46954,7 @@
                       </a:endParaRPr>
                     </a:p>
                   </a:txBody>
-                  <a:tcPr marL="18275" marR="18275" marT="18275" marB="18275">
+                  <a:tcPr marL="9125" marR="9125" marT="9125" marB="9125">
                     <a:lnL w="9525" cap="flat" cmpd="sng">
                       <a:solidFill>
                         <a:srgbClr val="FF0000"/>
@@ -44564,9 +46991,6 @@
                       <a:headEnd type="none" w="sm" len="sm"/>
                       <a:tailEnd type="none" w="sm" len="sm"/>
                     </a:lnB>
-                    <a:solidFill>
-                      <a:srgbClr val="FFF2CC"/>
-                    </a:solidFill>
                   </a:tcPr>
                 </a:tc>
                 <a:tc>
@@ -44600,7 +47024,7 @@
                       </a:endParaRPr>
                     </a:p>
                   </a:txBody>
-                  <a:tcPr marL="18275" marR="18275" marT="18275" marB="18275">
+                  <a:tcPr marL="9125" marR="9125" marT="9125" marB="9125">
                     <a:lnL w="9525" cap="flat" cmpd="sng">
                       <a:solidFill>
                         <a:srgbClr val="FF0000"/>
@@ -44637,18 +47061,15 @@
                       <a:headEnd type="none" w="sm" len="sm"/>
                       <a:tailEnd type="none" w="sm" len="sm"/>
                     </a:lnB>
-                    <a:solidFill>
-                      <a:srgbClr val="FFF2CC"/>
-                    </a:solidFill>
                   </a:tcPr>
                 </a:tc>
                 <a:extLst>
                   <a:ext uri="{0D108BD9-81ED-4DB2-BD59-A6C34878D82A}">
-                    <a16:rowId xmlns:a16="http://schemas.microsoft.com/office/drawing/2014/main" val="10008"/>
+                    <a16:rowId xmlns:a16="http://schemas.microsoft.com/office/drawing/2014/main" val="10009"/>
                   </a:ext>
                 </a:extLst>
               </a:tr>
-              <a:tr h="97300">
+              <a:tr h="151075">
                 <a:tc>
                   <a:txBody>
                     <a:bodyPr/>
@@ -44680,7 +47101,7 @@
                       </a:endParaRPr>
                     </a:p>
                   </a:txBody>
-                  <a:tcPr marL="18275" marR="18275" marT="18275" marB="18275">
+                  <a:tcPr marL="9125" marR="9125" marT="9125" marB="9125">
                     <a:lnL w="9525" cap="flat" cmpd="sng">
                       <a:solidFill>
                         <a:srgbClr val="FF0000"/>
@@ -44717,9 +47138,6 @@
                       <a:headEnd type="none" w="sm" len="sm"/>
                       <a:tailEnd type="none" w="sm" len="sm"/>
                     </a:lnB>
-                    <a:solidFill>
-                      <a:srgbClr val="FFF2CC"/>
-                    </a:solidFill>
                   </a:tcPr>
                 </a:tc>
                 <a:tc>
@@ -44753,7 +47171,7 @@
                       </a:endParaRPr>
                     </a:p>
                   </a:txBody>
-                  <a:tcPr marL="18275" marR="18275" marT="18275" marB="18275">
+                  <a:tcPr marL="9125" marR="9125" marT="9125" marB="9125">
                     <a:lnL w="9525" cap="flat" cmpd="sng">
                       <a:solidFill>
                         <a:srgbClr val="FF0000"/>
@@ -44790,9 +47208,6 @@
                       <a:headEnd type="none" w="sm" len="sm"/>
                       <a:tailEnd type="none" w="sm" len="sm"/>
                     </a:lnB>
-                    <a:solidFill>
-                      <a:srgbClr val="FFF2CC"/>
-                    </a:solidFill>
                   </a:tcPr>
                 </a:tc>
                 <a:tc>
@@ -44826,7 +47241,7 @@
                       </a:endParaRPr>
                     </a:p>
                   </a:txBody>
-                  <a:tcPr marL="18275" marR="18275" marT="18275" marB="18275">
+                  <a:tcPr marL="9125" marR="9125" marT="9125" marB="9125">
                     <a:lnL w="9525" cap="flat" cmpd="sng">
                       <a:solidFill>
                         <a:srgbClr val="FF0000"/>
@@ -44863,9 +47278,6 @@
                       <a:headEnd type="none" w="sm" len="sm"/>
                       <a:tailEnd type="none" w="sm" len="sm"/>
                     </a:lnB>
-                    <a:solidFill>
-                      <a:srgbClr val="FFF2CC"/>
-                    </a:solidFill>
                   </a:tcPr>
                 </a:tc>
                 <a:tc>
@@ -44899,7 +47311,7 @@
                       </a:endParaRPr>
                     </a:p>
                   </a:txBody>
-                  <a:tcPr marL="18275" marR="18275" marT="18275" marB="18275">
+                  <a:tcPr marL="9125" marR="9125" marT="9125" marB="9125">
                     <a:lnL w="9525" cap="flat" cmpd="sng">
                       <a:solidFill>
                         <a:srgbClr val="FF0000"/>
@@ -44936,9 +47348,6 @@
                       <a:headEnd type="none" w="sm" len="sm"/>
                       <a:tailEnd type="none" w="sm" len="sm"/>
                     </a:lnB>
-                    <a:solidFill>
-                      <a:srgbClr val="FFF2CC"/>
-                    </a:solidFill>
                   </a:tcPr>
                 </a:tc>
                 <a:tc>
@@ -44972,7 +47381,7 @@
                       </a:endParaRPr>
                     </a:p>
                   </a:txBody>
-                  <a:tcPr marL="18275" marR="18275" marT="18275" marB="18275">
+                  <a:tcPr marL="9125" marR="9125" marT="9125" marB="9125">
                     <a:lnL w="9525" cap="flat" cmpd="sng">
                       <a:solidFill>
                         <a:srgbClr val="FF0000"/>
@@ -45009,18 +47418,15 @@
                       <a:headEnd type="none" w="sm" len="sm"/>
                       <a:tailEnd type="none" w="sm" len="sm"/>
                     </a:lnB>
-                    <a:solidFill>
-                      <a:srgbClr val="FFF2CC"/>
-                    </a:solidFill>
                   </a:tcPr>
                 </a:tc>
                 <a:extLst>
                   <a:ext uri="{0D108BD9-81ED-4DB2-BD59-A6C34878D82A}">
-                    <a16:rowId xmlns:a16="http://schemas.microsoft.com/office/drawing/2014/main" val="10009"/>
+                    <a16:rowId xmlns:a16="http://schemas.microsoft.com/office/drawing/2014/main" val="10010"/>
                   </a:ext>
                 </a:extLst>
               </a:tr>
-              <a:tr h="97300">
+              <a:tr h="151075">
                 <a:tc>
                   <a:txBody>
                     <a:bodyPr/>
@@ -45052,7 +47458,7 @@
                       </a:endParaRPr>
                     </a:p>
                   </a:txBody>
-                  <a:tcPr marL="18275" marR="18275" marT="18275" marB="18275">
+                  <a:tcPr marL="9125" marR="9125" marT="9125" marB="9125">
                     <a:lnL w="9525" cap="flat" cmpd="sng">
                       <a:solidFill>
                         <a:srgbClr val="FF0000"/>
@@ -45089,9 +47495,6 @@
                       <a:headEnd type="none" w="sm" len="sm"/>
                       <a:tailEnd type="none" w="sm" len="sm"/>
                     </a:lnB>
-                    <a:solidFill>
-                      <a:srgbClr val="FFF2CC"/>
-                    </a:solidFill>
                   </a:tcPr>
                 </a:tc>
                 <a:tc>
@@ -45125,7 +47528,7 @@
                       </a:endParaRPr>
                     </a:p>
                   </a:txBody>
-                  <a:tcPr marL="18275" marR="18275" marT="18275" marB="18275">
+                  <a:tcPr marL="9125" marR="9125" marT="9125" marB="9125">
                     <a:lnL w="9525" cap="flat" cmpd="sng">
                       <a:solidFill>
                         <a:srgbClr val="FF0000"/>
@@ -45162,9 +47565,6 @@
                       <a:headEnd type="none" w="sm" len="sm"/>
                       <a:tailEnd type="none" w="sm" len="sm"/>
                     </a:lnB>
-                    <a:solidFill>
-                      <a:srgbClr val="FFF2CC"/>
-                    </a:solidFill>
                   </a:tcPr>
                 </a:tc>
                 <a:tc>
@@ -45198,7 +47598,7 @@
                       </a:endParaRPr>
                     </a:p>
                   </a:txBody>
-                  <a:tcPr marL="18275" marR="18275" marT="18275" marB="18275">
+                  <a:tcPr marL="9125" marR="9125" marT="9125" marB="9125">
                     <a:lnL w="9525" cap="flat" cmpd="sng">
                       <a:solidFill>
                         <a:srgbClr val="FF0000"/>
@@ -45235,9 +47635,6 @@
                       <a:headEnd type="none" w="sm" len="sm"/>
                       <a:tailEnd type="none" w="sm" len="sm"/>
                     </a:lnB>
-                    <a:solidFill>
-                      <a:srgbClr val="FFF2CC"/>
-                    </a:solidFill>
                   </a:tcPr>
                 </a:tc>
                 <a:tc>
@@ -45271,7 +47668,7 @@
                       </a:endParaRPr>
                     </a:p>
                   </a:txBody>
-                  <a:tcPr marL="18275" marR="18275" marT="18275" marB="18275">
+                  <a:tcPr marL="9125" marR="9125" marT="9125" marB="9125">
                     <a:lnL w="9525" cap="flat" cmpd="sng">
                       <a:solidFill>
                         <a:srgbClr val="FF0000"/>
@@ -45308,9 +47705,6 @@
                       <a:headEnd type="none" w="sm" len="sm"/>
                       <a:tailEnd type="none" w="sm" len="sm"/>
                     </a:lnB>
-                    <a:solidFill>
-                      <a:srgbClr val="FFF2CC"/>
-                    </a:solidFill>
                   </a:tcPr>
                 </a:tc>
                 <a:tc>
@@ -45344,7 +47738,7 @@
                       </a:endParaRPr>
                     </a:p>
                   </a:txBody>
-                  <a:tcPr marL="18275" marR="18275" marT="18275" marB="18275">
+                  <a:tcPr marL="9125" marR="9125" marT="9125" marB="9125">
                     <a:lnL w="9525" cap="flat" cmpd="sng">
                       <a:solidFill>
                         <a:srgbClr val="FF0000"/>
@@ -45381,18 +47775,15 @@
                       <a:headEnd type="none" w="sm" len="sm"/>
                       <a:tailEnd type="none" w="sm" len="sm"/>
                     </a:lnB>
-                    <a:solidFill>
-                      <a:srgbClr val="FFF2CC"/>
-                    </a:solidFill>
                   </a:tcPr>
                 </a:tc>
                 <a:extLst>
                   <a:ext uri="{0D108BD9-81ED-4DB2-BD59-A6C34878D82A}">
-                    <a16:rowId xmlns:a16="http://schemas.microsoft.com/office/drawing/2014/main" val="10010"/>
+                    <a16:rowId xmlns:a16="http://schemas.microsoft.com/office/drawing/2014/main" val="10011"/>
                   </a:ext>
                 </a:extLst>
               </a:tr>
-              <a:tr h="97300">
+              <a:tr h="151075">
                 <a:tc>
                   <a:txBody>
                     <a:bodyPr/>
@@ -45424,7 +47815,7 @@
                       </a:endParaRPr>
                     </a:p>
                   </a:txBody>
-                  <a:tcPr marL="18275" marR="18275" marT="18275" marB="18275">
+                  <a:tcPr marL="9125" marR="9125" marT="9125" marB="9125">
                     <a:lnL w="9525" cap="flat" cmpd="sng">
                       <a:solidFill>
                         <a:srgbClr val="FF0000"/>
@@ -45461,9 +47852,6 @@
                       <a:headEnd type="none" w="sm" len="sm"/>
                       <a:tailEnd type="none" w="sm" len="sm"/>
                     </a:lnB>
-                    <a:solidFill>
-                      <a:srgbClr val="FFF2CC"/>
-                    </a:solidFill>
                   </a:tcPr>
                 </a:tc>
                 <a:tc>
@@ -45497,7 +47885,7 @@
                       </a:endParaRPr>
                     </a:p>
                   </a:txBody>
-                  <a:tcPr marL="18275" marR="18275" marT="18275" marB="18275">
+                  <a:tcPr marL="9125" marR="9125" marT="9125" marB="9125">
                     <a:lnL w="9525" cap="flat" cmpd="sng">
                       <a:solidFill>
                         <a:srgbClr val="FF0000"/>
@@ -45534,9 +47922,6 @@
                       <a:headEnd type="none" w="sm" len="sm"/>
                       <a:tailEnd type="none" w="sm" len="sm"/>
                     </a:lnB>
-                    <a:solidFill>
-                      <a:srgbClr val="FFF2CC"/>
-                    </a:solidFill>
                   </a:tcPr>
                 </a:tc>
                 <a:tc>
@@ -45570,7 +47955,7 @@
                       </a:endParaRPr>
                     </a:p>
                   </a:txBody>
-                  <a:tcPr marL="18275" marR="18275" marT="18275" marB="18275">
+                  <a:tcPr marL="9125" marR="9125" marT="9125" marB="9125">
                     <a:lnL w="9525" cap="flat" cmpd="sng">
                       <a:solidFill>
                         <a:srgbClr val="FF0000"/>
@@ -45607,9 +47992,6 @@
                       <a:headEnd type="none" w="sm" len="sm"/>
                       <a:tailEnd type="none" w="sm" len="sm"/>
                     </a:lnB>
-                    <a:solidFill>
-                      <a:srgbClr val="FFF2CC"/>
-                    </a:solidFill>
                   </a:tcPr>
                 </a:tc>
                 <a:tc>
@@ -45643,7 +48025,7 @@
                       </a:endParaRPr>
                     </a:p>
                   </a:txBody>
-                  <a:tcPr marL="18275" marR="18275" marT="18275" marB="18275">
+                  <a:tcPr marL="9125" marR="9125" marT="9125" marB="9125">
                     <a:lnL w="9525" cap="flat" cmpd="sng">
                       <a:solidFill>
                         <a:srgbClr val="FF0000"/>
@@ -45680,9 +48062,6 @@
                       <a:headEnd type="none" w="sm" len="sm"/>
                       <a:tailEnd type="none" w="sm" len="sm"/>
                     </a:lnB>
-                    <a:solidFill>
-                      <a:srgbClr val="FFF2CC"/>
-                    </a:solidFill>
                   </a:tcPr>
                 </a:tc>
                 <a:tc>
@@ -45716,7 +48095,7 @@
                       </a:endParaRPr>
                     </a:p>
                   </a:txBody>
-                  <a:tcPr marL="18275" marR="18275" marT="18275" marB="18275">
+                  <a:tcPr marL="9125" marR="9125" marT="9125" marB="9125">
                     <a:lnL w="9525" cap="flat" cmpd="sng">
                       <a:solidFill>
                         <a:srgbClr val="FF0000"/>
@@ -45753,18 +48132,15 @@
                       <a:headEnd type="none" w="sm" len="sm"/>
                       <a:tailEnd type="none" w="sm" len="sm"/>
                     </a:lnB>
-                    <a:solidFill>
-                      <a:srgbClr val="FFF2CC"/>
-                    </a:solidFill>
                   </a:tcPr>
                 </a:tc>
                 <a:extLst>
                   <a:ext uri="{0D108BD9-81ED-4DB2-BD59-A6C34878D82A}">
-                    <a16:rowId xmlns:a16="http://schemas.microsoft.com/office/drawing/2014/main" val="10011"/>
+                    <a16:rowId xmlns:a16="http://schemas.microsoft.com/office/drawing/2014/main" val="10012"/>
                   </a:ext>
                 </a:extLst>
               </a:tr>
-              <a:tr h="97300">
+              <a:tr h="151075">
                 <a:tc>
                   <a:txBody>
                     <a:bodyPr/>
@@ -45796,7 +48172,7 @@
                       </a:endParaRPr>
                     </a:p>
                   </a:txBody>
-                  <a:tcPr marL="18275" marR="18275" marT="18275" marB="18275">
+                  <a:tcPr marL="9125" marR="9125" marT="9125" marB="9125">
                     <a:lnL w="9525" cap="flat" cmpd="sng">
                       <a:solidFill>
                         <a:srgbClr val="FF0000"/>
@@ -45833,9 +48209,6 @@
                       <a:headEnd type="none" w="sm" len="sm"/>
                       <a:tailEnd type="none" w="sm" len="sm"/>
                     </a:lnB>
-                    <a:solidFill>
-                      <a:srgbClr val="FFF2CC"/>
-                    </a:solidFill>
                   </a:tcPr>
                 </a:tc>
                 <a:tc>
@@ -45869,7 +48242,7 @@
                       </a:endParaRPr>
                     </a:p>
                   </a:txBody>
-                  <a:tcPr marL="18275" marR="18275" marT="18275" marB="18275">
+                  <a:tcPr marL="9125" marR="9125" marT="9125" marB="9125">
                     <a:lnL w="9525" cap="flat" cmpd="sng">
                       <a:solidFill>
                         <a:srgbClr val="FF0000"/>
@@ -45906,9 +48279,6 @@
                       <a:headEnd type="none" w="sm" len="sm"/>
                       <a:tailEnd type="none" w="sm" len="sm"/>
                     </a:lnB>
-                    <a:solidFill>
-                      <a:srgbClr val="FFF2CC"/>
-                    </a:solidFill>
                   </a:tcPr>
                 </a:tc>
                 <a:tc>
@@ -45942,7 +48312,7 @@
                       </a:endParaRPr>
                     </a:p>
                   </a:txBody>
-                  <a:tcPr marL="18275" marR="18275" marT="18275" marB="18275">
+                  <a:tcPr marL="9125" marR="9125" marT="9125" marB="9125">
                     <a:lnL w="9525" cap="flat" cmpd="sng">
                       <a:solidFill>
                         <a:srgbClr val="FF0000"/>
@@ -45979,9 +48349,6 @@
                       <a:headEnd type="none" w="sm" len="sm"/>
                       <a:tailEnd type="none" w="sm" len="sm"/>
                     </a:lnB>
-                    <a:solidFill>
-                      <a:srgbClr val="FFF2CC"/>
-                    </a:solidFill>
                   </a:tcPr>
                 </a:tc>
                 <a:tc>
@@ -46015,7 +48382,7 @@
                       </a:endParaRPr>
                     </a:p>
                   </a:txBody>
-                  <a:tcPr marL="18275" marR="18275" marT="18275" marB="18275">
+                  <a:tcPr marL="9125" marR="9125" marT="9125" marB="9125">
                     <a:lnL w="9525" cap="flat" cmpd="sng">
                       <a:solidFill>
                         <a:srgbClr val="FF0000"/>
@@ -46052,9 +48419,6 @@
                       <a:headEnd type="none" w="sm" len="sm"/>
                       <a:tailEnd type="none" w="sm" len="sm"/>
                     </a:lnB>
-                    <a:solidFill>
-                      <a:srgbClr val="FFF2CC"/>
-                    </a:solidFill>
                   </a:tcPr>
                 </a:tc>
                 <a:tc>
@@ -46088,7 +48452,7 @@
                       </a:endParaRPr>
                     </a:p>
                   </a:txBody>
-                  <a:tcPr marL="18275" marR="18275" marT="18275" marB="18275">
+                  <a:tcPr marL="9125" marR="9125" marT="9125" marB="9125">
                     <a:lnL w="9525" cap="flat" cmpd="sng">
                       <a:solidFill>
                         <a:srgbClr val="FF0000"/>
@@ -46125,18 +48489,15 @@
                       <a:headEnd type="none" w="sm" len="sm"/>
                       <a:tailEnd type="none" w="sm" len="sm"/>
                     </a:lnB>
-                    <a:solidFill>
-                      <a:srgbClr val="FFF2CC"/>
-                    </a:solidFill>
                   </a:tcPr>
                 </a:tc>
                 <a:extLst>
                   <a:ext uri="{0D108BD9-81ED-4DB2-BD59-A6C34878D82A}">
-                    <a16:rowId xmlns:a16="http://schemas.microsoft.com/office/drawing/2014/main" val="10012"/>
+                    <a16:rowId xmlns:a16="http://schemas.microsoft.com/office/drawing/2014/main" val="10013"/>
                   </a:ext>
                 </a:extLst>
               </a:tr>
-              <a:tr h="97300">
+              <a:tr h="151075">
                 <a:tc>
                   <a:txBody>
                     <a:bodyPr/>
@@ -46168,7 +48529,7 @@
                       </a:endParaRPr>
                     </a:p>
                   </a:txBody>
-                  <a:tcPr marL="18275" marR="18275" marT="18275" marB="18275">
+                  <a:tcPr marL="9125" marR="9125" marT="9125" marB="9125">
                     <a:lnL w="9525" cap="flat" cmpd="sng">
                       <a:solidFill>
                         <a:srgbClr val="FF0000"/>
@@ -46205,9 +48566,6 @@
                       <a:headEnd type="none" w="sm" len="sm"/>
                       <a:tailEnd type="none" w="sm" len="sm"/>
                     </a:lnB>
-                    <a:solidFill>
-                      <a:srgbClr val="FFF2CC"/>
-                    </a:solidFill>
                   </a:tcPr>
                 </a:tc>
                 <a:tc>
@@ -46241,7 +48599,7 @@
                       </a:endParaRPr>
                     </a:p>
                   </a:txBody>
-                  <a:tcPr marL="18275" marR="18275" marT="18275" marB="18275">
+                  <a:tcPr marL="9125" marR="9125" marT="9125" marB="9125">
                     <a:lnL w="9525" cap="flat" cmpd="sng">
                       <a:solidFill>
                         <a:srgbClr val="FF0000"/>
@@ -46278,9 +48636,6 @@
                       <a:headEnd type="none" w="sm" len="sm"/>
                       <a:tailEnd type="none" w="sm" len="sm"/>
                     </a:lnB>
-                    <a:solidFill>
-                      <a:srgbClr val="FFF2CC"/>
-                    </a:solidFill>
                   </a:tcPr>
                 </a:tc>
                 <a:tc>
@@ -46314,7 +48669,7 @@
                       </a:endParaRPr>
                     </a:p>
                   </a:txBody>
-                  <a:tcPr marL="18275" marR="18275" marT="18275" marB="18275">
+                  <a:tcPr marL="9125" marR="9125" marT="9125" marB="9125">
                     <a:lnL w="9525" cap="flat" cmpd="sng">
                       <a:solidFill>
                         <a:srgbClr val="FF0000"/>
@@ -46351,9 +48706,6 @@
                       <a:headEnd type="none" w="sm" len="sm"/>
                       <a:tailEnd type="none" w="sm" len="sm"/>
                     </a:lnB>
-                    <a:solidFill>
-                      <a:srgbClr val="FFF2CC"/>
-                    </a:solidFill>
                   </a:tcPr>
                 </a:tc>
                 <a:tc>
@@ -46387,7 +48739,7 @@
                       </a:endParaRPr>
                     </a:p>
                   </a:txBody>
-                  <a:tcPr marL="18275" marR="18275" marT="18275" marB="18275">
+                  <a:tcPr marL="9125" marR="9125" marT="9125" marB="9125">
                     <a:lnL w="9525" cap="flat" cmpd="sng">
                       <a:solidFill>
                         <a:srgbClr val="FF0000"/>
@@ -46424,9 +48776,6 @@
                       <a:headEnd type="none" w="sm" len="sm"/>
                       <a:tailEnd type="none" w="sm" len="sm"/>
                     </a:lnB>
-                    <a:solidFill>
-                      <a:srgbClr val="FFF2CC"/>
-                    </a:solidFill>
                   </a:tcPr>
                 </a:tc>
                 <a:tc>
@@ -46460,7 +48809,7 @@
                       </a:endParaRPr>
                     </a:p>
                   </a:txBody>
-                  <a:tcPr marL="18275" marR="18275" marT="18275" marB="18275">
+                  <a:tcPr marL="9125" marR="9125" marT="9125" marB="9125">
                     <a:lnL w="9525" cap="flat" cmpd="sng">
                       <a:solidFill>
                         <a:srgbClr val="FF0000"/>
@@ -46497,18 +48846,15 @@
                       <a:headEnd type="none" w="sm" len="sm"/>
                       <a:tailEnd type="none" w="sm" len="sm"/>
                     </a:lnB>
-                    <a:solidFill>
-                      <a:srgbClr val="FFF2CC"/>
-                    </a:solidFill>
                   </a:tcPr>
                 </a:tc>
                 <a:extLst>
                   <a:ext uri="{0D108BD9-81ED-4DB2-BD59-A6C34878D82A}">
-                    <a16:rowId xmlns:a16="http://schemas.microsoft.com/office/drawing/2014/main" val="10013"/>
+                    <a16:rowId xmlns:a16="http://schemas.microsoft.com/office/drawing/2014/main" val="10014"/>
                   </a:ext>
                 </a:extLst>
               </a:tr>
-              <a:tr h="97300">
+              <a:tr h="151075">
                 <a:tc>
                   <a:txBody>
                     <a:bodyPr/>
@@ -46540,7 +48886,7 @@
                       </a:endParaRPr>
                     </a:p>
                   </a:txBody>
-                  <a:tcPr marL="18275" marR="18275" marT="18275" marB="18275">
+                  <a:tcPr marL="9125" marR="9125" marT="9125" marB="9125">
                     <a:lnL w="9525" cap="flat" cmpd="sng">
                       <a:solidFill>
                         <a:srgbClr val="FF0000"/>
@@ -46577,9 +48923,6 @@
                       <a:headEnd type="none" w="sm" len="sm"/>
                       <a:tailEnd type="none" w="sm" len="sm"/>
                     </a:lnB>
-                    <a:solidFill>
-                      <a:srgbClr val="FFF2CC"/>
-                    </a:solidFill>
                   </a:tcPr>
                 </a:tc>
                 <a:tc>
@@ -46613,7 +48956,7 @@
                       </a:endParaRPr>
                     </a:p>
                   </a:txBody>
-                  <a:tcPr marL="18275" marR="18275" marT="18275" marB="18275">
+                  <a:tcPr marL="9125" marR="9125" marT="9125" marB="9125">
                     <a:lnL w="9525" cap="flat" cmpd="sng">
                       <a:solidFill>
                         <a:srgbClr val="FF0000"/>
@@ -46650,9 +48993,6 @@
                       <a:headEnd type="none" w="sm" len="sm"/>
                       <a:tailEnd type="none" w="sm" len="sm"/>
                     </a:lnB>
-                    <a:solidFill>
-                      <a:srgbClr val="FFF2CC"/>
-                    </a:solidFill>
                   </a:tcPr>
                 </a:tc>
                 <a:tc>
@@ -46686,7 +49026,7 @@
                       </a:endParaRPr>
                     </a:p>
                   </a:txBody>
-                  <a:tcPr marL="18275" marR="18275" marT="18275" marB="18275">
+                  <a:tcPr marL="9125" marR="9125" marT="9125" marB="9125">
                     <a:lnL w="9525" cap="flat" cmpd="sng">
                       <a:solidFill>
                         <a:srgbClr val="FF0000"/>
@@ -46723,9 +49063,6 @@
                       <a:headEnd type="none" w="sm" len="sm"/>
                       <a:tailEnd type="none" w="sm" len="sm"/>
                     </a:lnB>
-                    <a:solidFill>
-                      <a:srgbClr val="FFF2CC"/>
-                    </a:solidFill>
                   </a:tcPr>
                 </a:tc>
                 <a:tc>
@@ -46759,7 +49096,7 @@
                       </a:endParaRPr>
                     </a:p>
                   </a:txBody>
-                  <a:tcPr marL="18275" marR="18275" marT="18275" marB="18275">
+                  <a:tcPr marL="9125" marR="9125" marT="9125" marB="9125">
                     <a:lnL w="9525" cap="flat" cmpd="sng">
                       <a:solidFill>
                         <a:srgbClr val="FF0000"/>
@@ -46796,9 +49133,6 @@
                       <a:headEnd type="none" w="sm" len="sm"/>
                       <a:tailEnd type="none" w="sm" len="sm"/>
                     </a:lnB>
-                    <a:solidFill>
-                      <a:srgbClr val="FFF2CC"/>
-                    </a:solidFill>
                   </a:tcPr>
                 </a:tc>
                 <a:tc>
@@ -46832,7 +49166,7 @@
                       </a:endParaRPr>
                     </a:p>
                   </a:txBody>
-                  <a:tcPr marL="18275" marR="18275" marT="18275" marB="18275">
+                  <a:tcPr marL="9125" marR="9125" marT="9125" marB="9125">
                     <a:lnL w="9525" cap="flat" cmpd="sng">
                       <a:solidFill>
                         <a:srgbClr val="FF0000"/>
@@ -46869,18 +49203,15 @@
                       <a:headEnd type="none" w="sm" len="sm"/>
                       <a:tailEnd type="none" w="sm" len="sm"/>
                     </a:lnB>
-                    <a:solidFill>
-                      <a:srgbClr val="FFF2CC"/>
-                    </a:solidFill>
                   </a:tcPr>
                 </a:tc>
                 <a:extLst>
                   <a:ext uri="{0D108BD9-81ED-4DB2-BD59-A6C34878D82A}">
-                    <a16:rowId xmlns:a16="http://schemas.microsoft.com/office/drawing/2014/main" val="10014"/>
+                    <a16:rowId xmlns:a16="http://schemas.microsoft.com/office/drawing/2014/main" val="10015"/>
                   </a:ext>
                 </a:extLst>
               </a:tr>
-              <a:tr h="97300">
+              <a:tr h="151075">
                 <a:tc>
                   <a:txBody>
                     <a:bodyPr/>
@@ -46912,7 +49243,7 @@
                       </a:endParaRPr>
                     </a:p>
                   </a:txBody>
-                  <a:tcPr marL="18275" marR="18275" marT="18275" marB="18275">
+                  <a:tcPr marL="9125" marR="9125" marT="9125" marB="9125">
                     <a:lnL w="9525" cap="flat" cmpd="sng">
                       <a:solidFill>
                         <a:srgbClr val="FF0000"/>
@@ -46949,9 +49280,6 @@
                       <a:headEnd type="none" w="sm" len="sm"/>
                       <a:tailEnd type="none" w="sm" len="sm"/>
                     </a:lnB>
-                    <a:solidFill>
-                      <a:srgbClr val="FFF2CC"/>
-                    </a:solidFill>
                   </a:tcPr>
                 </a:tc>
                 <a:tc>
@@ -46985,7 +49313,7 @@
                       </a:endParaRPr>
                     </a:p>
                   </a:txBody>
-                  <a:tcPr marL="18275" marR="18275" marT="18275" marB="18275">
+                  <a:tcPr marL="9125" marR="9125" marT="9125" marB="9125">
                     <a:lnL w="9525" cap="flat" cmpd="sng">
                       <a:solidFill>
                         <a:srgbClr val="FF0000"/>
@@ -47022,9 +49350,6 @@
                       <a:headEnd type="none" w="sm" len="sm"/>
                       <a:tailEnd type="none" w="sm" len="sm"/>
                     </a:lnB>
-                    <a:solidFill>
-                      <a:srgbClr val="FFF2CC"/>
-                    </a:solidFill>
                   </a:tcPr>
                 </a:tc>
                 <a:tc>
@@ -47058,7 +49383,7 @@
                       </a:endParaRPr>
                     </a:p>
                   </a:txBody>
-                  <a:tcPr marL="18275" marR="18275" marT="18275" marB="18275">
+                  <a:tcPr marL="9125" marR="9125" marT="9125" marB="9125">
                     <a:lnL w="9525" cap="flat" cmpd="sng">
                       <a:solidFill>
                         <a:srgbClr val="FF0000"/>
@@ -47095,9 +49420,6 @@
                       <a:headEnd type="none" w="sm" len="sm"/>
                       <a:tailEnd type="none" w="sm" len="sm"/>
                     </a:lnB>
-                    <a:solidFill>
-                      <a:srgbClr val="FFF2CC"/>
-                    </a:solidFill>
                   </a:tcPr>
                 </a:tc>
                 <a:tc>
@@ -47131,7 +49453,7 @@
                       </a:endParaRPr>
                     </a:p>
                   </a:txBody>
-                  <a:tcPr marL="18275" marR="18275" marT="18275" marB="18275">
+                  <a:tcPr marL="9125" marR="9125" marT="9125" marB="9125">
                     <a:lnL w="9525" cap="flat" cmpd="sng">
                       <a:solidFill>
                         <a:srgbClr val="FF0000"/>
@@ -47168,9 +49490,6 @@
                       <a:headEnd type="none" w="sm" len="sm"/>
                       <a:tailEnd type="none" w="sm" len="sm"/>
                     </a:lnB>
-                    <a:solidFill>
-                      <a:srgbClr val="FFF2CC"/>
-                    </a:solidFill>
                   </a:tcPr>
                 </a:tc>
                 <a:tc>
@@ -47204,7 +49523,7 @@
                       </a:endParaRPr>
                     </a:p>
                   </a:txBody>
-                  <a:tcPr marL="18275" marR="18275" marT="18275" marB="18275">
+                  <a:tcPr marL="9125" marR="9125" marT="9125" marB="9125">
                     <a:lnL w="9525" cap="flat" cmpd="sng">
                       <a:solidFill>
                         <a:srgbClr val="FF0000"/>
@@ -47241,18 +49560,15 @@
                       <a:headEnd type="none" w="sm" len="sm"/>
                       <a:tailEnd type="none" w="sm" len="sm"/>
                     </a:lnB>
-                    <a:solidFill>
-                      <a:srgbClr val="FFF2CC"/>
-                    </a:solidFill>
                   </a:tcPr>
                 </a:tc>
                 <a:extLst>
                   <a:ext uri="{0D108BD9-81ED-4DB2-BD59-A6C34878D82A}">
-                    <a16:rowId xmlns:a16="http://schemas.microsoft.com/office/drawing/2014/main" val="10015"/>
+                    <a16:rowId xmlns:a16="http://schemas.microsoft.com/office/drawing/2014/main" val="10016"/>
                   </a:ext>
                 </a:extLst>
               </a:tr>
-              <a:tr h="97300">
+              <a:tr h="151075">
                 <a:tc>
                   <a:txBody>
                     <a:bodyPr/>
@@ -47284,7 +49600,7 @@
                       </a:endParaRPr>
                     </a:p>
                   </a:txBody>
-                  <a:tcPr marL="18275" marR="18275" marT="18275" marB="18275">
+                  <a:tcPr marL="9125" marR="9125" marT="9125" marB="9125">
                     <a:lnL w="9525" cap="flat" cmpd="sng">
                       <a:solidFill>
                         <a:srgbClr val="FF0000"/>
@@ -47321,9 +49637,6 @@
                       <a:headEnd type="none" w="sm" len="sm"/>
                       <a:tailEnd type="none" w="sm" len="sm"/>
                     </a:lnB>
-                    <a:solidFill>
-                      <a:srgbClr val="FFF2CC"/>
-                    </a:solidFill>
                   </a:tcPr>
                 </a:tc>
                 <a:tc>
@@ -47357,7 +49670,7 @@
                       </a:endParaRPr>
                     </a:p>
                   </a:txBody>
-                  <a:tcPr marL="18275" marR="18275" marT="18275" marB="18275">
+                  <a:tcPr marL="9125" marR="9125" marT="9125" marB="9125">
                     <a:lnL w="9525" cap="flat" cmpd="sng">
                       <a:solidFill>
                         <a:srgbClr val="FF0000"/>
@@ -47394,9 +49707,6 @@
                       <a:headEnd type="none" w="sm" len="sm"/>
                       <a:tailEnd type="none" w="sm" len="sm"/>
                     </a:lnB>
-                    <a:solidFill>
-                      <a:srgbClr val="FFF2CC"/>
-                    </a:solidFill>
                   </a:tcPr>
                 </a:tc>
                 <a:tc>
@@ -47430,7 +49740,7 @@
                       </a:endParaRPr>
                     </a:p>
                   </a:txBody>
-                  <a:tcPr marL="18275" marR="18275" marT="18275" marB="18275">
+                  <a:tcPr marL="9125" marR="9125" marT="9125" marB="9125">
                     <a:lnL w="9525" cap="flat" cmpd="sng">
                       <a:solidFill>
                         <a:srgbClr val="FF0000"/>
@@ -47467,9 +49777,6 @@
                       <a:headEnd type="none" w="sm" len="sm"/>
                       <a:tailEnd type="none" w="sm" len="sm"/>
                     </a:lnB>
-                    <a:solidFill>
-                      <a:srgbClr val="FFF2CC"/>
-                    </a:solidFill>
                   </a:tcPr>
                 </a:tc>
                 <a:tc>
@@ -47503,7 +49810,7 @@
                       </a:endParaRPr>
                     </a:p>
                   </a:txBody>
-                  <a:tcPr marL="18275" marR="18275" marT="18275" marB="18275">
+                  <a:tcPr marL="9125" marR="9125" marT="9125" marB="9125">
                     <a:lnL w="9525" cap="flat" cmpd="sng">
                       <a:solidFill>
                         <a:srgbClr val="FF0000"/>
@@ -47540,9 +49847,6 @@
                       <a:headEnd type="none" w="sm" len="sm"/>
                       <a:tailEnd type="none" w="sm" len="sm"/>
                     </a:lnB>
-                    <a:solidFill>
-                      <a:srgbClr val="FFF2CC"/>
-                    </a:solidFill>
                   </a:tcPr>
                 </a:tc>
                 <a:tc>
@@ -47576,7 +49880,7 @@
                       </a:endParaRPr>
                     </a:p>
                   </a:txBody>
-                  <a:tcPr marL="18275" marR="18275" marT="18275" marB="18275">
+                  <a:tcPr marL="9125" marR="9125" marT="9125" marB="9125">
                     <a:lnL w="9525" cap="flat" cmpd="sng">
                       <a:solidFill>
                         <a:srgbClr val="FF0000"/>
@@ -47613,18 +49917,15 @@
                       <a:headEnd type="none" w="sm" len="sm"/>
                       <a:tailEnd type="none" w="sm" len="sm"/>
                     </a:lnB>
-                    <a:solidFill>
-                      <a:srgbClr val="FFF2CC"/>
-                    </a:solidFill>
                   </a:tcPr>
                 </a:tc>
                 <a:extLst>
                   <a:ext uri="{0D108BD9-81ED-4DB2-BD59-A6C34878D82A}">
-                    <a16:rowId xmlns:a16="http://schemas.microsoft.com/office/drawing/2014/main" val="10016"/>
+                    <a16:rowId xmlns:a16="http://schemas.microsoft.com/office/drawing/2014/main" val="10017"/>
                   </a:ext>
                 </a:extLst>
               </a:tr>
-              <a:tr h="97300">
+              <a:tr h="151075">
                 <a:tc>
                   <a:txBody>
                     <a:bodyPr/>
@@ -47656,7 +49957,7 @@
                       </a:endParaRPr>
                     </a:p>
                   </a:txBody>
-                  <a:tcPr marL="18275" marR="18275" marT="18275" marB="18275">
+                  <a:tcPr marL="9125" marR="9125" marT="9125" marB="9125">
                     <a:lnL w="9525" cap="flat" cmpd="sng">
                       <a:solidFill>
                         <a:srgbClr val="FF0000"/>
@@ -47693,9 +49994,6 @@
                       <a:headEnd type="none" w="sm" len="sm"/>
                       <a:tailEnd type="none" w="sm" len="sm"/>
                     </a:lnB>
-                    <a:solidFill>
-                      <a:srgbClr val="FFF2CC"/>
-                    </a:solidFill>
                   </a:tcPr>
                 </a:tc>
                 <a:tc>
@@ -47729,7 +50027,7 @@
                       </a:endParaRPr>
                     </a:p>
                   </a:txBody>
-                  <a:tcPr marL="18275" marR="18275" marT="18275" marB="18275">
+                  <a:tcPr marL="9125" marR="9125" marT="9125" marB="9125">
                     <a:lnL w="9525" cap="flat" cmpd="sng">
                       <a:solidFill>
                         <a:srgbClr val="FF0000"/>
@@ -47766,9 +50064,6 @@
                       <a:headEnd type="none" w="sm" len="sm"/>
                       <a:tailEnd type="none" w="sm" len="sm"/>
                     </a:lnB>
-                    <a:solidFill>
-                      <a:srgbClr val="FFF2CC"/>
-                    </a:solidFill>
                   </a:tcPr>
                 </a:tc>
                 <a:tc>
@@ -47802,7 +50097,7 @@
                       </a:endParaRPr>
                     </a:p>
                   </a:txBody>
-                  <a:tcPr marL="18275" marR="18275" marT="18275" marB="18275">
+                  <a:tcPr marL="9125" marR="9125" marT="9125" marB="9125">
                     <a:lnL w="9525" cap="flat" cmpd="sng">
                       <a:solidFill>
                         <a:srgbClr val="FF0000"/>
@@ -47839,9 +50134,6 @@
                       <a:headEnd type="none" w="sm" len="sm"/>
                       <a:tailEnd type="none" w="sm" len="sm"/>
                     </a:lnB>
-                    <a:solidFill>
-                      <a:srgbClr val="FFF2CC"/>
-                    </a:solidFill>
                   </a:tcPr>
                 </a:tc>
                 <a:tc>
@@ -47875,7 +50167,7 @@
                       </a:endParaRPr>
                     </a:p>
                   </a:txBody>
-                  <a:tcPr marL="18275" marR="18275" marT="18275" marB="18275">
+                  <a:tcPr marL="9125" marR="9125" marT="9125" marB="9125">
                     <a:lnL w="9525" cap="flat" cmpd="sng">
                       <a:solidFill>
                         <a:srgbClr val="FF0000"/>
@@ -47912,9 +50204,6 @@
                       <a:headEnd type="none" w="sm" len="sm"/>
                       <a:tailEnd type="none" w="sm" len="sm"/>
                     </a:lnB>
-                    <a:solidFill>
-                      <a:srgbClr val="FFF2CC"/>
-                    </a:solidFill>
                   </a:tcPr>
                 </a:tc>
                 <a:tc>
@@ -47948,7 +50237,7 @@
                       </a:endParaRPr>
                     </a:p>
                   </a:txBody>
-                  <a:tcPr marL="18275" marR="18275" marT="18275" marB="18275">
+                  <a:tcPr marL="9125" marR="9125" marT="9125" marB="9125">
                     <a:lnL w="9525" cap="flat" cmpd="sng">
                       <a:solidFill>
                         <a:srgbClr val="FF0000"/>
@@ -47985,18 +50274,15 @@
                       <a:headEnd type="none" w="sm" len="sm"/>
                       <a:tailEnd type="none" w="sm" len="sm"/>
                     </a:lnB>
-                    <a:solidFill>
-                      <a:srgbClr val="FFF2CC"/>
-                    </a:solidFill>
                   </a:tcPr>
                 </a:tc>
                 <a:extLst>
                   <a:ext uri="{0D108BD9-81ED-4DB2-BD59-A6C34878D82A}">
-                    <a16:rowId xmlns:a16="http://schemas.microsoft.com/office/drawing/2014/main" val="10017"/>
+                    <a16:rowId xmlns:a16="http://schemas.microsoft.com/office/drawing/2014/main" val="10018"/>
                   </a:ext>
                 </a:extLst>
               </a:tr>
-              <a:tr h="97300">
+              <a:tr h="151075">
                 <a:tc>
                   <a:txBody>
                     <a:bodyPr/>
@@ -48028,7 +50314,7 @@
                       </a:endParaRPr>
                     </a:p>
                   </a:txBody>
-                  <a:tcPr marL="18275" marR="18275" marT="18275" marB="18275">
+                  <a:tcPr marL="9125" marR="9125" marT="9125" marB="9125">
                     <a:lnL w="9525" cap="flat" cmpd="sng">
                       <a:solidFill>
                         <a:srgbClr val="FF0000"/>
@@ -48065,9 +50351,6 @@
                       <a:headEnd type="none" w="sm" len="sm"/>
                       <a:tailEnd type="none" w="sm" len="sm"/>
                     </a:lnB>
-                    <a:solidFill>
-                      <a:srgbClr val="FFF2CC"/>
-                    </a:solidFill>
                   </a:tcPr>
                 </a:tc>
                 <a:tc>
@@ -48101,7 +50384,7 @@
                       </a:endParaRPr>
                     </a:p>
                   </a:txBody>
-                  <a:tcPr marL="18275" marR="18275" marT="18275" marB="18275">
+                  <a:tcPr marL="9125" marR="9125" marT="9125" marB="9125">
                     <a:lnL w="9525" cap="flat" cmpd="sng">
                       <a:solidFill>
                         <a:srgbClr val="FF0000"/>
@@ -48138,9 +50421,6 @@
                       <a:headEnd type="none" w="sm" len="sm"/>
                       <a:tailEnd type="none" w="sm" len="sm"/>
                     </a:lnB>
-                    <a:solidFill>
-                      <a:srgbClr val="FFF2CC"/>
-                    </a:solidFill>
                   </a:tcPr>
                 </a:tc>
                 <a:tc>
@@ -48174,7 +50454,7 @@
                       </a:endParaRPr>
                     </a:p>
                   </a:txBody>
-                  <a:tcPr marL="18275" marR="18275" marT="18275" marB="18275">
+                  <a:tcPr marL="9125" marR="9125" marT="9125" marB="9125">
                     <a:lnL w="9525" cap="flat" cmpd="sng">
                       <a:solidFill>
                         <a:srgbClr val="FF0000"/>
@@ -48211,9 +50491,6 @@
                       <a:headEnd type="none" w="sm" len="sm"/>
                       <a:tailEnd type="none" w="sm" len="sm"/>
                     </a:lnB>
-                    <a:solidFill>
-                      <a:srgbClr val="FFF2CC"/>
-                    </a:solidFill>
                   </a:tcPr>
                 </a:tc>
                 <a:tc>
@@ -48247,7 +50524,7 @@
                       </a:endParaRPr>
                     </a:p>
                   </a:txBody>
-                  <a:tcPr marL="18275" marR="18275" marT="18275" marB="18275">
+                  <a:tcPr marL="9125" marR="9125" marT="9125" marB="9125">
                     <a:lnL w="9525" cap="flat" cmpd="sng">
                       <a:solidFill>
                         <a:srgbClr val="FF0000"/>
@@ -48284,9 +50561,6 @@
                       <a:headEnd type="none" w="sm" len="sm"/>
                       <a:tailEnd type="none" w="sm" len="sm"/>
                     </a:lnB>
-                    <a:solidFill>
-                      <a:srgbClr val="FFF2CC"/>
-                    </a:solidFill>
                   </a:tcPr>
                 </a:tc>
                 <a:tc>
@@ -48320,7 +50594,7 @@
                       </a:endParaRPr>
                     </a:p>
                   </a:txBody>
-                  <a:tcPr marL="18275" marR="18275" marT="18275" marB="18275">
+                  <a:tcPr marL="9125" marR="9125" marT="9125" marB="9125">
                     <a:lnL w="9525" cap="flat" cmpd="sng">
                       <a:solidFill>
                         <a:srgbClr val="FF0000"/>
@@ -48357,14 +50631,11 @@
                       <a:headEnd type="none" w="sm" len="sm"/>
                       <a:tailEnd type="none" w="sm" len="sm"/>
                     </a:lnB>
-                    <a:solidFill>
-                      <a:srgbClr val="FFF2CC"/>
-                    </a:solidFill>
                   </a:tcPr>
                 </a:tc>
                 <a:extLst>
                   <a:ext uri="{0D108BD9-81ED-4DB2-BD59-A6C34878D82A}">
-                    <a16:rowId xmlns:a16="http://schemas.microsoft.com/office/drawing/2014/main" val="10018"/>
+                    <a16:rowId xmlns:a16="http://schemas.microsoft.com/office/drawing/2014/main" val="10019"/>
                   </a:ext>
                 </a:extLst>
               </a:tr>
@@ -48471,8 +50742,8 @@
         </p:nvSpPr>
         <p:spPr>
           <a:xfrm>
-            <a:off x="127650" y="696775"/>
-            <a:ext cx="4352700" cy="1403700"/>
+            <a:off x="127650" y="583037"/>
+            <a:ext cx="4352700" cy="1727100"/>
           </a:xfrm>
           <a:prstGeom prst="rect">
             <a:avLst/>
@@ -48557,6 +50828,37 @@
                 <a:cs typeface="Calibri"/>
                 <a:sym typeface="Calibri"/>
               </a:rPr>
+              <a:t>Original Moore's Law - doubling every 2 years (1975 revision)</a:t>
+            </a:r>
+            <a:endParaRPr sz="1200">
+              <a:latin typeface="Calibri"/>
+              <a:ea typeface="Calibri"/>
+              <a:cs typeface="Calibri"/>
+              <a:sym typeface="Calibri"/>
+            </a:endParaRPr>
+          </a:p>
+          <a:p>
+            <a:pPr marL="171450" marR="0" lvl="0" indent="-133350" algn="l" rtl="0">
+              <a:lnSpc>
+                <a:spcPct val="100000"/>
+              </a:lnSpc>
+              <a:spcBef>
+                <a:spcPts val="0"/>
+              </a:spcBef>
+              <a:spcAft>
+                <a:spcPts val="0"/>
+              </a:spcAft>
+              <a:buSzPts val="1200"/>
+              <a:buFont typeface="Calibri"/>
+              <a:buChar char="●"/>
+            </a:pPr>
+            <a:r>
+              <a:rPr lang="en" sz="1200">
+                <a:latin typeface="Calibri"/>
+                <a:ea typeface="Calibri"/>
+                <a:cs typeface="Calibri"/>
+                <a:sym typeface="Calibri"/>
+              </a:rPr>
               <a:t>The length of coding tasks frontier systems can complete is growing exponentially - </a:t>
             </a:r>
             <a:r>
@@ -48760,7 +51062,51 @@
               </a:rPr>
               <a:t>https://metr.org/blog/2025-03-19-measuring-ai-ability-to-complete-long-tasks/</a:t>
             </a:r>
-            <a:endParaRPr sz="1200">
+            <a:endParaRPr sz="900">
+              <a:latin typeface="Calibri"/>
+              <a:ea typeface="Calibri"/>
+              <a:cs typeface="Calibri"/>
+              <a:sym typeface="Calibri"/>
+            </a:endParaRPr>
+          </a:p>
+          <a:p>
+            <a:pPr marL="171450" marR="0" lvl="0" indent="-114300" algn="l" rtl="0">
+              <a:lnSpc>
+                <a:spcPct val="100000"/>
+              </a:lnSpc>
+              <a:spcBef>
+                <a:spcPts val="0"/>
+              </a:spcBef>
+              <a:spcAft>
+                <a:spcPts val="0"/>
+              </a:spcAft>
+              <a:buSzPts val="900"/>
+              <a:buFont typeface="Calibri"/>
+              <a:buChar char="●"/>
+            </a:pPr>
+            <a:r>
+              <a:rPr lang="en" sz="900" u="sng">
+                <a:solidFill>
+                  <a:schemeClr val="hlink"/>
+                </a:solidFill>
+                <a:latin typeface="Calibri"/>
+                <a:ea typeface="Calibri"/>
+                <a:cs typeface="Calibri"/>
+                <a:sym typeface="Calibri"/>
+                <a:hlinkClick r:id="rId5"/>
+              </a:rPr>
+              <a:t>https://en.wikipedia.org/wiki/Moore%27s_law</a:t>
+            </a:r>
+            <a:r>
+              <a:rPr lang="en" sz="900">
+                <a:latin typeface="Calibri"/>
+                <a:ea typeface="Calibri"/>
+                <a:cs typeface="Calibri"/>
+                <a:sym typeface="Calibri"/>
+              </a:rPr>
+              <a:t> </a:t>
+            </a:r>
+            <a:endParaRPr sz="900">
               <a:latin typeface="Calibri"/>
               <a:ea typeface="Calibri"/>
               <a:cs typeface="Calibri"/>
@@ -48776,7 +51122,7 @@
           <p:nvPr/>
         </p:nvPicPr>
         <p:blipFill>
-          <a:blip r:embed="rId5" cstate="email">
+          <a:blip r:embed="rId6" cstate="email">
             <a:alphaModFix/>
             <a:extLst>
               <a:ext uri="{28A0092B-C50C-407E-A947-70E740481C1C}">
@@ -48790,8 +51136,47 @@
         </p:blipFill>
         <p:spPr>
           <a:xfrm>
-            <a:off x="4714477" y="1105275"/>
+            <a:off x="4663927" y="1105275"/>
             <a:ext cx="4352776" cy="2686075"/>
+          </a:xfrm>
+          <a:prstGeom prst="rect">
+            <a:avLst/>
+          </a:prstGeom>
+          <a:noFill/>
+          <a:ln w="9525" cap="flat" cmpd="sng">
+            <a:solidFill>
+              <a:srgbClr val="FF0000"/>
+            </a:solidFill>
+            <a:prstDash val="solid"/>
+            <a:round/>
+            <a:headEnd type="none" w="sm" len="sm"/>
+            <a:tailEnd type="none" w="sm" len="sm"/>
+          </a:ln>
+        </p:spPr>
+      </p:pic>
+      <p:pic>
+        <p:nvPicPr>
+          <p:cNvPr id="156" name="Google Shape;156;p18"/>
+          <p:cNvPicPr preferRelativeResize="0"/>
+          <p:nvPr/>
+        </p:nvPicPr>
+        <p:blipFill>
+          <a:blip r:embed="rId7" cstate="email">
+            <a:alphaModFix/>
+            <a:extLst>
+              <a:ext uri="{28A0092B-C50C-407E-A947-70E740481C1C}">
+                <a14:useLocalDpi xmlns:a14="http://schemas.microsoft.com/office/drawing/2010/main"/>
+              </a:ext>
+            </a:extLst>
+          </a:blip>
+          <a:stretch>
+            <a:fillRect/>
+          </a:stretch>
+        </p:blipFill>
+        <p:spPr>
+          <a:xfrm>
+            <a:off x="541850" y="2425037"/>
+            <a:ext cx="3451761" cy="2553426"/>
           </a:xfrm>
           <a:prstGeom prst="rect">
             <a:avLst/>
@@ -48821,7 +51206,7 @@
   <p:cSld>
     <p:spTree>
       <p:nvGrpSpPr>
-        <p:cNvPr id="1" name="Shape 159"/>
+        <p:cNvPr id="1" name="Shape 160"/>
         <p:cNvGrpSpPr/>
         <p:nvPr/>
       </p:nvGrpSpPr>
@@ -48835,7 +51220,7 @@
       </p:grpSpPr>
       <p:sp>
         <p:nvSpPr>
-          <p:cNvPr id="160" name="Google Shape;160;p19"/>
+          <p:cNvPr id="161" name="Google Shape;161;p19"/>
           <p:cNvSpPr txBox="1"/>
           <p:nvPr/>
         </p:nvSpPr>
@@ -48901,7 +51286,7 @@
       </p:sp>
       <p:sp>
         <p:nvSpPr>
-          <p:cNvPr id="161" name="Google Shape;161;p19"/>
+          <p:cNvPr id="162" name="Google Shape;162;p19"/>
           <p:cNvSpPr txBox="1"/>
           <p:nvPr/>
         </p:nvSpPr>
@@ -49275,7 +51660,7 @@
       </p:sp>
       <p:pic>
         <p:nvPicPr>
-          <p:cNvPr id="162" name="Google Shape;162;p19"/>
+          <p:cNvPr id="163" name="Google Shape;163;p19"/>
           <p:cNvPicPr preferRelativeResize="0"/>
           <p:nvPr/>
         </p:nvPicPr>
@@ -49314,7 +51699,7 @@
       </p:pic>
       <p:pic>
         <p:nvPicPr>
-          <p:cNvPr id="163" name="Google Shape;163;p19"/>
+          <p:cNvPr id="164" name="Google Shape;164;p19"/>
           <p:cNvPicPr preferRelativeResize="0"/>
           <p:nvPr/>
         </p:nvPicPr>
@@ -49364,7 +51749,7 @@
   <p:cSld>
     <p:spTree>
       <p:nvGrpSpPr>
-        <p:cNvPr id="1" name="Shape 167"/>
+        <p:cNvPr id="1" name="Shape 168"/>
         <p:cNvGrpSpPr/>
         <p:nvPr/>
       </p:nvGrpSpPr>
@@ -49378,7 +51763,7 @@
       </p:grpSpPr>
       <p:sp>
         <p:nvSpPr>
-          <p:cNvPr id="168" name="Google Shape;168;p20"/>
+          <p:cNvPr id="169" name="Google Shape;169;p20"/>
           <p:cNvSpPr txBox="1"/>
           <p:nvPr/>
         </p:nvSpPr>
@@ -49444,14 +51829,14 @@
       </p:sp>
       <p:sp>
         <p:nvSpPr>
-          <p:cNvPr id="169" name="Google Shape;169;p20"/>
+          <p:cNvPr id="170" name="Google Shape;170;p20"/>
           <p:cNvSpPr txBox="1"/>
           <p:nvPr/>
         </p:nvSpPr>
         <p:spPr>
           <a:xfrm>
             <a:off x="55075" y="766300"/>
-            <a:ext cx="4465200" cy="2235000"/>
+            <a:ext cx="4465200" cy="2419500"/>
           </a:xfrm>
           <a:prstGeom prst="rect">
             <a:avLst/>
@@ -49722,16 +52107,60 @@
               <a:sym typeface="Calibri"/>
             </a:endParaRPr>
           </a:p>
+          <a:p>
+            <a:pPr marL="171450" marR="0" lvl="0" indent="-133350" algn="l" rtl="0">
+              <a:lnSpc>
+                <a:spcPct val="100000"/>
+              </a:lnSpc>
+              <a:spcBef>
+                <a:spcPts val="0"/>
+              </a:spcBef>
+              <a:spcAft>
+                <a:spcPts val="0"/>
+              </a:spcAft>
+              <a:buSzPts val="1200"/>
+              <a:buFont typeface="Calibri"/>
+              <a:buChar char="●"/>
+            </a:pPr>
+            <a:r>
+              <a:rPr lang="en" sz="1200" u="sng">
+                <a:solidFill>
+                  <a:schemeClr val="hlink"/>
+                </a:solidFill>
+                <a:latin typeface="Calibri"/>
+                <a:ea typeface="Calibri"/>
+                <a:cs typeface="Calibri"/>
+                <a:sym typeface="Calibri"/>
+                <a:hlinkClick r:id="rId3"/>
+              </a:rPr>
+              <a:t>https://www.youtube.com/watch?v=RrHSIC7Sey8</a:t>
+            </a:r>
+            <a:r>
+              <a:rPr lang="en" sz="1200">
+                <a:latin typeface="Calibri"/>
+                <a:ea typeface="Calibri"/>
+                <a:cs typeface="Calibri"/>
+                <a:sym typeface="Calibri"/>
+              </a:rPr>
+              <a:t> - video</a:t>
+            </a:r>
+            <a:endParaRPr sz="1200">
+              <a:latin typeface="Calibri"/>
+              <a:ea typeface="Calibri"/>
+              <a:cs typeface="Calibri"/>
+              <a:sym typeface="Calibri"/>
+            </a:endParaRPr>
+          </a:p>
         </p:txBody>
       </p:sp>
       <p:pic>
         <p:nvPicPr>
-          <p:cNvPr id="170" name="Google Shape;170;p20"/>
+          <p:cNvPr id="171" name="Google Shape;171;p20"/>
           <p:cNvPicPr preferRelativeResize="0"/>
           <p:nvPr/>
         </p:nvPicPr>
         <p:blipFill rotWithShape="1">
-          <a:blip r:embed="rId3" cstate="email">
+          <a:blip r:embed="rId4" cstate="email">
             <a:alphaModFix/>
             <a:extLst>
               <a:ext uri="{28A0092B-C50C-407E-A947-70E740481C1C}">
@@ -49751,19 +52180,25 @@
             <a:avLst/>
           </a:prstGeom>
           <a:noFill/>
-          <a:ln>
-            <a:noFill/>
+          <a:ln w="9525" cap="flat" cmpd="sng">
+            <a:solidFill>
+              <a:srgbClr val="FF0000"/>
+            </a:solidFill>
+            <a:prstDash val="solid"/>
+            <a:round/>
+            <a:headEnd type="none" w="sm" len="sm"/>
+            <a:tailEnd type="none" w="sm" len="sm"/>
           </a:ln>
         </p:spPr>
       </p:pic>
       <p:pic>
         <p:nvPicPr>
-          <p:cNvPr id="171" name="Google Shape;171;p20"/>
+          <p:cNvPr id="172" name="Google Shape;172;p20"/>
           <p:cNvPicPr preferRelativeResize="0"/>
           <p:nvPr/>
         </p:nvPicPr>
         <p:blipFill>
-          <a:blip r:embed="rId4" cstate="email">
+          <a:blip r:embed="rId5" cstate="email">
             <a:alphaModFix/>
             <a:extLst>
               <a:ext uri="{28A0092B-C50C-407E-A947-70E740481C1C}">
@@ -49784,8 +52219,53 @@
             <a:avLst/>
           </a:prstGeom>
           <a:noFill/>
-          <a:ln>
-            <a:noFill/>
+          <a:ln w="9525" cap="flat" cmpd="sng">
+            <a:solidFill>
+              <a:srgbClr val="FF0000"/>
+            </a:solidFill>
+            <a:prstDash val="solid"/>
+            <a:round/>
+            <a:headEnd type="none" w="sm" len="sm"/>
+            <a:tailEnd type="none" w="sm" len="sm"/>
+          </a:ln>
+        </p:spPr>
+      </p:pic>
+      <p:pic>
+        <p:nvPicPr>
+          <p:cNvPr id="173" name="Google Shape;173;p20"/>
+          <p:cNvPicPr preferRelativeResize="0"/>
+          <p:nvPr/>
+        </p:nvPicPr>
+        <p:blipFill>
+          <a:blip r:embed="rId6" cstate="email">
+            <a:alphaModFix/>
+            <a:extLst>
+              <a:ext uri="{28A0092B-C50C-407E-A947-70E740481C1C}">
+                <a14:useLocalDpi xmlns:a14="http://schemas.microsoft.com/office/drawing/2010/main"/>
+              </a:ext>
+            </a:extLst>
+          </a:blip>
+          <a:stretch>
+            <a:fillRect/>
+          </a:stretch>
+        </p:blipFill>
+        <p:spPr>
+          <a:xfrm>
+            <a:off x="780288" y="3338200"/>
+            <a:ext cx="3014769" cy="1652899"/>
+          </a:xfrm>
+          <a:prstGeom prst="rect">
+            <a:avLst/>
+          </a:prstGeom>
+          <a:noFill/>
+          <a:ln w="9525" cap="flat" cmpd="sng">
+            <a:solidFill>
+              <a:srgbClr val="FF0000"/>
+            </a:solidFill>
+            <a:prstDash val="solid"/>
+            <a:round/>
+            <a:headEnd type="none" w="sm" len="sm"/>
+            <a:tailEnd type="none" w="sm" len="sm"/>
           </a:ln>
         </p:spPr>
       </p:pic>
@@ -49802,7 +52282,7 @@
   <p:cSld>
     <p:spTree>
       <p:nvGrpSpPr>
-        <p:cNvPr id="1" name="Shape 175"/>
+        <p:cNvPr id="1" name="Shape 177"/>
         <p:cNvGrpSpPr/>
         <p:nvPr/>
       </p:nvGrpSpPr>
@@ -49816,7 +52296,7 @@
       </p:grpSpPr>
       <p:sp>
         <p:nvSpPr>
-          <p:cNvPr id="176" name="Google Shape;176;p21"/>
+          <p:cNvPr id="178" name="Google Shape;178;p21"/>
           <p:cNvSpPr txBox="1"/>
           <p:nvPr/>
         </p:nvSpPr>
@@ -50181,7 +52661,7 @@
       </p:sp>
       <p:pic>
         <p:nvPicPr>
-          <p:cNvPr id="177" name="Google Shape;177;p21"/>
+          <p:cNvPr id="179" name="Google Shape;179;p21"/>
           <p:cNvPicPr preferRelativeResize="0"/>
           <p:nvPr/>
         </p:nvPicPr>
@@ -50231,7 +52711,7 @@
   <p:cSld>
     <p:spTree>
       <p:nvGrpSpPr>
-        <p:cNvPr id="1" name="Shape 181"/>
+        <p:cNvPr id="1" name="Shape 183"/>
         <p:cNvGrpSpPr/>
         <p:nvPr/>
       </p:nvGrpSpPr>
@@ -50245,7 +52725,7 @@
       </p:grpSpPr>
       <p:sp>
         <p:nvSpPr>
-          <p:cNvPr id="182" name="Google Shape;182;p22"/>
+          <p:cNvPr id="184" name="Google Shape;184;p22"/>
           <p:cNvSpPr txBox="1"/>
           <p:nvPr/>
         </p:nvSpPr>
@@ -50311,7 +52791,7 @@
       </p:sp>
       <p:sp>
         <p:nvSpPr>
-          <p:cNvPr id="183" name="Google Shape;183;p22"/>
+          <p:cNvPr id="185" name="Google Shape;185;p22"/>
           <p:cNvSpPr txBox="1"/>
           <p:nvPr/>
         </p:nvSpPr>
@@ -50602,7 +53082,7 @@
       </p:sp>
       <p:pic>
         <p:nvPicPr>
-          <p:cNvPr id="184" name="Google Shape;184;p22"/>
+          <p:cNvPr id="186" name="Google Shape;186;p22"/>
           <p:cNvPicPr preferRelativeResize="0"/>
           <p:nvPr/>
         </p:nvPicPr>
@@ -50641,7 +53121,7 @@
       </p:pic>
       <p:pic>
         <p:nvPicPr>
-          <p:cNvPr id="185" name="Google Shape;185;p22"/>
+          <p:cNvPr id="187" name="Google Shape;187;p22"/>
           <p:cNvPicPr preferRelativeResize="0"/>
           <p:nvPr/>
         </p:nvPicPr>
@@ -50684,7 +53164,7 @@
   <p:cSld>
     <p:spTree>
       <p:nvGrpSpPr>
-        <p:cNvPr id="1" name="Shape 189"/>
+        <p:cNvPr id="1" name="Shape 191"/>
         <p:cNvGrpSpPr/>
         <p:nvPr/>
       </p:nvGrpSpPr>
@@ -50698,7 +53178,7 @@
       </p:grpSpPr>
       <p:sp>
         <p:nvSpPr>
-          <p:cNvPr id="190" name="Google Shape;190;p23"/>
+          <p:cNvPr id="192" name="Google Shape;192;p23"/>
           <p:cNvSpPr txBox="1"/>
           <p:nvPr/>
         </p:nvSpPr>
@@ -50764,7 +53244,7 @@
       </p:sp>
       <p:sp>
         <p:nvSpPr>
-          <p:cNvPr id="191" name="Google Shape;191;p23"/>
+          <p:cNvPr id="193" name="Google Shape;193;p23"/>
           <p:cNvSpPr txBox="1"/>
           <p:nvPr/>
         </p:nvSpPr>
@@ -51179,7 +53659,7 @@
       </p:sp>
       <p:pic>
         <p:nvPicPr>
-          <p:cNvPr id="192" name="Google Shape;192;p23"/>
+          <p:cNvPr id="194" name="Google Shape;194;p23"/>
           <p:cNvPicPr preferRelativeResize="0"/>
           <p:nvPr/>
         </p:nvPicPr>
@@ -51218,7 +53698,7 @@
       </p:pic>
       <p:sp>
         <p:nvSpPr>
-          <p:cNvPr id="193" name="Google Shape;193;p23"/>
+          <p:cNvPr id="195" name="Google Shape;195;p23"/>
           <p:cNvSpPr txBox="1"/>
           <p:nvPr/>
         </p:nvSpPr>
@@ -51345,7 +53825,7 @@
       </p:sp>
       <p:pic>
         <p:nvPicPr>
-          <p:cNvPr id="194" name="Google Shape;194;p23"/>
+          <p:cNvPr id="196" name="Google Shape;196;p23"/>
           <p:cNvPicPr preferRelativeResize="0"/>
           <p:nvPr/>
         </p:nvPicPr>
@@ -51384,7 +53864,7 @@
       </p:pic>
       <p:sp>
         <p:nvSpPr>
-          <p:cNvPr id="195" name="Google Shape;195;p23"/>
+          <p:cNvPr id="197" name="Google Shape;197;p23"/>
           <p:cNvSpPr txBox="1"/>
           <p:nvPr/>
         </p:nvSpPr>
